--- a/slides/Week 5 - machine learning.pptx
+++ b/slides/Week 5 - machine learning.pptx
@@ -5,32 +5,33 @@
     <p:sldMasterId id="2147483649" r:id="rId1"/>
   </p:sldMasterIdLst>
   <p:notesMasterIdLst>
-    <p:notesMasterId r:id="rId22"/>
+    <p:notesMasterId r:id="rId23"/>
   </p:notesMasterIdLst>
   <p:handoutMasterIdLst>
-    <p:handoutMasterId r:id="rId23"/>
+    <p:handoutMasterId r:id="rId24"/>
   </p:handoutMasterIdLst>
   <p:sldIdLst>
     <p:sldId id="276" r:id="rId2"/>
     <p:sldId id="277" r:id="rId3"/>
-    <p:sldId id="303" r:id="rId4"/>
-    <p:sldId id="298" r:id="rId5"/>
-    <p:sldId id="299" r:id="rId6"/>
-    <p:sldId id="300" r:id="rId7"/>
-    <p:sldId id="301" r:id="rId8"/>
-    <p:sldId id="302" r:id="rId9"/>
-    <p:sldId id="307" r:id="rId10"/>
-    <p:sldId id="304" r:id="rId11"/>
-    <p:sldId id="282" r:id="rId12"/>
-    <p:sldId id="283" r:id="rId13"/>
-    <p:sldId id="284" r:id="rId14"/>
-    <p:sldId id="308" r:id="rId15"/>
-    <p:sldId id="305" r:id="rId16"/>
-    <p:sldId id="289" r:id="rId17"/>
-    <p:sldId id="291" r:id="rId18"/>
-    <p:sldId id="306" r:id="rId19"/>
-    <p:sldId id="293" r:id="rId20"/>
-    <p:sldId id="287" r:id="rId21"/>
+    <p:sldId id="309" r:id="rId4"/>
+    <p:sldId id="303" r:id="rId5"/>
+    <p:sldId id="298" r:id="rId6"/>
+    <p:sldId id="299" r:id="rId7"/>
+    <p:sldId id="300" r:id="rId8"/>
+    <p:sldId id="301" r:id="rId9"/>
+    <p:sldId id="302" r:id="rId10"/>
+    <p:sldId id="307" r:id="rId11"/>
+    <p:sldId id="304" r:id="rId12"/>
+    <p:sldId id="282" r:id="rId13"/>
+    <p:sldId id="283" r:id="rId14"/>
+    <p:sldId id="284" r:id="rId15"/>
+    <p:sldId id="308" r:id="rId16"/>
+    <p:sldId id="305" r:id="rId17"/>
+    <p:sldId id="289" r:id="rId18"/>
+    <p:sldId id="291" r:id="rId19"/>
+    <p:sldId id="306" r:id="rId20"/>
+    <p:sldId id="293" r:id="rId21"/>
+    <p:sldId id="287" r:id="rId22"/>
   </p:sldIdLst>
   <p:sldSz cx="9144000" cy="6858000" type="screen4x3"/>
   <p:notesSz cx="6858000" cy="9144000"/>
@@ -197,7 +198,7 @@
 </file>
 
 <file path=ppt/charts/chart1.xml><?xml version="1.0" encoding="utf-8"?>
-<c:chartSpace xmlns:c="http://schemas.openxmlformats.org/drawingml/2006/chart" xmlns:a="http://schemas.openxmlformats.org/drawingml/2006/main" xmlns:r="http://schemas.openxmlformats.org/officeDocument/2006/relationships" xmlns:c16r2="http://schemas.microsoft.com/office/drawing/2015/06/chart">
+<c:chartSpace xmlns:c="http://schemas.openxmlformats.org/drawingml/2006/chart" xmlns:a="http://schemas.openxmlformats.org/drawingml/2006/main" xmlns:r="http://schemas.openxmlformats.org/officeDocument/2006/relationships">
   <c:date1904 val="0"/>
   <c:lang val="nl-NL"/>
   <c:roundedCorners val="0"/>
@@ -256,6 +257,7 @@
           <c:dLbls>
             <c:dLbl>
               <c:idx val="0"/>
+              <c:layout/>
               <c:tx>
                 <c:rich>
                   <a:bodyPr/>
@@ -280,15 +282,18 @@
               <c:showSerName val="0"/>
               <c:showPercent val="0"/>
               <c:showBubbleSize val="0"/>
-              <c:extLst>
-                <c:ext xmlns:c15="http://schemas.microsoft.com/office/drawing/2012/chart" uri="{CE6537A1-D6FC-4f65-9D91-7224C49458BB}"/>
+              <c:extLst xmlns:c16r2="http://schemas.microsoft.com/office/drawing/2015/06/chart">
                 <c:ext xmlns:c16="http://schemas.microsoft.com/office/drawing/2014/chart" uri="{C3380CC4-5D6E-409C-BE32-E72D297353CC}">
                   <c16:uniqueId val="{00000000-2E23-48E9-A739-930E51C69A1C}"/>
+                </c:ext>
+                <c:ext xmlns:c15="http://schemas.microsoft.com/office/drawing/2012/chart" uri="{CE6537A1-D6FC-4f65-9D91-7224C49458BB}">
+                  <c15:layout/>
                 </c:ext>
               </c:extLst>
             </c:dLbl>
             <c:dLbl>
               <c:idx val="1"/>
+              <c:layout/>
               <c:tx>
                 <c:rich>
                   <a:bodyPr/>
@@ -308,15 +313,18 @@
               <c:showSerName val="0"/>
               <c:showPercent val="0"/>
               <c:showBubbleSize val="0"/>
-              <c:extLst>
-                <c:ext xmlns:c15="http://schemas.microsoft.com/office/drawing/2012/chart" uri="{CE6537A1-D6FC-4f65-9D91-7224C49458BB}"/>
+              <c:extLst xmlns:c16r2="http://schemas.microsoft.com/office/drawing/2015/06/chart">
                 <c:ext xmlns:c16="http://schemas.microsoft.com/office/drawing/2014/chart" uri="{C3380CC4-5D6E-409C-BE32-E72D297353CC}">
                   <c16:uniqueId val="{00000001-2E23-48E9-A739-930E51C69A1C}"/>
+                </c:ext>
+                <c:ext xmlns:c15="http://schemas.microsoft.com/office/drawing/2012/chart" uri="{CE6537A1-D6FC-4f65-9D91-7224C49458BB}">
+                  <c15:layout/>
                 </c:ext>
               </c:extLst>
             </c:dLbl>
             <c:dLbl>
               <c:idx val="2"/>
+              <c:layout/>
               <c:tx>
                 <c:rich>
                   <a:bodyPr/>
@@ -336,10 +344,12 @@
               <c:showSerName val="0"/>
               <c:showPercent val="0"/>
               <c:showBubbleSize val="0"/>
-              <c:extLst>
-                <c:ext xmlns:c15="http://schemas.microsoft.com/office/drawing/2012/chart" uri="{CE6537A1-D6FC-4f65-9D91-7224C49458BB}"/>
+              <c:extLst xmlns:c16r2="http://schemas.microsoft.com/office/drawing/2015/06/chart">
                 <c:ext xmlns:c16="http://schemas.microsoft.com/office/drawing/2014/chart" uri="{C3380CC4-5D6E-409C-BE32-E72D297353CC}">
                   <c16:uniqueId val="{00000002-2E23-48E9-A739-930E51C69A1C}"/>
+                </c:ext>
+                <c:ext xmlns:c15="http://schemas.microsoft.com/office/drawing/2012/chart" uri="{CE6537A1-D6FC-4f65-9D91-7224C49458BB}">
+                  <c15:layout/>
                 </c:ext>
               </c:extLst>
             </c:dLbl>
@@ -380,7 +390,7 @@
             <c:showPercent val="0"/>
             <c:showBubbleSize val="0"/>
             <c:showLeaderLines val="0"/>
-            <c:extLst>
+            <c:extLst xmlns:c16r2="http://schemas.microsoft.com/office/drawing/2015/06/chart">
               <c:ext xmlns:c15="http://schemas.microsoft.com/office/drawing/2012/chart" uri="{CE6537A1-D6FC-4f65-9D91-7224C49458BB}">
                 <c15:showLeaderLines val="1"/>
                 <c15:leaderLines>
@@ -437,7 +447,7 @@
             </c:numRef>
           </c:yVal>
           <c:smooth val="0"/>
-          <c:extLst>
+          <c:extLst xmlns:c16r2="http://schemas.microsoft.com/office/drawing/2015/06/chart">
             <c:ext xmlns:c16="http://schemas.microsoft.com/office/drawing/2014/chart" uri="{C3380CC4-5D6E-409C-BE32-E72D297353CC}">
               <c16:uniqueId val="{00000003-2E23-48E9-A739-930E51C69A1C}"/>
             </c:ext>
@@ -451,11 +461,11 @@
           <c:showPercent val="0"/>
           <c:showBubbleSize val="0"/>
         </c:dLbls>
-        <c:axId val="365452360"/>
-        <c:axId val="365448096"/>
+        <c:axId val="366158288"/>
+        <c:axId val="366160248"/>
       </c:scatterChart>
       <c:valAx>
-        <c:axId val="365452360"/>
+        <c:axId val="366158288"/>
         <c:scaling>
           <c:orientation val="minMax"/>
         </c:scaling>
@@ -506,6 +516,7 @@
               </a:p>
             </c:rich>
           </c:tx>
+          <c:layout/>
           <c:overlay val="0"/>
           <c:spPr>
             <a:noFill/>
@@ -572,13 +583,13 @@
             <a:endParaRPr lang="nl-NL"/>
           </a:p>
         </c:txPr>
-        <c:crossAx val="365448096"/>
+        <c:crossAx val="366160248"/>
         <c:crosses val="autoZero"/>
         <c:crossBetween val="midCat"/>
         <c:majorUnit val="1"/>
       </c:valAx>
       <c:valAx>
-        <c:axId val="365448096"/>
+        <c:axId val="366160248"/>
         <c:scaling>
           <c:orientation val="minMax"/>
           <c:max val="3"/>
@@ -634,6 +645,7 @@
               </a:p>
             </c:rich>
           </c:tx>
+          <c:layout/>
           <c:overlay val="0"/>
           <c:spPr>
             <a:noFill/>
@@ -700,7 +712,7 @@
             <a:endParaRPr lang="nl-NL"/>
           </a:p>
         </c:txPr>
-        <c:crossAx val="365452360"/>
+        <c:crossAx val="366158288"/>
         <c:crosses val="autoZero"/>
         <c:crossBetween val="midCat"/>
         <c:majorUnit val="1"/>
@@ -1409,7 +1421,7 @@
             <a:fld id="{373F1B60-BDF4-4D63-AD79-99D5A5B1DF99}" type="datetime1">
               <a:rPr lang="en-US"/>
               <a:pPr/>
-              <a:t>11/18/2019</a:t>
+              <a:t>12/12/2019</a:t>
             </a:fld>
             <a:endParaRPr lang="en-US"/>
           </a:p>
@@ -1510,6 +1522,11 @@
         </p:txBody>
       </p:sp>
     </p:spTree>
+    <p:extLst>
+      <p:ext uri="{BB962C8B-B14F-4D97-AF65-F5344CB8AC3E}">
+        <p14:creationId xmlns:p14="http://schemas.microsoft.com/office/powerpoint/2010/main" val="3067545567"/>
+      </p:ext>
+    </p:extLst>
   </p:cSld>
   <p:clrMap bg1="lt1" tx1="dk1" bg2="lt2" tx2="dk2" accent1="accent1" accent2="accent2" accent3="accent3" accent4="accent4" accent5="accent5" accent6="accent6" hlink="hlink" folHlink="folHlink"/>
 </p:handoutMaster>
@@ -1628,7 +1645,7 @@
             <a:fld id="{4387A7AA-DFE9-4771-BEDE-3294FCEBFB02}" type="datetime1">
               <a:rPr lang="en-US"/>
               <a:pPr/>
-              <a:t>11/18/2019</a:t>
+              <a:t>12/12/2019</a:t>
             </a:fld>
             <a:endParaRPr lang="en-US"/>
           </a:p>
@@ -1830,6 +1847,11 @@
         </p:txBody>
       </p:sp>
     </p:spTree>
+    <p:extLst>
+      <p:ext uri="{BB962C8B-B14F-4D97-AF65-F5344CB8AC3E}">
+        <p14:creationId xmlns:p14="http://schemas.microsoft.com/office/powerpoint/2010/main" val="677589634"/>
+      </p:ext>
+    </p:extLst>
   </p:cSld>
   <p:clrMap bg1="lt1" tx1="dk1" bg2="lt2" tx2="dk2" accent1="accent1" accent2="accent2" accent3="accent3" accent4="accent4" accent5="accent5" accent6="accent6" hlink="hlink" folHlink="folHlink"/>
   <p:hf/>
@@ -2019,7 +2041,7 @@
             <a:fld id="{8541E2CD-DBF4-40F9-B6F8-EEFD0DF8A138}" type="datetime1">
               <a:rPr lang="en-US"/>
               <a:pPr/>
-              <a:t>11/18/2019</a:t>
+              <a:t>12/12/2019</a:t>
             </a:fld>
             <a:endParaRPr lang="en-US"/>
           </a:p>
@@ -2112,6 +2134,161 @@
     <p:extLst>
       <p:ext uri="{BB962C8B-B14F-4D97-AF65-F5344CB8AC3E}">
         <p14:creationId xmlns:p14="http://schemas.microsoft.com/office/powerpoint/2010/main" val="2717242949"/>
+      </p:ext>
+    </p:extLst>
+  </p:cSld>
+  <p:clrMapOvr>
+    <a:masterClrMapping/>
+  </p:clrMapOvr>
+</p:notes>
+</file>
+
+<file path=ppt/notesSlides/notesSlide2.xml><?xml version="1.0" encoding="utf-8"?>
+<p:notes xmlns:a="http://schemas.openxmlformats.org/drawingml/2006/main" xmlns:r="http://schemas.openxmlformats.org/officeDocument/2006/relationships" xmlns:p="http://schemas.openxmlformats.org/presentationml/2006/main">
+  <p:cSld>
+    <p:spTree>
+      <p:nvGrpSpPr>
+        <p:cNvPr id="1" name=""/>
+        <p:cNvGrpSpPr/>
+        <p:nvPr/>
+      </p:nvGrpSpPr>
+      <p:grpSpPr>
+        <a:xfrm>
+          <a:off x="0" y="0"/>
+          <a:ext cx="0" cy="0"/>
+          <a:chOff x="0" y="0"/>
+          <a:chExt cx="0" cy="0"/>
+        </a:xfrm>
+      </p:grpSpPr>
+      <p:sp>
+        <p:nvSpPr>
+          <p:cNvPr id="2" name="Tijdelijke aanduiding voor dia-afbeelding 1"/>
+          <p:cNvSpPr>
+            <a:spLocks noGrp="1" noRot="1" noChangeAspect="1"/>
+          </p:cNvSpPr>
+          <p:nvPr>
+            <p:ph type="sldImg"/>
+          </p:nvPr>
+        </p:nvSpPr>
+        <p:spPr/>
+      </p:sp>
+      <p:sp>
+        <p:nvSpPr>
+          <p:cNvPr id="3" name="Tijdelijke aanduiding voor notities 2"/>
+          <p:cNvSpPr>
+            <a:spLocks noGrp="1"/>
+          </p:cNvSpPr>
+          <p:nvPr>
+            <p:ph type="body" idx="1"/>
+          </p:nvPr>
+        </p:nvSpPr>
+        <p:spPr/>
+        <p:txBody>
+          <a:bodyPr/>
+          <a:lstStyle/>
+          <a:p>
+            <a:endParaRPr lang="nl-NL" dirty="0"/>
+          </a:p>
+        </p:txBody>
+      </p:sp>
+      <p:sp>
+        <p:nvSpPr>
+          <p:cNvPr id="4" name="Tijdelijke aanduiding voor koptekst 3"/>
+          <p:cNvSpPr>
+            <a:spLocks noGrp="1"/>
+          </p:cNvSpPr>
+          <p:nvPr>
+            <p:ph type="hdr" sz="quarter" idx="10"/>
+          </p:nvPr>
+        </p:nvSpPr>
+        <p:spPr/>
+        <p:txBody>
+          <a:bodyPr/>
+          <a:lstStyle/>
+          <a:p>
+            <a:r>
+              <a:rPr lang="en-US" smtClean="0"/>
+              <a:t>xxxxxxxxxxxxxxx</a:t>
+            </a:r>
+            <a:endParaRPr lang="en-US"/>
+          </a:p>
+        </p:txBody>
+      </p:sp>
+      <p:sp>
+        <p:nvSpPr>
+          <p:cNvPr id="5" name="Tijdelijke aanduiding voor datum 4"/>
+          <p:cNvSpPr>
+            <a:spLocks noGrp="1"/>
+          </p:cNvSpPr>
+          <p:nvPr>
+            <p:ph type="dt" idx="11"/>
+          </p:nvPr>
+        </p:nvSpPr>
+        <p:spPr/>
+        <p:txBody>
+          <a:bodyPr/>
+          <a:lstStyle/>
+          <a:p>
+            <a:fld id="{4387A7AA-DFE9-4771-BEDE-3294FCEBFB02}" type="datetime1">
+              <a:rPr lang="en-US" smtClean="0"/>
+              <a:pPr/>
+              <a:t>12/12/2019</a:t>
+            </a:fld>
+            <a:endParaRPr lang="en-US"/>
+          </a:p>
+        </p:txBody>
+      </p:sp>
+      <p:sp>
+        <p:nvSpPr>
+          <p:cNvPr id="6" name="Tijdelijke aanduiding voor voettekst 5"/>
+          <p:cNvSpPr>
+            <a:spLocks noGrp="1"/>
+          </p:cNvSpPr>
+          <p:nvPr>
+            <p:ph type="ftr" sz="quarter" idx="12"/>
+          </p:nvPr>
+        </p:nvSpPr>
+        <p:spPr/>
+        <p:txBody>
+          <a:bodyPr/>
+          <a:lstStyle/>
+          <a:p>
+            <a:r>
+              <a:rPr lang="en-US" smtClean="0"/>
+              <a:t>xxxxxxxxxxxxx</a:t>
+            </a:r>
+            <a:endParaRPr lang="en-US"/>
+          </a:p>
+        </p:txBody>
+      </p:sp>
+      <p:sp>
+        <p:nvSpPr>
+          <p:cNvPr id="7" name="Tijdelijke aanduiding voor dianummer 6"/>
+          <p:cNvSpPr>
+            <a:spLocks noGrp="1"/>
+          </p:cNvSpPr>
+          <p:nvPr>
+            <p:ph type="sldNum" sz="quarter" idx="13"/>
+          </p:nvPr>
+        </p:nvSpPr>
+        <p:spPr/>
+        <p:txBody>
+          <a:bodyPr/>
+          <a:lstStyle/>
+          <a:p>
+            <a:fld id="{D61151B4-4860-4597-8EFD-6A3C75434656}" type="slidenum">
+              <a:rPr lang="en-US" smtClean="0"/>
+              <a:pPr/>
+              <a:t>20</a:t>
+            </a:fld>
+            <a:endParaRPr lang="en-US"/>
+          </a:p>
+        </p:txBody>
+      </p:sp>
+    </p:spTree>
+    <p:extLst>
+      <p:ext uri="{BB962C8B-B14F-4D97-AF65-F5344CB8AC3E}">
+        <p14:creationId xmlns:p14="http://schemas.microsoft.com/office/powerpoint/2010/main" val="3621289609"/>
       </p:ext>
     </p:extLst>
   </p:cSld>
@@ -2239,7 +2416,7 @@
             <a:fld id="{93F21019-3A00-48AC-9663-40DF67A83229}" type="datetime1">
               <a:rPr lang="en-US"/>
               <a:pPr/>
-              <a:t>11/18/2019</a:t>
+              <a:t>12/12/2019</a:t>
             </a:fld>
             <a:endParaRPr lang="en-US">
               <a:solidFill>
@@ -2425,7 +2602,7 @@
             <a:fld id="{8B2EF9C8-0AC3-4A53-9A61-1834A571F420}" type="datetime1">
               <a:rPr lang="en-US"/>
               <a:pPr/>
-              <a:t>11/18/2019</a:t>
+              <a:t>12/12/2019</a:t>
             </a:fld>
             <a:endParaRPr lang="en-US" sz="1400">
               <a:solidFill>
@@ -2622,7 +2799,7 @@
             <a:fld id="{F02960F3-A385-4905-A491-FDC17E063DD1}" type="datetime1">
               <a:rPr lang="en-US"/>
               <a:pPr/>
-              <a:t>11/18/2019</a:t>
+              <a:t>12/12/2019</a:t>
             </a:fld>
             <a:endParaRPr lang="en-US" sz="1400">
               <a:solidFill>
@@ -2881,7 +3058,7 @@
             <a:fld id="{CD3AD70A-8E2A-47B5-AC18-ABBB5A8E737D}" type="datetime1">
               <a:rPr lang="en-US"/>
               <a:pPr/>
-              <a:t>11/18/2019</a:t>
+              <a:t>12/12/2019</a:t>
             </a:fld>
             <a:endParaRPr lang="en-US" sz="1400">
               <a:solidFill>
@@ -3117,7 +3294,7 @@
             <a:fld id="{07008C2E-9BD6-496B-BFC3-B4A975EBC85E}" type="datetime1">
               <a:rPr lang="en-US"/>
               <a:pPr/>
-              <a:t>11/18/2019</a:t>
+              <a:t>12/12/2019</a:t>
             </a:fld>
             <a:endParaRPr lang="en-US" sz="1400">
               <a:solidFill>
@@ -3296,7 +3473,7 @@
             <a:fld id="{1AA2C3CF-866C-4FDE-B76D-4E9536901630}" type="datetime1">
               <a:rPr lang="en-US"/>
               <a:pPr/>
-              <a:t>11/18/2019</a:t>
+              <a:t>12/12/2019</a:t>
             </a:fld>
             <a:endParaRPr lang="en-US" sz="1400">
               <a:solidFill>
@@ -3475,7 +3652,7 @@
             <a:fld id="{555EE259-FE08-4558-B721-B189FFE77284}" type="datetime1">
               <a:rPr lang="en-US"/>
               <a:pPr/>
-              <a:t>11/18/2019</a:t>
+              <a:t>12/12/2019</a:t>
             </a:fld>
             <a:endParaRPr lang="en-US" sz="1400">
               <a:solidFill>
@@ -3744,7 +3921,7 @@
             <a:fld id="{0AF4064E-5624-49AB-B7C6-E301A8F6B1FF}" type="datetime1">
               <a:rPr lang="en-US"/>
               <a:pPr/>
-              <a:t>11/18/2019</a:t>
+              <a:t>12/12/2019</a:t>
             </a:fld>
             <a:endParaRPr lang="en-US" sz="1400">
               <a:solidFill>
@@ -3941,7 +4118,7 @@
             <a:fld id="{CBC97FCD-6C54-4833-B032-BFBCDFA8379D}" type="datetime1">
               <a:rPr lang="en-US"/>
               <a:pPr/>
-              <a:t>11/18/2019</a:t>
+              <a:t>12/12/2019</a:t>
             </a:fld>
             <a:endParaRPr lang="en-US" sz="1400">
               <a:solidFill>
@@ -4150,7 +4327,7 @@
             <a:fld id="{F04AA577-515A-431F-98B6-3B03494ABB11}" type="datetime1">
               <a:rPr lang="en-US"/>
               <a:pPr/>
-              <a:t>11/18/2019</a:t>
+              <a:t>12/12/2019</a:t>
             </a:fld>
             <a:endParaRPr lang="en-US" sz="1400">
               <a:solidFill>
@@ -4455,7 +4632,7 @@
             <a:fld id="{6475F1A4-C474-4345-A800-2F40B0E4E70C}" type="datetime1">
               <a:rPr lang="en-US"/>
               <a:pPr/>
-              <a:t>11/18/2019</a:t>
+              <a:t>12/12/2019</a:t>
             </a:fld>
             <a:endParaRPr lang="en-US" sz="1400">
               <a:solidFill>
@@ -4899,7 +5076,7 @@
             <a:fld id="{7BA535AB-820E-4207-9DA8-5F37106C7AF4}" type="datetime1">
               <a:rPr lang="en-US"/>
               <a:pPr/>
-              <a:t>11/18/2019</a:t>
+              <a:t>12/12/2019</a:t>
             </a:fld>
             <a:endParaRPr lang="en-US" sz="1400">
               <a:solidFill>
@@ -5034,7 +5211,7 @@
             <a:fld id="{0A7E69FA-D7EE-42C0-9117-1971B541885F}" type="datetime1">
               <a:rPr lang="en-US"/>
               <a:pPr/>
-              <a:t>11/18/2019</a:t>
+              <a:t>12/12/2019</a:t>
             </a:fld>
             <a:endParaRPr lang="en-US" sz="1400">
               <a:solidFill>
@@ -5146,7 +5323,7 @@
             <a:fld id="{10D7644E-1B5D-4325-BA79-338DF2B89B56}" type="datetime1">
               <a:rPr lang="en-US"/>
               <a:pPr/>
-              <a:t>11/18/2019</a:t>
+              <a:t>12/12/2019</a:t>
             </a:fld>
             <a:endParaRPr lang="en-US" sz="1400">
               <a:solidFill>
@@ -5440,7 +5617,7 @@
             <a:fld id="{B790C882-0B74-4932-8998-E9ABB8AF1740}" type="datetime1">
               <a:rPr lang="en-US"/>
               <a:pPr/>
-              <a:t>11/18/2019</a:t>
+              <a:t>12/12/2019</a:t>
             </a:fld>
             <a:endParaRPr lang="en-US" sz="1400">
               <a:solidFill>
@@ -5710,7 +5887,7 @@
             <a:fld id="{9DC585DC-AE7D-44C1-90AB-C3A391DEA065}" type="datetime1">
               <a:rPr lang="en-US"/>
               <a:pPr/>
-              <a:t>11/18/2019</a:t>
+              <a:t>12/12/2019</a:t>
             </a:fld>
             <a:endParaRPr lang="en-US" sz="1400">
               <a:solidFill>
@@ -5974,7 +6151,7 @@
             <a:fld id="{256CE565-1940-4E5F-9190-C0815CEAAA9D}" type="datetime1">
               <a:rPr lang="en-US"/>
               <a:pPr/>
-              <a:t>11/18/2019</a:t>
+              <a:t>12/12/2019</a:t>
             </a:fld>
             <a:endParaRPr lang="en-US"/>
           </a:p>
@@ -6777,7 +6954,7 @@
           <a:p>
             <a:r>
               <a:rPr lang="nl-NL" dirty="0" smtClean="0"/>
-              <a:t>Topics</a:t>
+              <a:t>Parameter setting</a:t>
             </a:r>
             <a:endParaRPr lang="nl-NL" dirty="0"/>
           </a:p>
@@ -6796,7 +6973,7 @@
         <p:spPr>
           <a:xfrm>
             <a:off x="762000" y="1762125"/>
-            <a:ext cx="7881938" cy="2751522"/>
+            <a:ext cx="7881938" cy="2973122"/>
           </a:xfrm>
         </p:spPr>
         <p:txBody>
@@ -6804,16 +6981,83 @@
           <a:lstStyle/>
           <a:p>
             <a:r>
+              <a:rPr lang="nl-NL" sz="2400" dirty="0" smtClean="0"/>
+              <a:t>Every machine </a:t>
+            </a:r>
+            <a:r>
+              <a:rPr lang="nl-NL" sz="2400" dirty="0" err="1" smtClean="0"/>
+              <a:t>learning</a:t>
+            </a:r>
+            <a:r>
+              <a:rPr lang="nl-NL" sz="2400" dirty="0" smtClean="0"/>
+              <a:t> </a:t>
+            </a:r>
+            <a:r>
+              <a:rPr lang="nl-NL" sz="2400" dirty="0" err="1" smtClean="0"/>
+              <a:t>algorithm</a:t>
+            </a:r>
+            <a:r>
+              <a:rPr lang="nl-NL" sz="2400" dirty="0" smtClean="0"/>
+              <a:t> has </a:t>
+            </a:r>
+            <a:r>
+              <a:rPr lang="nl-NL" sz="2400" i="1" dirty="0" smtClean="0"/>
+              <a:t>parameters</a:t>
+            </a:r>
+          </a:p>
+          <a:p>
+            <a:endParaRPr lang="nl-NL" sz="2400" i="1" dirty="0"/>
+          </a:p>
+          <a:p>
+            <a:r>
+              <a:rPr lang="nl-NL" sz="2400" dirty="0" smtClean="0"/>
+              <a:t>For </a:t>
+            </a:r>
+            <a:r>
+              <a:rPr lang="nl-NL" sz="2400" dirty="0" err="1" smtClean="0"/>
+              <a:t>instance</a:t>
+            </a:r>
+            <a:r>
+              <a:rPr lang="nl-NL" sz="2400" dirty="0" smtClean="0"/>
+              <a:t>, </a:t>
+            </a:r>
+            <a:r>
+              <a:rPr lang="nl-NL" sz="2400" dirty="0" err="1" smtClean="0"/>
+              <a:t>with</a:t>
+            </a:r>
+            <a:r>
+              <a:rPr lang="nl-NL" sz="2400" dirty="0" smtClean="0"/>
+              <a:t> KNN the most important parameter is </a:t>
+            </a:r>
+            <a:r>
               <a:rPr lang="nl-NL" sz="2400" i="1" dirty="0" smtClean="0"/>
               <a:t>k</a:t>
             </a:r>
             <a:r>
               <a:rPr lang="nl-NL" sz="2400" dirty="0" smtClean="0"/>
-              <a:t>-</a:t>
+              <a:t>: the </a:t>
             </a:r>
             <a:r>
               <a:rPr lang="nl-NL" sz="2400" dirty="0" err="1" smtClean="0"/>
-              <a:t>nearest</a:t>
+              <a:t>number</a:t>
+            </a:r>
+            <a:r>
+              <a:rPr lang="nl-NL" sz="2400" dirty="0" smtClean="0"/>
+              <a:t> of </a:t>
+            </a:r>
+            <a:r>
+              <a:rPr lang="nl-NL" sz="2400" dirty="0" err="1" smtClean="0"/>
+              <a:t>neighbors</a:t>
+            </a:r>
+            <a:endParaRPr lang="nl-NL" sz="2400" dirty="0" smtClean="0"/>
+          </a:p>
+          <a:p>
+            <a:endParaRPr lang="nl-NL" sz="2400" i="1" dirty="0"/>
+          </a:p>
+          <a:p>
+            <a:r>
+              <a:rPr lang="nl-NL" sz="2400" dirty="0" err="1" smtClean="0"/>
+              <a:t>You</a:t>
             </a:r>
             <a:r>
               <a:rPr lang="nl-NL" sz="2400" dirty="0" smtClean="0"/>
@@ -6821,50 +7065,83 @@
             </a:r>
             <a:r>
               <a:rPr lang="nl-NL" sz="2400" dirty="0" err="1" smtClean="0"/>
-              <a:t>neighbor</a:t>
-            </a:r>
-            <a:endParaRPr lang="nl-NL" sz="2400" i="1" dirty="0" smtClean="0"/>
-          </a:p>
-          <a:p>
-            <a:endParaRPr lang="nl-NL" sz="2400" dirty="0"/>
-          </a:p>
-          <a:p>
-            <a:r>
-              <a:rPr lang="nl-NL" sz="2400" dirty="0" err="1" smtClean="0"/>
-              <a:t>Decision</a:t>
+              <a:t>can</a:t>
             </a:r>
             <a:r>
               <a:rPr lang="nl-NL" sz="2400" dirty="0" smtClean="0"/>
               <a:t> </a:t>
             </a:r>
             <a:r>
-              <a:rPr lang="nl-NL" sz="2400" dirty="0"/>
-              <a:t>tree</a:t>
-            </a:r>
-          </a:p>
-          <a:p>
-            <a:endParaRPr lang="nl-NL" sz="2400" dirty="0"/>
-          </a:p>
-          <a:p>
+              <a:rPr lang="nl-NL" sz="2400" dirty="0" err="1" smtClean="0"/>
+              <a:t>try</a:t>
+            </a:r>
             <a:r>
               <a:rPr lang="nl-NL" sz="2400" dirty="0" smtClean="0"/>
-              <a:t>Random </a:t>
+              <a:t> different parameter </a:t>
             </a:r>
             <a:r>
               <a:rPr lang="nl-NL" sz="2400" dirty="0" err="1" smtClean="0"/>
-              <a:t>Forest</a:t>
-            </a:r>
-            <a:endParaRPr lang="nl-NL" sz="2400" dirty="0"/>
-          </a:p>
-          <a:p>
-            <a:endParaRPr lang="nl-NL" dirty="0"/>
+              <a:t>settings</a:t>
+            </a:r>
+            <a:r>
+              <a:rPr lang="nl-NL" sz="2400" dirty="0" smtClean="0"/>
+              <a:t> </a:t>
+            </a:r>
+            <a:r>
+              <a:rPr lang="nl-NL" sz="2400" dirty="0" err="1" smtClean="0"/>
+              <a:t>to</a:t>
+            </a:r>
+            <a:r>
+              <a:rPr lang="nl-NL" sz="2400" dirty="0" smtClean="0"/>
+              <a:t> </a:t>
+            </a:r>
+            <a:r>
+              <a:rPr lang="nl-NL" sz="2400" dirty="0" err="1" smtClean="0"/>
+              <a:t>optimize</a:t>
+            </a:r>
+            <a:r>
+              <a:rPr lang="nl-NL" sz="2400" dirty="0" smtClean="0"/>
+              <a:t> </a:t>
+            </a:r>
+            <a:r>
+              <a:rPr lang="nl-NL" sz="2400" dirty="0" err="1" smtClean="0"/>
+              <a:t>your</a:t>
+            </a:r>
+            <a:r>
+              <a:rPr lang="nl-NL" sz="2400" dirty="0" smtClean="0"/>
+              <a:t> model (</a:t>
+            </a:r>
+            <a:r>
+              <a:rPr lang="nl-NL" sz="2400" dirty="0" err="1" smtClean="0"/>
+              <a:t>use</a:t>
+            </a:r>
+            <a:r>
+              <a:rPr lang="nl-NL" sz="2400" dirty="0" smtClean="0"/>
+              <a:t> the test set </a:t>
+            </a:r>
+            <a:r>
+              <a:rPr lang="nl-NL" sz="2400" dirty="0" err="1" smtClean="0"/>
+              <a:t>to</a:t>
+            </a:r>
+            <a:r>
+              <a:rPr lang="nl-NL" sz="2400" dirty="0" smtClean="0"/>
+              <a:t> </a:t>
+            </a:r>
+            <a:r>
+              <a:rPr lang="nl-NL" sz="2400" dirty="0" err="1" smtClean="0"/>
+              <a:t>evaluate</a:t>
+            </a:r>
+            <a:r>
+              <a:rPr lang="nl-NL" sz="2400" dirty="0" smtClean="0"/>
+              <a:t>)</a:t>
+            </a:r>
           </a:p>
         </p:txBody>
       </p:sp>
     </p:spTree>
     <p:extLst>
       <p:ext uri="{BB962C8B-B14F-4D97-AF65-F5344CB8AC3E}">
-        <p14:creationId xmlns:p14="http://schemas.microsoft.com/office/powerpoint/2010/main" val="3671051153"/>
+        <p14:creationId xmlns:p14="http://schemas.microsoft.com/office/powerpoint/2010/main" val="4241161689"/>
       </p:ext>
     </p:extLst>
   </p:cSld>
@@ -6914,16 +7191,8 @@
           <a:lstStyle/>
           <a:p>
             <a:r>
-              <a:rPr lang="nl-NL" dirty="0" err="1" smtClean="0"/>
-              <a:t>Decision</a:t>
-            </a:r>
-            <a:r>
               <a:rPr lang="nl-NL" dirty="0" smtClean="0"/>
-              <a:t> tree: </a:t>
-            </a:r>
-            <a:r>
-              <a:rPr lang="nl-NL" dirty="0" err="1" smtClean="0"/>
-              <a:t>intuition</a:t>
+              <a:t>Topics</a:t>
             </a:r>
             <a:endParaRPr lang="nl-NL" dirty="0"/>
           </a:p>
@@ -6942,7 +7211,7 @@
         <p:spPr>
           <a:xfrm>
             <a:off x="762000" y="1762125"/>
-            <a:ext cx="7881938" cy="461665"/>
+            <a:ext cx="7881938" cy="2751522"/>
           </a:xfrm>
         </p:spPr>
         <p:txBody>
@@ -6950,33 +7219,67 @@
           <a:lstStyle/>
           <a:p>
             <a:r>
+              <a:rPr lang="nl-NL" sz="2400" i="1" dirty="0" smtClean="0"/>
+              <a:t>k</a:t>
+            </a:r>
+            <a:r>
               <a:rPr lang="nl-NL" sz="2400" dirty="0" smtClean="0"/>
-              <a:t>I </a:t>
+              <a:t>-</a:t>
             </a:r>
             <a:r>
               <a:rPr lang="nl-NL" sz="2400" dirty="0" err="1" smtClean="0"/>
-              <a:t>need</a:t>
+              <a:t>nearest</a:t>
             </a:r>
             <a:r>
               <a:rPr lang="nl-NL" sz="2400" dirty="0" smtClean="0"/>
-              <a:t> a </a:t>
+              <a:t> </a:t>
             </a:r>
             <a:r>
               <a:rPr lang="nl-NL" sz="2400" dirty="0" err="1" smtClean="0"/>
-              <a:t>volunteer</a:t>
+              <a:t>neighbor</a:t>
+            </a:r>
+            <a:endParaRPr lang="nl-NL" sz="2400" i="1" dirty="0" smtClean="0"/>
+          </a:p>
+          <a:p>
+            <a:endParaRPr lang="nl-NL" sz="2400" dirty="0"/>
+          </a:p>
+          <a:p>
+            <a:r>
+              <a:rPr lang="nl-NL" sz="2400" dirty="0" err="1" smtClean="0"/>
+              <a:t>Decision</a:t>
             </a:r>
             <a:r>
               <a:rPr lang="nl-NL" sz="2400" dirty="0" smtClean="0"/>
-              <a:t>…</a:t>
-            </a:r>
+              <a:t> </a:t>
+            </a:r>
+            <a:r>
+              <a:rPr lang="nl-NL" sz="2400" dirty="0"/>
+              <a:t>tree</a:t>
+            </a:r>
+          </a:p>
+          <a:p>
             <a:endParaRPr lang="nl-NL" sz="2400" dirty="0"/>
+          </a:p>
+          <a:p>
+            <a:r>
+              <a:rPr lang="nl-NL" sz="2400" dirty="0" smtClean="0"/>
+              <a:t>Random </a:t>
+            </a:r>
+            <a:r>
+              <a:rPr lang="nl-NL" sz="2400" dirty="0" err="1" smtClean="0"/>
+              <a:t>Forest</a:t>
+            </a:r>
+            <a:endParaRPr lang="nl-NL" sz="2400" dirty="0"/>
+          </a:p>
+          <a:p>
+            <a:endParaRPr lang="nl-NL" dirty="0"/>
           </a:p>
         </p:txBody>
       </p:sp>
     </p:spTree>
     <p:extLst>
       <p:ext uri="{BB962C8B-B14F-4D97-AF65-F5344CB8AC3E}">
-        <p14:creationId xmlns:p14="http://schemas.microsoft.com/office/powerpoint/2010/main" val="240141600"/>
+        <p14:creationId xmlns:p14="http://schemas.microsoft.com/office/powerpoint/2010/main" val="3671051153"/>
       </p:ext>
     </p:extLst>
   </p:cSld>
@@ -7012,6 +7315,118 @@
       </p:grpSpPr>
       <p:sp>
         <p:nvSpPr>
+          <p:cNvPr id="2" name="Titel 1"/>
+          <p:cNvSpPr>
+            <a:spLocks noGrp="1"/>
+          </p:cNvSpPr>
+          <p:nvPr>
+            <p:ph type="title"/>
+          </p:nvPr>
+        </p:nvSpPr>
+        <p:spPr/>
+        <p:txBody>
+          <a:bodyPr/>
+          <a:lstStyle/>
+          <a:p>
+            <a:r>
+              <a:rPr lang="nl-NL" dirty="0" err="1" smtClean="0"/>
+              <a:t>Decision</a:t>
+            </a:r>
+            <a:r>
+              <a:rPr lang="nl-NL" dirty="0" smtClean="0"/>
+              <a:t> tree: </a:t>
+            </a:r>
+            <a:r>
+              <a:rPr lang="nl-NL" dirty="0" err="1" smtClean="0"/>
+              <a:t>intuition</a:t>
+            </a:r>
+            <a:endParaRPr lang="nl-NL" dirty="0"/>
+          </a:p>
+        </p:txBody>
+      </p:sp>
+      <p:sp>
+        <p:nvSpPr>
+          <p:cNvPr id="3" name="Tijdelijke aanduiding voor inhoud 2"/>
+          <p:cNvSpPr>
+            <a:spLocks noGrp="1"/>
+          </p:cNvSpPr>
+          <p:nvPr>
+            <p:ph idx="1"/>
+          </p:nvPr>
+        </p:nvSpPr>
+        <p:spPr>
+          <a:xfrm>
+            <a:off x="762000" y="1762125"/>
+            <a:ext cx="7881938" cy="461665"/>
+          </a:xfrm>
+        </p:spPr>
+        <p:txBody>
+          <a:bodyPr/>
+          <a:lstStyle/>
+          <a:p>
+            <a:r>
+              <a:rPr lang="nl-NL" sz="2400" dirty="0" smtClean="0"/>
+              <a:t>I </a:t>
+            </a:r>
+            <a:r>
+              <a:rPr lang="nl-NL" sz="2400" dirty="0" err="1" smtClean="0"/>
+              <a:t>need</a:t>
+            </a:r>
+            <a:r>
+              <a:rPr lang="nl-NL" sz="2400" dirty="0" smtClean="0"/>
+              <a:t> a </a:t>
+            </a:r>
+            <a:r>
+              <a:rPr lang="nl-NL" sz="2400" dirty="0" err="1" smtClean="0"/>
+              <a:t>volunteer</a:t>
+            </a:r>
+            <a:r>
+              <a:rPr lang="nl-NL" sz="2400" dirty="0" smtClean="0"/>
+              <a:t>…</a:t>
+            </a:r>
+            <a:endParaRPr lang="nl-NL" sz="2400" dirty="0"/>
+          </a:p>
+        </p:txBody>
+      </p:sp>
+    </p:spTree>
+    <p:extLst>
+      <p:ext uri="{BB962C8B-B14F-4D97-AF65-F5344CB8AC3E}">
+        <p14:creationId xmlns:p14="http://schemas.microsoft.com/office/powerpoint/2010/main" val="240141600"/>
+      </p:ext>
+    </p:extLst>
+  </p:cSld>
+  <p:clrMapOvr>
+    <a:masterClrMapping/>
+  </p:clrMapOvr>
+  <p:timing>
+    <p:tnLst>
+      <p:par>
+        <p:cTn id="1" dur="indefinite" restart="never" nodeType="tmRoot"/>
+      </p:par>
+    </p:tnLst>
+  </p:timing>
+</p:sld>
+</file>
+
+<file path=ppt/slides/slide13.xml><?xml version="1.0" encoding="utf-8"?>
+<p:sld xmlns:a="http://schemas.openxmlformats.org/drawingml/2006/main" xmlns:r="http://schemas.openxmlformats.org/officeDocument/2006/relationships" xmlns:p="http://schemas.openxmlformats.org/presentationml/2006/main">
+  <p:cSld>
+    <p:spTree>
+      <p:nvGrpSpPr>
+        <p:cNvPr id="1" name=""/>
+        <p:cNvGrpSpPr/>
+        <p:nvPr/>
+      </p:nvGrpSpPr>
+      <p:grpSpPr>
+        <a:xfrm>
+          <a:off x="0" y="0"/>
+          <a:ext cx="0" cy="0"/>
+          <a:chOff x="0" y="0"/>
+          <a:chExt cx="0" cy="0"/>
+        </a:xfrm>
+      </p:grpSpPr>
+      <p:sp>
+        <p:nvSpPr>
           <p:cNvPr id="18" name="Ovaal 17"/>
           <p:cNvSpPr/>
           <p:nvPr/>
@@ -10099,10 +10514,17 @@
   <p:clrMapOvr>
     <a:masterClrMapping/>
   </p:clrMapOvr>
+  <p:timing>
+    <p:tnLst>
+      <p:par>
+        <p:cTn id="1" dur="indefinite" restart="never" nodeType="tmRoot"/>
+      </p:par>
+    </p:tnLst>
+  </p:timing>
 </p:sld>
 </file>
 
-<file path=ppt/slides/slide13.xml><?xml version="1.0" encoding="utf-8"?>
+<file path=ppt/slides/slide14.xml><?xml version="1.0" encoding="utf-8"?>
 <p:sld xmlns:a="http://schemas.openxmlformats.org/drawingml/2006/main" xmlns:r="http://schemas.openxmlformats.org/officeDocument/2006/relationships" xmlns:p="http://schemas.openxmlformats.org/presentationml/2006/main">
   <p:cSld>
     <p:spTree>
@@ -10371,10 +10793,17 @@
   <p:clrMapOvr>
     <a:masterClrMapping/>
   </p:clrMapOvr>
+  <p:timing>
+    <p:tnLst>
+      <p:par>
+        <p:cTn id="1" dur="indefinite" restart="never" nodeType="tmRoot"/>
+      </p:par>
+    </p:tnLst>
+  </p:timing>
 </p:sld>
 </file>
 
-<file path=ppt/slides/slide14.xml><?xml version="1.0" encoding="utf-8"?>
+<file path=ppt/slides/slide15.xml><?xml version="1.0" encoding="utf-8"?>
 <p:sld xmlns:a="http://schemas.openxmlformats.org/drawingml/2006/main" xmlns:r="http://schemas.openxmlformats.org/officeDocument/2006/relationships" xmlns:p="http://schemas.openxmlformats.org/presentationml/2006/main">
   <p:cSld>
     <p:spTree>
@@ -10771,137 +11200,13 @@
   <p:clrMapOvr>
     <a:masterClrMapping/>
   </p:clrMapOvr>
-</p:sld>
-</file>
-
-<file path=ppt/slides/slide15.xml><?xml version="1.0" encoding="utf-8"?>
-<p:sld xmlns:a="http://schemas.openxmlformats.org/drawingml/2006/main" xmlns:r="http://schemas.openxmlformats.org/officeDocument/2006/relationships" xmlns:p="http://schemas.openxmlformats.org/presentationml/2006/main">
-  <p:cSld>
-    <p:spTree>
-      <p:nvGrpSpPr>
-        <p:cNvPr id="1" name=""/>
-        <p:cNvGrpSpPr/>
-        <p:nvPr/>
-      </p:nvGrpSpPr>
-      <p:grpSpPr>
-        <a:xfrm>
-          <a:off x="0" y="0"/>
-          <a:ext cx="0" cy="0"/>
-          <a:chOff x="0" y="0"/>
-          <a:chExt cx="0" cy="0"/>
-        </a:xfrm>
-      </p:grpSpPr>
-      <p:sp>
-        <p:nvSpPr>
-          <p:cNvPr id="2" name="Titel 1"/>
-          <p:cNvSpPr>
-            <a:spLocks noGrp="1"/>
-          </p:cNvSpPr>
-          <p:nvPr>
-            <p:ph type="title"/>
-          </p:nvPr>
-        </p:nvSpPr>
-        <p:spPr/>
-        <p:txBody>
-          <a:bodyPr/>
-          <a:lstStyle/>
-          <a:p>
-            <a:r>
-              <a:rPr lang="nl-NL" dirty="0" smtClean="0"/>
-              <a:t>Topics</a:t>
-            </a:r>
-            <a:endParaRPr lang="nl-NL" dirty="0"/>
-          </a:p>
-        </p:txBody>
-      </p:sp>
-      <p:sp>
-        <p:nvSpPr>
-          <p:cNvPr id="3" name="Tijdelijke aanduiding voor inhoud 2"/>
-          <p:cNvSpPr>
-            <a:spLocks noGrp="1"/>
-          </p:cNvSpPr>
-          <p:nvPr>
-            <p:ph idx="1"/>
-          </p:nvPr>
-        </p:nvSpPr>
-        <p:spPr>
-          <a:xfrm>
-            <a:off x="762000" y="1762125"/>
-            <a:ext cx="7881938" cy="2751522"/>
-          </a:xfrm>
-        </p:spPr>
-        <p:txBody>
-          <a:bodyPr/>
-          <a:lstStyle/>
-          <a:p>
-            <a:r>
-              <a:rPr lang="nl-NL" sz="2400" i="1" dirty="0" smtClean="0"/>
-              <a:t>k</a:t>
-            </a:r>
-            <a:r>
-              <a:rPr lang="nl-NL" sz="2400" dirty="0" smtClean="0"/>
-              <a:t>-</a:t>
-            </a:r>
-            <a:r>
-              <a:rPr lang="nl-NL" sz="2400" dirty="0" err="1" smtClean="0"/>
-              <a:t>nearest</a:t>
-            </a:r>
-            <a:r>
-              <a:rPr lang="nl-NL" sz="2400" dirty="0" smtClean="0"/>
-              <a:t> </a:t>
-            </a:r>
-            <a:r>
-              <a:rPr lang="nl-NL" sz="2400" dirty="0" err="1" smtClean="0"/>
-              <a:t>neighbor</a:t>
-            </a:r>
-            <a:endParaRPr lang="nl-NL" sz="2400" i="1" dirty="0" smtClean="0"/>
-          </a:p>
-          <a:p>
-            <a:endParaRPr lang="nl-NL" sz="2400" dirty="0"/>
-          </a:p>
-          <a:p>
-            <a:r>
-              <a:rPr lang="nl-NL" sz="2400" dirty="0" err="1" smtClean="0"/>
-              <a:t>Decision</a:t>
-            </a:r>
-            <a:r>
-              <a:rPr lang="nl-NL" sz="2400" dirty="0" smtClean="0"/>
-              <a:t> </a:t>
-            </a:r>
-            <a:r>
-              <a:rPr lang="nl-NL" sz="2400" dirty="0"/>
-              <a:t>tree</a:t>
-            </a:r>
-          </a:p>
-          <a:p>
-            <a:endParaRPr lang="nl-NL" sz="2400" dirty="0"/>
-          </a:p>
-          <a:p>
-            <a:r>
-              <a:rPr lang="nl-NL" sz="2400" dirty="0" smtClean="0"/>
-              <a:t>Random </a:t>
-            </a:r>
-            <a:r>
-              <a:rPr lang="nl-NL" sz="2400" dirty="0" err="1" smtClean="0"/>
-              <a:t>Forest</a:t>
-            </a:r>
-            <a:endParaRPr lang="nl-NL" sz="2400" dirty="0"/>
-          </a:p>
-          <a:p>
-            <a:endParaRPr lang="nl-NL" dirty="0"/>
-          </a:p>
-        </p:txBody>
-      </p:sp>
-    </p:spTree>
-    <p:extLst>
-      <p:ext uri="{BB962C8B-B14F-4D97-AF65-F5344CB8AC3E}">
-        <p14:creationId xmlns:p14="http://schemas.microsoft.com/office/powerpoint/2010/main" val="1347621074"/>
-      </p:ext>
-    </p:extLst>
-  </p:cSld>
-  <p:clrMapOvr>
-    <a:masterClrMapping/>
-  </p:clrMapOvr>
+  <p:timing>
+    <p:tnLst>
+      <p:par>
+        <p:cTn id="1" dur="indefinite" restart="never" nodeType="tmRoot"/>
+      </p:par>
+    </p:tnLst>
+  </p:timing>
 </p:sld>
 </file>
 
@@ -10939,6 +11244,144 @@
           <a:p>
             <a:r>
               <a:rPr lang="nl-NL" dirty="0" smtClean="0"/>
+              <a:t>Topics</a:t>
+            </a:r>
+            <a:endParaRPr lang="nl-NL" dirty="0"/>
+          </a:p>
+        </p:txBody>
+      </p:sp>
+      <p:sp>
+        <p:nvSpPr>
+          <p:cNvPr id="3" name="Tijdelijke aanduiding voor inhoud 2"/>
+          <p:cNvSpPr>
+            <a:spLocks noGrp="1"/>
+          </p:cNvSpPr>
+          <p:nvPr>
+            <p:ph idx="1"/>
+          </p:nvPr>
+        </p:nvSpPr>
+        <p:spPr>
+          <a:xfrm>
+            <a:off x="762000" y="1762125"/>
+            <a:ext cx="7881938" cy="2751522"/>
+          </a:xfrm>
+        </p:spPr>
+        <p:txBody>
+          <a:bodyPr/>
+          <a:lstStyle/>
+          <a:p>
+            <a:r>
+              <a:rPr lang="nl-NL" sz="2400" i="1" dirty="0" smtClean="0"/>
+              <a:t>k</a:t>
+            </a:r>
+            <a:r>
+              <a:rPr lang="nl-NL" sz="2400" dirty="0" smtClean="0"/>
+              <a:t>-</a:t>
+            </a:r>
+            <a:r>
+              <a:rPr lang="nl-NL" sz="2400" dirty="0" err="1" smtClean="0"/>
+              <a:t>nearest</a:t>
+            </a:r>
+            <a:r>
+              <a:rPr lang="nl-NL" sz="2400" dirty="0" smtClean="0"/>
+              <a:t> </a:t>
+            </a:r>
+            <a:r>
+              <a:rPr lang="nl-NL" sz="2400" dirty="0" err="1" smtClean="0"/>
+              <a:t>neighbor</a:t>
+            </a:r>
+            <a:endParaRPr lang="nl-NL" sz="2400" i="1" dirty="0" smtClean="0"/>
+          </a:p>
+          <a:p>
+            <a:endParaRPr lang="nl-NL" sz="2400" dirty="0"/>
+          </a:p>
+          <a:p>
+            <a:r>
+              <a:rPr lang="nl-NL" sz="2400" dirty="0" err="1" smtClean="0"/>
+              <a:t>Decision</a:t>
+            </a:r>
+            <a:r>
+              <a:rPr lang="nl-NL" sz="2400" dirty="0" smtClean="0"/>
+              <a:t> </a:t>
+            </a:r>
+            <a:r>
+              <a:rPr lang="nl-NL" sz="2400" dirty="0"/>
+              <a:t>tree</a:t>
+            </a:r>
+          </a:p>
+          <a:p>
+            <a:endParaRPr lang="nl-NL" sz="2400" dirty="0"/>
+          </a:p>
+          <a:p>
+            <a:r>
+              <a:rPr lang="nl-NL" sz="2400" dirty="0" smtClean="0"/>
+              <a:t>Random </a:t>
+            </a:r>
+            <a:r>
+              <a:rPr lang="nl-NL" sz="2400" dirty="0" err="1" smtClean="0"/>
+              <a:t>Forest</a:t>
+            </a:r>
+            <a:endParaRPr lang="nl-NL" sz="2400" dirty="0"/>
+          </a:p>
+          <a:p>
+            <a:endParaRPr lang="nl-NL" dirty="0"/>
+          </a:p>
+        </p:txBody>
+      </p:sp>
+    </p:spTree>
+    <p:extLst>
+      <p:ext uri="{BB962C8B-B14F-4D97-AF65-F5344CB8AC3E}">
+        <p14:creationId xmlns:p14="http://schemas.microsoft.com/office/powerpoint/2010/main" val="1347621074"/>
+      </p:ext>
+    </p:extLst>
+  </p:cSld>
+  <p:clrMapOvr>
+    <a:masterClrMapping/>
+  </p:clrMapOvr>
+  <p:timing>
+    <p:tnLst>
+      <p:par>
+        <p:cTn id="1" dur="indefinite" restart="never" nodeType="tmRoot"/>
+      </p:par>
+    </p:tnLst>
+  </p:timing>
+</p:sld>
+</file>
+
+<file path=ppt/slides/slide17.xml><?xml version="1.0" encoding="utf-8"?>
+<p:sld xmlns:a="http://schemas.openxmlformats.org/drawingml/2006/main" xmlns:r="http://schemas.openxmlformats.org/officeDocument/2006/relationships" xmlns:p="http://schemas.openxmlformats.org/presentationml/2006/main">
+  <p:cSld>
+    <p:spTree>
+      <p:nvGrpSpPr>
+        <p:cNvPr id="1" name=""/>
+        <p:cNvGrpSpPr/>
+        <p:nvPr/>
+      </p:nvGrpSpPr>
+      <p:grpSpPr>
+        <a:xfrm>
+          <a:off x="0" y="0"/>
+          <a:ext cx="0" cy="0"/>
+          <a:chOff x="0" y="0"/>
+          <a:chExt cx="0" cy="0"/>
+        </a:xfrm>
+      </p:grpSpPr>
+      <p:sp>
+        <p:nvSpPr>
+          <p:cNvPr id="2" name="Titel 1"/>
+          <p:cNvSpPr>
+            <a:spLocks noGrp="1"/>
+          </p:cNvSpPr>
+          <p:nvPr>
+            <p:ph type="title"/>
+          </p:nvPr>
+        </p:nvSpPr>
+        <p:spPr/>
+        <p:txBody>
+          <a:bodyPr/>
+          <a:lstStyle/>
+          <a:p>
+            <a:r>
+              <a:rPr lang="nl-NL" dirty="0" smtClean="0"/>
               <a:t>Random </a:t>
             </a:r>
             <a:r>
@@ -11168,10 +11611,17 @@
   <p:clrMapOvr>
     <a:masterClrMapping/>
   </p:clrMapOvr>
+  <p:timing>
+    <p:tnLst>
+      <p:par>
+        <p:cTn id="1" dur="indefinite" restart="never" nodeType="tmRoot"/>
+      </p:par>
+    </p:tnLst>
+  </p:timing>
 </p:sld>
 </file>
 
-<file path=ppt/slides/slide17.xml><?xml version="1.0" encoding="utf-8"?>
+<file path=ppt/slides/slide18.xml><?xml version="1.0" encoding="utf-8"?>
 <p:sld xmlns:a="http://schemas.openxmlformats.org/drawingml/2006/main" xmlns:r="http://schemas.openxmlformats.org/officeDocument/2006/relationships" xmlns:p="http://schemas.openxmlformats.org/presentationml/2006/main">
   <p:cSld>
     <p:spTree>
@@ -11254,174 +11704,13 @@
   <p:clrMapOvr>
     <a:masterClrMapping/>
   </p:clrMapOvr>
-</p:sld>
-</file>
-
-<file path=ppt/slides/slide18.xml><?xml version="1.0" encoding="utf-8"?>
-<p:sld xmlns:a="http://schemas.openxmlformats.org/drawingml/2006/main" xmlns:r="http://schemas.openxmlformats.org/officeDocument/2006/relationships" xmlns:p="http://schemas.openxmlformats.org/presentationml/2006/main">
-  <p:cSld>
-    <p:spTree>
-      <p:nvGrpSpPr>
-        <p:cNvPr id="1" name=""/>
-        <p:cNvGrpSpPr/>
-        <p:nvPr/>
-      </p:nvGrpSpPr>
-      <p:grpSpPr>
-        <a:xfrm>
-          <a:off x="0" y="0"/>
-          <a:ext cx="0" cy="0"/>
-          <a:chOff x="0" y="0"/>
-          <a:chExt cx="0" cy="0"/>
-        </a:xfrm>
-      </p:grpSpPr>
-      <p:sp>
-        <p:nvSpPr>
-          <p:cNvPr id="2" name="Titel 1"/>
-          <p:cNvSpPr>
-            <a:spLocks noGrp="1"/>
-          </p:cNvSpPr>
-          <p:nvPr>
-            <p:ph type="title"/>
-          </p:nvPr>
-        </p:nvSpPr>
-        <p:spPr/>
-        <p:txBody>
-          <a:bodyPr/>
-          <a:lstStyle/>
-          <a:p>
-            <a:r>
-              <a:rPr lang="nl-NL" dirty="0" smtClean="0"/>
-              <a:t>Parameters </a:t>
-            </a:r>
-            <a:r>
-              <a:rPr lang="nl-NL" dirty="0" err="1" smtClean="0"/>
-              <a:t>to</a:t>
-            </a:r>
-            <a:r>
-              <a:rPr lang="nl-NL" dirty="0" smtClean="0"/>
-              <a:t> </a:t>
-            </a:r>
-            <a:r>
-              <a:rPr lang="nl-NL" dirty="0" err="1" smtClean="0"/>
-              <a:t>tweak</a:t>
-            </a:r>
-            <a:endParaRPr lang="nl-NL" dirty="0"/>
-          </a:p>
-        </p:txBody>
-      </p:sp>
-      <p:sp>
-        <p:nvSpPr>
-          <p:cNvPr id="3" name="Tijdelijke aanduiding voor inhoud 2"/>
-          <p:cNvSpPr>
-            <a:spLocks noGrp="1"/>
-          </p:cNvSpPr>
-          <p:nvPr>
-            <p:ph idx="1"/>
-          </p:nvPr>
-        </p:nvSpPr>
-        <p:spPr>
-          <a:xfrm>
-            <a:off x="762000" y="1762125"/>
-            <a:ext cx="7881938" cy="2603790"/>
-          </a:xfrm>
-        </p:spPr>
-        <p:txBody>
-          <a:bodyPr/>
-          <a:lstStyle/>
-          <a:p>
-            <a:r>
-              <a:rPr lang="nl-NL" sz="2400" i="1" dirty="0" err="1" smtClean="0"/>
-              <a:t>n</a:t>
-            </a:r>
-            <a:r>
-              <a:rPr lang="nl-NL" sz="2400" dirty="0" err="1" smtClean="0"/>
-              <a:t>_</a:t>
-            </a:r>
-            <a:r>
-              <a:rPr lang="nl-NL" sz="2400" i="1" dirty="0" err="1" smtClean="0"/>
-              <a:t>estimators</a:t>
-            </a:r>
-            <a:r>
-              <a:rPr lang="nl-NL" sz="2400" dirty="0" smtClean="0"/>
-              <a:t>: the </a:t>
-            </a:r>
-            <a:r>
-              <a:rPr lang="nl-NL" sz="2400" dirty="0" err="1" smtClean="0"/>
-              <a:t>number</a:t>
-            </a:r>
-            <a:r>
-              <a:rPr lang="nl-NL" sz="2400" dirty="0" smtClean="0"/>
-              <a:t> of trees </a:t>
-            </a:r>
-            <a:r>
-              <a:rPr lang="nl-NL" sz="2400" dirty="0" err="1" smtClean="0"/>
-              <a:t>grown</a:t>
-            </a:r>
-            <a:endParaRPr lang="nl-NL" sz="2400" i="1" dirty="0" smtClean="0"/>
-          </a:p>
-          <a:p>
-            <a:endParaRPr lang="nl-NL" sz="2400" i="1" dirty="0"/>
-          </a:p>
-          <a:p>
-            <a:r>
-              <a:rPr lang="nl-NL" sz="2400" i="1" dirty="0" err="1" smtClean="0"/>
-              <a:t>max_features</a:t>
-            </a:r>
-            <a:r>
-              <a:rPr lang="nl-NL" sz="2400" dirty="0" smtClean="0"/>
-              <a:t>: the </a:t>
-            </a:r>
-            <a:r>
-              <a:rPr lang="nl-NL" sz="2400" dirty="0" err="1" smtClean="0"/>
-              <a:t>number</a:t>
-            </a:r>
-            <a:r>
-              <a:rPr lang="nl-NL" sz="2400" dirty="0" smtClean="0"/>
-              <a:t> of variables </a:t>
-            </a:r>
-            <a:r>
-              <a:rPr lang="nl-NL" sz="2400" dirty="0" err="1" smtClean="0"/>
-              <a:t>that</a:t>
-            </a:r>
-            <a:r>
-              <a:rPr lang="nl-NL" sz="2400" dirty="0" smtClean="0"/>
-              <a:t> are </a:t>
-            </a:r>
-            <a:r>
-              <a:rPr lang="nl-NL" sz="2400" dirty="0" err="1" smtClean="0"/>
-              <a:t>considered</a:t>
-            </a:r>
-            <a:r>
-              <a:rPr lang="nl-NL" sz="2400" dirty="0" smtClean="0"/>
-              <a:t> at </a:t>
-            </a:r>
-            <a:r>
-              <a:rPr lang="nl-NL" sz="2400" dirty="0" err="1" smtClean="0"/>
-              <a:t>each</a:t>
-            </a:r>
-            <a:r>
-              <a:rPr lang="nl-NL" sz="2400" dirty="0" smtClean="0"/>
-              <a:t> split of the tree</a:t>
-            </a:r>
-          </a:p>
-          <a:p>
-            <a:endParaRPr lang="nl-NL" sz="2400" i="1" dirty="0"/>
-          </a:p>
-          <a:p>
-            <a:endParaRPr lang="nl-NL" sz="2400" i="1" dirty="0"/>
-          </a:p>
-        </p:txBody>
-      </p:sp>
-    </p:spTree>
-    <p:extLst>
-      <p:ext uri="{BB962C8B-B14F-4D97-AF65-F5344CB8AC3E}">
-        <p14:creationId xmlns:p14="http://schemas.microsoft.com/office/powerpoint/2010/main" val="3571424830"/>
-      </p:ext>
-    </p:extLst>
-  </p:cSld>
-  <p:clrMapOvr>
-    <a:masterClrMapping/>
-  </p:clrMapOvr>
+  <p:timing>
+    <p:tnLst>
+      <p:par>
+        <p:cTn id="1" dur="indefinite" restart="never" nodeType="tmRoot"/>
+      </p:par>
+    </p:tnLst>
+  </p:timing>
 </p:sld>
 </file>
 
@@ -11458,6 +11747,332 @@
           <a:lstStyle/>
           <a:p>
             <a:r>
+              <a:rPr lang="nl-NL" dirty="0" smtClean="0"/>
+              <a:t>Parameters </a:t>
+            </a:r>
+            <a:r>
+              <a:rPr lang="nl-NL" dirty="0" err="1" smtClean="0"/>
+              <a:t>to</a:t>
+            </a:r>
+            <a:r>
+              <a:rPr lang="nl-NL" dirty="0" smtClean="0"/>
+              <a:t> </a:t>
+            </a:r>
+            <a:r>
+              <a:rPr lang="nl-NL" dirty="0" err="1" smtClean="0"/>
+              <a:t>tweak</a:t>
+            </a:r>
+            <a:endParaRPr lang="nl-NL" dirty="0"/>
+          </a:p>
+        </p:txBody>
+      </p:sp>
+      <p:sp>
+        <p:nvSpPr>
+          <p:cNvPr id="3" name="Tijdelijke aanduiding voor inhoud 2"/>
+          <p:cNvSpPr>
+            <a:spLocks noGrp="1"/>
+          </p:cNvSpPr>
+          <p:nvPr>
+            <p:ph idx="1"/>
+          </p:nvPr>
+        </p:nvSpPr>
+        <p:spPr>
+          <a:xfrm>
+            <a:off x="762000" y="1762125"/>
+            <a:ext cx="7881938" cy="2603790"/>
+          </a:xfrm>
+        </p:spPr>
+        <p:txBody>
+          <a:bodyPr/>
+          <a:lstStyle/>
+          <a:p>
+            <a:r>
+              <a:rPr lang="nl-NL" sz="2400" i="1" dirty="0" err="1" smtClean="0"/>
+              <a:t>n</a:t>
+            </a:r>
+            <a:r>
+              <a:rPr lang="nl-NL" sz="2400" dirty="0" err="1" smtClean="0"/>
+              <a:t>_</a:t>
+            </a:r>
+            <a:r>
+              <a:rPr lang="nl-NL" sz="2400" i="1" dirty="0" err="1" smtClean="0"/>
+              <a:t>estimators</a:t>
+            </a:r>
+            <a:r>
+              <a:rPr lang="nl-NL" sz="2400" dirty="0" smtClean="0"/>
+              <a:t>: the </a:t>
+            </a:r>
+            <a:r>
+              <a:rPr lang="nl-NL" sz="2400" dirty="0" err="1" smtClean="0"/>
+              <a:t>number</a:t>
+            </a:r>
+            <a:r>
+              <a:rPr lang="nl-NL" sz="2400" dirty="0" smtClean="0"/>
+              <a:t> of trees </a:t>
+            </a:r>
+            <a:r>
+              <a:rPr lang="nl-NL" sz="2400" dirty="0" err="1" smtClean="0"/>
+              <a:t>grown</a:t>
+            </a:r>
+            <a:endParaRPr lang="nl-NL" sz="2400" i="1" dirty="0" smtClean="0"/>
+          </a:p>
+          <a:p>
+            <a:endParaRPr lang="nl-NL" sz="2400" i="1" dirty="0"/>
+          </a:p>
+          <a:p>
+            <a:r>
+              <a:rPr lang="nl-NL" sz="2400" i="1" dirty="0" err="1" smtClean="0"/>
+              <a:t>max_features</a:t>
+            </a:r>
+            <a:r>
+              <a:rPr lang="nl-NL" sz="2400" dirty="0" smtClean="0"/>
+              <a:t>: the </a:t>
+            </a:r>
+            <a:r>
+              <a:rPr lang="nl-NL" sz="2400" dirty="0" err="1" smtClean="0"/>
+              <a:t>number</a:t>
+            </a:r>
+            <a:r>
+              <a:rPr lang="nl-NL" sz="2400" dirty="0" smtClean="0"/>
+              <a:t> of variables </a:t>
+            </a:r>
+            <a:r>
+              <a:rPr lang="nl-NL" sz="2400" dirty="0" err="1" smtClean="0"/>
+              <a:t>that</a:t>
+            </a:r>
+            <a:r>
+              <a:rPr lang="nl-NL" sz="2400" dirty="0" smtClean="0"/>
+              <a:t> are </a:t>
+            </a:r>
+            <a:r>
+              <a:rPr lang="nl-NL" sz="2400" dirty="0" err="1" smtClean="0"/>
+              <a:t>considered</a:t>
+            </a:r>
+            <a:r>
+              <a:rPr lang="nl-NL" sz="2400" dirty="0" smtClean="0"/>
+              <a:t> at </a:t>
+            </a:r>
+            <a:r>
+              <a:rPr lang="nl-NL" sz="2400" dirty="0" err="1" smtClean="0"/>
+              <a:t>each</a:t>
+            </a:r>
+            <a:r>
+              <a:rPr lang="nl-NL" sz="2400" dirty="0" smtClean="0"/>
+              <a:t> split of the tree</a:t>
+            </a:r>
+          </a:p>
+          <a:p>
+            <a:endParaRPr lang="nl-NL" sz="2400" i="1" dirty="0"/>
+          </a:p>
+          <a:p>
+            <a:endParaRPr lang="nl-NL" sz="2400" i="1" dirty="0"/>
+          </a:p>
+        </p:txBody>
+      </p:sp>
+    </p:spTree>
+    <p:extLst>
+      <p:ext uri="{BB962C8B-B14F-4D97-AF65-F5344CB8AC3E}">
+        <p14:creationId xmlns:p14="http://schemas.microsoft.com/office/powerpoint/2010/main" val="3571424830"/>
+      </p:ext>
+    </p:extLst>
+  </p:cSld>
+  <p:clrMapOvr>
+    <a:masterClrMapping/>
+  </p:clrMapOvr>
+  <p:timing>
+    <p:tnLst>
+      <p:par>
+        <p:cTn id="1" dur="indefinite" restart="never" nodeType="tmRoot"/>
+      </p:par>
+    </p:tnLst>
+  </p:timing>
+</p:sld>
+</file>
+
+<file path=ppt/slides/slide2.xml><?xml version="1.0" encoding="utf-8"?>
+<p:sld xmlns:a="http://schemas.openxmlformats.org/drawingml/2006/main" xmlns:r="http://schemas.openxmlformats.org/officeDocument/2006/relationships" xmlns:p="http://schemas.openxmlformats.org/presentationml/2006/main">
+  <p:cSld>
+    <p:spTree>
+      <p:nvGrpSpPr>
+        <p:cNvPr id="1" name=""/>
+        <p:cNvGrpSpPr/>
+        <p:nvPr/>
+      </p:nvGrpSpPr>
+      <p:grpSpPr>
+        <a:xfrm>
+          <a:off x="0" y="0"/>
+          <a:ext cx="0" cy="0"/>
+          <a:chOff x="0" y="0"/>
+          <a:chExt cx="0" cy="0"/>
+        </a:xfrm>
+      </p:grpSpPr>
+      <p:sp>
+        <p:nvSpPr>
+          <p:cNvPr id="2" name="Titel 1"/>
+          <p:cNvSpPr>
+            <a:spLocks noGrp="1"/>
+          </p:cNvSpPr>
+          <p:nvPr>
+            <p:ph type="title"/>
+          </p:nvPr>
+        </p:nvSpPr>
+        <p:spPr/>
+        <p:txBody>
+          <a:bodyPr/>
+          <a:lstStyle/>
+          <a:p>
+            <a:r>
+              <a:rPr lang="nl-NL" dirty="0" smtClean="0"/>
+              <a:t>Check-in</a:t>
+            </a:r>
+            <a:endParaRPr lang="nl-NL" dirty="0"/>
+          </a:p>
+        </p:txBody>
+      </p:sp>
+      <p:sp>
+        <p:nvSpPr>
+          <p:cNvPr id="9" name="Tijdelijke aanduiding voor inhoud 8"/>
+          <p:cNvSpPr>
+            <a:spLocks noGrp="1"/>
+          </p:cNvSpPr>
+          <p:nvPr>
+            <p:ph idx="1"/>
+          </p:nvPr>
+        </p:nvSpPr>
+        <p:spPr/>
+        <p:txBody>
+          <a:bodyPr/>
+          <a:lstStyle/>
+          <a:p>
+            <a:endParaRPr lang="nl-NL"/>
+          </a:p>
+        </p:txBody>
+      </p:sp>
+      <p:pic>
+        <p:nvPicPr>
+          <p:cNvPr id="12" name="Afbeelding 11"/>
+          <p:cNvPicPr>
+            <a:picLocks noChangeAspect="1"/>
+          </p:cNvPicPr>
+          <p:nvPr/>
+        </p:nvPicPr>
+        <p:blipFill>
+          <a:blip r:embed="rId2"/>
+          <a:stretch>
+            <a:fillRect/>
+          </a:stretch>
+        </p:blipFill>
+        <p:spPr>
+          <a:xfrm>
+            <a:off x="6156176" y="2492896"/>
+            <a:ext cx="2253070" cy="2016224"/>
+          </a:xfrm>
+          <a:prstGeom prst="rect">
+            <a:avLst/>
+          </a:prstGeom>
+        </p:spPr>
+      </p:pic>
+      <p:pic>
+        <p:nvPicPr>
+          <p:cNvPr id="13" name="Afbeelding 12"/>
+          <p:cNvPicPr>
+            <a:picLocks noChangeAspect="1"/>
+          </p:cNvPicPr>
+          <p:nvPr/>
+        </p:nvPicPr>
+        <p:blipFill>
+          <a:blip r:embed="rId3"/>
+          <a:stretch>
+            <a:fillRect/>
+          </a:stretch>
+        </p:blipFill>
+        <p:spPr>
+          <a:xfrm>
+            <a:off x="3491880" y="2616786"/>
+            <a:ext cx="2129219" cy="1988089"/>
+          </a:xfrm>
+          <a:prstGeom prst="rect">
+            <a:avLst/>
+          </a:prstGeom>
+        </p:spPr>
+      </p:pic>
+      <p:pic>
+        <p:nvPicPr>
+          <p:cNvPr id="14" name="Afbeelding 13"/>
+          <p:cNvPicPr>
+            <a:picLocks noChangeAspect="1"/>
+          </p:cNvPicPr>
+          <p:nvPr/>
+        </p:nvPicPr>
+        <p:blipFill>
+          <a:blip r:embed="rId4"/>
+          <a:stretch>
+            <a:fillRect/>
+          </a:stretch>
+        </p:blipFill>
+        <p:spPr>
+          <a:xfrm>
+            <a:off x="869217" y="2712543"/>
+            <a:ext cx="1873659" cy="1796577"/>
+          </a:xfrm>
+          <a:prstGeom prst="rect">
+            <a:avLst/>
+          </a:prstGeom>
+        </p:spPr>
+      </p:pic>
+    </p:spTree>
+    <p:extLst>
+      <p:ext uri="{BB962C8B-B14F-4D97-AF65-F5344CB8AC3E}">
+        <p14:creationId xmlns:p14="http://schemas.microsoft.com/office/powerpoint/2010/main" val="3026659927"/>
+      </p:ext>
+    </p:extLst>
+  </p:cSld>
+  <p:clrMapOvr>
+    <a:masterClrMapping/>
+  </p:clrMapOvr>
+  <p:timing>
+    <p:tnLst>
+      <p:par>
+        <p:cTn id="1" dur="indefinite" restart="never" nodeType="tmRoot"/>
+      </p:par>
+    </p:tnLst>
+  </p:timing>
+</p:sld>
+</file>
+
+<file path=ppt/slides/slide20.xml><?xml version="1.0" encoding="utf-8"?>
+<p:sld xmlns:a="http://schemas.openxmlformats.org/drawingml/2006/main" xmlns:r="http://schemas.openxmlformats.org/officeDocument/2006/relationships" xmlns:p="http://schemas.openxmlformats.org/presentationml/2006/main">
+  <p:cSld>
+    <p:spTree>
+      <p:nvGrpSpPr>
+        <p:cNvPr id="1" name=""/>
+        <p:cNvGrpSpPr/>
+        <p:nvPr/>
+      </p:nvGrpSpPr>
+      <p:grpSpPr>
+        <a:xfrm>
+          <a:off x="0" y="0"/>
+          <a:ext cx="0" cy="0"/>
+          <a:chOff x="0" y="0"/>
+          <a:chExt cx="0" cy="0"/>
+        </a:xfrm>
+      </p:grpSpPr>
+      <p:sp>
+        <p:nvSpPr>
+          <p:cNvPr id="2" name="Titel 1"/>
+          <p:cNvSpPr>
+            <a:spLocks noGrp="1"/>
+          </p:cNvSpPr>
+          <p:nvPr>
+            <p:ph type="title"/>
+          </p:nvPr>
+        </p:nvSpPr>
+        <p:spPr/>
+        <p:txBody>
+          <a:bodyPr/>
+          <a:lstStyle/>
+          <a:p>
+            <a:r>
               <a:rPr lang="nl-NL" dirty="0" err="1" smtClean="0"/>
               <a:t>Exercise</a:t>
             </a:r>
@@ -11484,8 +12099,8 @@
         </p:nvSpPr>
         <p:spPr bwMode="auto">
           <a:xfrm>
-            <a:off x="816440" y="1556792"/>
-            <a:ext cx="7881938" cy="7515904"/>
+            <a:off x="804693" y="1340768"/>
+            <a:ext cx="7881938" cy="7946791"/>
           </a:xfrm>
           <a:prstGeom prst="rect">
             <a:avLst/>
@@ -12007,27 +12622,13 @@
                 <a:latin typeface="Courier New" panose="02070309020205020404" pitchFamily="49" charset="0"/>
                 <a:cs typeface="Courier New" panose="02070309020205020404" pitchFamily="49" charset="0"/>
               </a:rPr>
-              <a:t> a Notebook from scratch. </a:t>
+              <a:t> a Notebook from scratch. Here is the </a:t>
             </a:r>
             <a:r>
               <a:rPr lang="nl-NL" sz="1400" dirty="0" smtClean="0">
                 <a:latin typeface="Courier New" panose="02070309020205020404" pitchFamily="49" charset="0"/>
                 <a:cs typeface="Courier New" panose="02070309020205020404" pitchFamily="49" charset="0"/>
-              </a:rPr>
-              <a:t>Here </a:t>
-            </a:r>
-            <a:r>
-              <a:rPr lang="nl-NL" sz="1400" dirty="0" smtClean="0">
-                <a:latin typeface="Courier New" panose="02070309020205020404" pitchFamily="49" charset="0"/>
-                <a:cs typeface="Courier New" panose="02070309020205020404" pitchFamily="49" charset="0"/>
-              </a:rPr>
-              <a:t>is the </a:t>
-            </a:r>
-            <a:r>
-              <a:rPr lang="nl-NL" sz="1400" dirty="0" smtClean="0">
-                <a:latin typeface="Courier New" panose="02070309020205020404" pitchFamily="49" charset="0"/>
-                <a:cs typeface="Courier New" panose="02070309020205020404" pitchFamily="49" charset="0"/>
-                <a:hlinkClick r:id="rId2"/>
+                <a:hlinkClick r:id="rId3"/>
               </a:rPr>
               <a:t>documentation</a:t>
             </a:r>
@@ -12295,13 +12896,13 @@
               <a:t>seconds</a:t>
             </a:r>
             <a:r>
-              <a:rPr lang="nl-NL" sz="1400" smtClean="0">
+              <a:rPr lang="nl-NL" sz="1400" dirty="0" smtClean="0">
                 <a:latin typeface="Courier New" panose="02070309020205020404" pitchFamily="49" charset="0"/>
                 <a:cs typeface="Courier New" panose="02070309020205020404" pitchFamily="49" charset="0"/>
               </a:rPr>
               <a:t>)</a:t>
             </a:r>
-            <a:endParaRPr lang="nl-NL" sz="1400" i="1" smtClean="0">
+            <a:endParaRPr lang="nl-NL" sz="1400" i="1" dirty="0" smtClean="0">
               <a:latin typeface="Courier New" panose="02070309020205020404" pitchFamily="49" charset="0"/>
               <a:cs typeface="Courier New" panose="02070309020205020404" pitchFamily="49" charset="0"/>
             </a:endParaRPr>
@@ -12380,8 +12981,75 @@
                 <a:latin typeface="Courier New" panose="02070309020205020404" pitchFamily="49" charset="0"/>
                 <a:cs typeface="Courier New" panose="02070309020205020404" pitchFamily="49" charset="0"/>
               </a:rPr>
-              <a:t>on the test set.</a:t>
-            </a:r>
+              <a:t>on the test </a:t>
+            </a:r>
+            <a:r>
+              <a:rPr lang="nl-NL" sz="1400" dirty="0" smtClean="0">
+                <a:latin typeface="Courier New" panose="02070309020205020404" pitchFamily="49" charset="0"/>
+                <a:cs typeface="Courier New" panose="02070309020205020404" pitchFamily="49" charset="0"/>
+              </a:rPr>
+              <a:t>set </a:t>
+            </a:r>
+            <a:r>
+              <a:rPr lang="nl-NL" sz="1400" dirty="0" err="1" smtClean="0">
+                <a:latin typeface="Courier New" panose="02070309020205020404" pitchFamily="49" charset="0"/>
+                <a:cs typeface="Courier New" panose="02070309020205020404" pitchFamily="49" charset="0"/>
+              </a:rPr>
+              <a:t>for</a:t>
+            </a:r>
+            <a:r>
+              <a:rPr lang="nl-NL" sz="1400" dirty="0" smtClean="0">
+                <a:latin typeface="Courier New" panose="02070309020205020404" pitchFamily="49" charset="0"/>
+                <a:cs typeface="Courier New" panose="02070309020205020404" pitchFamily="49" charset="0"/>
+              </a:rPr>
+              <a:t> </a:t>
+            </a:r>
+            <a:r>
+              <a:rPr lang="nl-NL" sz="1400" dirty="0" err="1" smtClean="0">
+                <a:latin typeface="Courier New" panose="02070309020205020404" pitchFamily="49" charset="0"/>
+                <a:cs typeface="Courier New" panose="02070309020205020404" pitchFamily="49" charset="0"/>
+              </a:rPr>
+              <a:t>fraud</a:t>
+            </a:r>
+            <a:r>
+              <a:rPr lang="nl-NL" sz="1400" dirty="0" smtClean="0">
+                <a:latin typeface="Courier New" panose="02070309020205020404" pitchFamily="49" charset="0"/>
+                <a:cs typeface="Courier New" panose="02070309020205020404" pitchFamily="49" charset="0"/>
+              </a:rPr>
+              <a:t> </a:t>
+            </a:r>
+            <a:r>
+              <a:rPr lang="nl-NL" sz="1400" dirty="0" err="1" smtClean="0">
+                <a:latin typeface="Courier New" panose="02070309020205020404" pitchFamily="49" charset="0"/>
+                <a:cs typeface="Courier New" panose="02070309020205020404" pitchFamily="49" charset="0"/>
+              </a:rPr>
+              <a:t>and</a:t>
+            </a:r>
+            <a:r>
+              <a:rPr lang="nl-NL" sz="1400" dirty="0" smtClean="0">
+                <a:latin typeface="Courier New" panose="02070309020205020404" pitchFamily="49" charset="0"/>
+                <a:cs typeface="Courier New" panose="02070309020205020404" pitchFamily="49" charset="0"/>
+              </a:rPr>
+              <a:t> </a:t>
+            </a:r>
+            <a:r>
+              <a:rPr lang="nl-NL" sz="1400" dirty="0" err="1" smtClean="0">
+                <a:latin typeface="Courier New" panose="02070309020205020404" pitchFamily="49" charset="0"/>
+                <a:cs typeface="Courier New" panose="02070309020205020404" pitchFamily="49" charset="0"/>
+              </a:rPr>
+              <a:t>not-fraud</a:t>
+            </a:r>
+            <a:r>
+              <a:rPr lang="nl-NL" sz="1400" dirty="0" smtClean="0">
+                <a:latin typeface="Courier New" panose="02070309020205020404" pitchFamily="49" charset="0"/>
+                <a:cs typeface="Courier New" panose="02070309020205020404" pitchFamily="49" charset="0"/>
+              </a:rPr>
+              <a:t>.</a:t>
+            </a:r>
+            <a:endParaRPr lang="nl-NL" sz="1400" dirty="0" smtClean="0">
+              <a:latin typeface="Courier New" panose="02070309020205020404" pitchFamily="49" charset="0"/>
+              <a:cs typeface="Courier New" panose="02070309020205020404" pitchFamily="49" charset="0"/>
+            </a:endParaRPr>
           </a:p>
           <a:p>
             <a:pPr>
@@ -12471,7 +13139,35 @@
                 <a:latin typeface="Courier New" panose="02070309020205020404" pitchFamily="49" charset="0"/>
                 <a:cs typeface="Courier New" panose="02070309020205020404" pitchFamily="49" charset="0"/>
               </a:rPr>
-              <a:t> model are </a:t>
+              <a:t> model </a:t>
+            </a:r>
+            <a:r>
+              <a:rPr lang="nl-NL" sz="1400" dirty="0" err="1" smtClean="0">
+                <a:latin typeface="Courier New" panose="02070309020205020404" pitchFamily="49" charset="0"/>
+                <a:cs typeface="Courier New" panose="02070309020205020404" pitchFamily="49" charset="0"/>
+              </a:rPr>
+              <a:t>for</a:t>
+            </a:r>
+            <a:r>
+              <a:rPr lang="nl-NL" sz="1400" dirty="0" smtClean="0">
+                <a:latin typeface="Courier New" panose="02070309020205020404" pitchFamily="49" charset="0"/>
+                <a:cs typeface="Courier New" panose="02070309020205020404" pitchFamily="49" charset="0"/>
+              </a:rPr>
+              <a:t> </a:t>
+            </a:r>
+            <a:r>
+              <a:rPr lang="nl-NL" sz="1400" dirty="0" err="1" smtClean="0">
+                <a:latin typeface="Courier New" panose="02070309020205020404" pitchFamily="49" charset="0"/>
+                <a:cs typeface="Courier New" panose="02070309020205020404" pitchFamily="49" charset="0"/>
+              </a:rPr>
+              <a:t>fraud</a:t>
+            </a:r>
+            <a:r>
+              <a:rPr lang="nl-NL" sz="1400" dirty="0" smtClean="0">
+                <a:latin typeface="Courier New" panose="02070309020205020404" pitchFamily="49" charset="0"/>
+                <a:cs typeface="Courier New" panose="02070309020205020404" pitchFamily="49" charset="0"/>
+              </a:rPr>
+              <a:t> are </a:t>
             </a:r>
             <a:r>
               <a:rPr lang="nl-NL" sz="1400" dirty="0" err="1" smtClean="0">
@@ -12719,10 +13415,45 @@
               <a:t> </a:t>
             </a:r>
             <a:r>
+              <a:rPr lang="nl-NL" sz="1400" dirty="0" smtClean="0">
+                <a:latin typeface="Courier New" panose="02070309020205020404" pitchFamily="49" charset="0"/>
+                <a:cs typeface="Courier New" panose="02070309020205020404" pitchFamily="49" charset="0"/>
+              </a:rPr>
+              <a:t>(</a:t>
+            </a:r>
+            <a:r>
               <a:rPr lang="nl-NL" sz="1400" dirty="0" err="1" smtClean="0">
                 <a:latin typeface="Courier New" panose="02070309020205020404" pitchFamily="49" charset="0"/>
                 <a:cs typeface="Courier New" panose="02070309020205020404" pitchFamily="49" charset="0"/>
               </a:rPr>
+              <a:t>especially</a:t>
+            </a:r>
+            <a:r>
+              <a:rPr lang="nl-NL" sz="1400" dirty="0" smtClean="0">
+                <a:latin typeface="Courier New" panose="02070309020205020404" pitchFamily="49" charset="0"/>
+                <a:cs typeface="Courier New" panose="02070309020205020404" pitchFamily="49" charset="0"/>
+              </a:rPr>
+              <a:t> </a:t>
+            </a:r>
+            <a:r>
+              <a:rPr lang="nl-NL" sz="1400" i="1" dirty="0" err="1" smtClean="0">
+                <a:latin typeface="Courier New" panose="02070309020205020404" pitchFamily="49" charset="0"/>
+                <a:cs typeface="Courier New" panose="02070309020205020404" pitchFamily="49" charset="0"/>
+              </a:rPr>
+              <a:t>n_estimators</a:t>
+            </a:r>
+            <a:r>
+              <a:rPr lang="nl-NL" sz="1400" i="1" dirty="0" smtClean="0">
+                <a:latin typeface="Courier New" panose="02070309020205020404" pitchFamily="49" charset="0"/>
+                <a:cs typeface="Courier New" panose="02070309020205020404" pitchFamily="49" charset="0"/>
+              </a:rPr>
+              <a:t> </a:t>
+            </a:r>
+            <a:r>
+              <a:rPr lang="nl-NL" sz="1400" dirty="0" err="1" smtClean="0">
+                <a:latin typeface="Courier New" panose="02070309020205020404" pitchFamily="49" charset="0"/>
+                <a:cs typeface="Courier New" panose="02070309020205020404" pitchFamily="49" charset="0"/>
+              </a:rPr>
               <a:t>and</a:t>
             </a:r>
             <a:r>
@@ -12730,7 +13461,49 @@
                 <a:latin typeface="Courier New" panose="02070309020205020404" pitchFamily="49" charset="0"/>
                 <a:cs typeface="Courier New" panose="02070309020205020404" pitchFamily="49" charset="0"/>
               </a:rPr>
-              <a:t> test </a:t>
+              <a:t> </a:t>
+            </a:r>
+            <a:r>
+              <a:rPr lang="nl-NL" sz="1400" i="1" dirty="0" err="1" smtClean="0">
+                <a:latin typeface="Courier New" panose="02070309020205020404" pitchFamily="49" charset="0"/>
+                <a:cs typeface="Courier New" panose="02070309020205020404" pitchFamily="49" charset="0"/>
+              </a:rPr>
+              <a:t>max_features</a:t>
+            </a:r>
+            <a:r>
+              <a:rPr lang="nl-NL" sz="1400" dirty="0" smtClean="0">
+                <a:latin typeface="Courier New" panose="02070309020205020404" pitchFamily="49" charset="0"/>
+                <a:cs typeface="Courier New" panose="02070309020205020404" pitchFamily="49" charset="0"/>
+              </a:rPr>
+              <a:t>)</a:t>
+            </a:r>
+            <a:r>
+              <a:rPr lang="nl-NL" sz="1400" i="1" dirty="0" smtClean="0">
+                <a:latin typeface="Courier New" panose="02070309020205020404" pitchFamily="49" charset="0"/>
+                <a:cs typeface="Courier New" panose="02070309020205020404" pitchFamily="49" charset="0"/>
+              </a:rPr>
+              <a:t> </a:t>
+            </a:r>
+            <a:r>
+              <a:rPr lang="nl-NL" sz="1400" dirty="0" err="1" smtClean="0">
+                <a:latin typeface="Courier New" panose="02070309020205020404" pitchFamily="49" charset="0"/>
+                <a:cs typeface="Courier New" panose="02070309020205020404" pitchFamily="49" charset="0"/>
+              </a:rPr>
+              <a:t>and</a:t>
+            </a:r>
+            <a:r>
+              <a:rPr lang="nl-NL" sz="1400" dirty="0" smtClean="0">
+                <a:latin typeface="Courier New" panose="02070309020205020404" pitchFamily="49" charset="0"/>
+                <a:cs typeface="Courier New" panose="02070309020205020404" pitchFamily="49" charset="0"/>
+              </a:rPr>
+              <a:t> </a:t>
+            </a:r>
+            <a:r>
+              <a:rPr lang="nl-NL" sz="1400" dirty="0" smtClean="0">
+                <a:latin typeface="Courier New" panose="02070309020205020404" pitchFamily="49" charset="0"/>
+                <a:cs typeface="Courier New" panose="02070309020205020404" pitchFamily="49" charset="0"/>
+              </a:rPr>
+              <a:t>test </a:t>
             </a:r>
             <a:r>
               <a:rPr lang="nl-NL" sz="1400" dirty="0" err="1" smtClean="0">
@@ -12871,10 +13644,17 @@
   <p:clrMapOvr>
     <a:masterClrMapping/>
   </p:clrMapOvr>
+  <p:timing>
+    <p:tnLst>
+      <p:par>
+        <p:cTn id="1" dur="indefinite" restart="never" nodeType="tmRoot"/>
+      </p:par>
+    </p:tnLst>
+  </p:timing>
 </p:sld>
 </file>
 
-<file path=ppt/slides/slide2.xml><?xml version="1.0" encoding="utf-8"?>
+<file path=ppt/slides/slide21.xml><?xml version="1.0" encoding="utf-8"?>
 <p:sld xmlns:a="http://schemas.openxmlformats.org/drawingml/2006/main" xmlns:r="http://schemas.openxmlformats.org/officeDocument/2006/relationships" xmlns:p="http://schemas.openxmlformats.org/presentationml/2006/main">
   <p:cSld>
     <p:spTree>
@@ -12908,7 +13688,7 @@
           <a:p>
             <a:r>
               <a:rPr lang="nl-NL" dirty="0" smtClean="0"/>
-              <a:t>Check-in</a:t>
+              <a:t>Image credit</a:t>
             </a:r>
             <a:endParaRPr lang="nl-NL" dirty="0"/>
           </a:p>
@@ -12916,7 +13696,7 @@
       </p:sp>
       <p:sp>
         <p:nvSpPr>
-          <p:cNvPr id="9" name="Tijdelijke aanduiding voor inhoud 8"/>
+          <p:cNvPr id="3" name="Tijdelijke aanduiding voor inhoud 2"/>
           <p:cNvSpPr>
             <a:spLocks noGrp="1"/>
           </p:cNvSpPr>
@@ -12924,91 +13704,60 @@
             <p:ph idx="1"/>
           </p:nvPr>
         </p:nvSpPr>
-        <p:spPr/>
+        <p:spPr>
+          <a:xfrm>
+            <a:off x="762000" y="1762125"/>
+            <a:ext cx="7881938" cy="400110"/>
+          </a:xfrm>
+        </p:spPr>
         <p:txBody>
           <a:bodyPr/>
           <a:lstStyle/>
           <a:p>
-            <a:endParaRPr lang="nl-NL"/>
+            <a:r>
+              <a:rPr lang="nl-NL" sz="2000" dirty="0" smtClean="0"/>
+              <a:t>Random </a:t>
+            </a:r>
+            <a:r>
+              <a:rPr lang="nl-NL" sz="2000" dirty="0" err="1" smtClean="0"/>
+              <a:t>Forest</a:t>
+            </a:r>
+            <a:r>
+              <a:rPr lang="nl-NL" sz="2000" dirty="0" smtClean="0"/>
+              <a:t> </a:t>
+            </a:r>
+            <a:r>
+              <a:rPr lang="nl-NL" sz="2000" dirty="0" err="1" smtClean="0"/>
+              <a:t>by</a:t>
+            </a:r>
+            <a:r>
+              <a:rPr lang="nl-NL" sz="2000" dirty="0" smtClean="0"/>
+              <a:t> </a:t>
+            </a:r>
+            <a:r>
+              <a:rPr lang="nl-NL" sz="2000" dirty="0" err="1" smtClean="0"/>
+              <a:t>Venkata</a:t>
+            </a:r>
+            <a:r>
+              <a:rPr lang="nl-NL" sz="2000" dirty="0" smtClean="0"/>
+              <a:t> </a:t>
+            </a:r>
+            <a:r>
+              <a:rPr lang="nl-NL" sz="2000" dirty="0" err="1" smtClean="0"/>
+              <a:t>Jagannath</a:t>
+            </a:r>
+            <a:r>
+              <a:rPr lang="nl-NL" sz="2000" dirty="0" smtClean="0"/>
+              <a:t> (CC-BY-SA)</a:t>
+            </a:r>
+            <a:endParaRPr lang="nl-NL" sz="2000" dirty="0"/>
           </a:p>
         </p:txBody>
       </p:sp>
-      <p:pic>
-        <p:nvPicPr>
-          <p:cNvPr id="12" name="Afbeelding 11"/>
-          <p:cNvPicPr>
-            <a:picLocks noChangeAspect="1"/>
-          </p:cNvPicPr>
-          <p:nvPr/>
-        </p:nvPicPr>
-        <p:blipFill>
-          <a:blip r:embed="rId2"/>
-          <a:stretch>
-            <a:fillRect/>
-          </a:stretch>
-        </p:blipFill>
-        <p:spPr>
-          <a:xfrm>
-            <a:off x="6156176" y="2492896"/>
-            <a:ext cx="2253070" cy="2016224"/>
-          </a:xfrm>
-          <a:prstGeom prst="rect">
-            <a:avLst/>
-          </a:prstGeom>
-        </p:spPr>
-      </p:pic>
-      <p:pic>
-        <p:nvPicPr>
-          <p:cNvPr id="13" name="Afbeelding 12"/>
-          <p:cNvPicPr>
-            <a:picLocks noChangeAspect="1"/>
-          </p:cNvPicPr>
-          <p:nvPr/>
-        </p:nvPicPr>
-        <p:blipFill>
-          <a:blip r:embed="rId3"/>
-          <a:stretch>
-            <a:fillRect/>
-          </a:stretch>
-        </p:blipFill>
-        <p:spPr>
-          <a:xfrm>
-            <a:off x="3491880" y="2616786"/>
-            <a:ext cx="2129219" cy="1988089"/>
-          </a:xfrm>
-          <a:prstGeom prst="rect">
-            <a:avLst/>
-          </a:prstGeom>
-        </p:spPr>
-      </p:pic>
-      <p:pic>
-        <p:nvPicPr>
-          <p:cNvPr id="14" name="Afbeelding 13"/>
-          <p:cNvPicPr>
-            <a:picLocks noChangeAspect="1"/>
-          </p:cNvPicPr>
-          <p:nvPr/>
-        </p:nvPicPr>
-        <p:blipFill>
-          <a:blip r:embed="rId4"/>
-          <a:stretch>
-            <a:fillRect/>
-          </a:stretch>
-        </p:blipFill>
-        <p:spPr>
-          <a:xfrm>
-            <a:off x="869217" y="2712543"/>
-            <a:ext cx="1873659" cy="1796577"/>
-          </a:xfrm>
-          <a:prstGeom prst="rect">
-            <a:avLst/>
-          </a:prstGeom>
-        </p:spPr>
-      </p:pic>
     </p:spTree>
     <p:extLst>
       <p:ext uri="{BB962C8B-B14F-4D97-AF65-F5344CB8AC3E}">
-        <p14:creationId xmlns:p14="http://schemas.microsoft.com/office/powerpoint/2010/main" val="3026659927"/>
+        <p14:creationId xmlns:p14="http://schemas.microsoft.com/office/powerpoint/2010/main" val="1243935211"/>
       </p:ext>
     </p:extLst>
   </p:cSld>
@@ -13022,119 +13771,6 @@
       </p:par>
     </p:tnLst>
   </p:timing>
-</p:sld>
-</file>
-
-<file path=ppt/slides/slide20.xml><?xml version="1.0" encoding="utf-8"?>
-<p:sld xmlns:a="http://schemas.openxmlformats.org/drawingml/2006/main" xmlns:r="http://schemas.openxmlformats.org/officeDocument/2006/relationships" xmlns:p="http://schemas.openxmlformats.org/presentationml/2006/main">
-  <p:cSld>
-    <p:spTree>
-      <p:nvGrpSpPr>
-        <p:cNvPr id="1" name=""/>
-        <p:cNvGrpSpPr/>
-        <p:nvPr/>
-      </p:nvGrpSpPr>
-      <p:grpSpPr>
-        <a:xfrm>
-          <a:off x="0" y="0"/>
-          <a:ext cx="0" cy="0"/>
-          <a:chOff x="0" y="0"/>
-          <a:chExt cx="0" cy="0"/>
-        </a:xfrm>
-      </p:grpSpPr>
-      <p:sp>
-        <p:nvSpPr>
-          <p:cNvPr id="2" name="Titel 1"/>
-          <p:cNvSpPr>
-            <a:spLocks noGrp="1"/>
-          </p:cNvSpPr>
-          <p:nvPr>
-            <p:ph type="title"/>
-          </p:nvPr>
-        </p:nvSpPr>
-        <p:spPr/>
-        <p:txBody>
-          <a:bodyPr/>
-          <a:lstStyle/>
-          <a:p>
-            <a:r>
-              <a:rPr lang="nl-NL" dirty="0" smtClean="0"/>
-              <a:t>Image credit</a:t>
-            </a:r>
-            <a:endParaRPr lang="nl-NL" dirty="0"/>
-          </a:p>
-        </p:txBody>
-      </p:sp>
-      <p:sp>
-        <p:nvSpPr>
-          <p:cNvPr id="3" name="Tijdelijke aanduiding voor inhoud 2"/>
-          <p:cNvSpPr>
-            <a:spLocks noGrp="1"/>
-          </p:cNvSpPr>
-          <p:nvPr>
-            <p:ph idx="1"/>
-          </p:nvPr>
-        </p:nvSpPr>
-        <p:spPr>
-          <a:xfrm>
-            <a:off x="762000" y="1762125"/>
-            <a:ext cx="7881938" cy="400110"/>
-          </a:xfrm>
-        </p:spPr>
-        <p:txBody>
-          <a:bodyPr/>
-          <a:lstStyle/>
-          <a:p>
-            <a:r>
-              <a:rPr lang="nl-NL" sz="2000" dirty="0" smtClean="0"/>
-              <a:t>Random </a:t>
-            </a:r>
-            <a:r>
-              <a:rPr lang="nl-NL" sz="2000" dirty="0" err="1" smtClean="0"/>
-              <a:t>Forest</a:t>
-            </a:r>
-            <a:r>
-              <a:rPr lang="nl-NL" sz="2000" dirty="0" smtClean="0"/>
-              <a:t> </a:t>
-            </a:r>
-            <a:r>
-              <a:rPr lang="nl-NL" sz="2000" dirty="0" err="1" smtClean="0"/>
-              <a:t>by</a:t>
-            </a:r>
-            <a:r>
-              <a:rPr lang="nl-NL" sz="2000" dirty="0" smtClean="0"/>
-              <a:t> </a:t>
-            </a:r>
-            <a:r>
-              <a:rPr lang="nl-NL" sz="2000" dirty="0" err="1" smtClean="0"/>
-              <a:t>Venkata</a:t>
-            </a:r>
-            <a:r>
-              <a:rPr lang="nl-NL" sz="2000" dirty="0" smtClean="0"/>
-              <a:t> </a:t>
-            </a:r>
-            <a:r>
-              <a:rPr lang="nl-NL" sz="2000" dirty="0" err="1" smtClean="0"/>
-              <a:t>Jagannath</a:t>
-            </a:r>
-            <a:r>
-              <a:rPr lang="nl-NL" sz="2000" dirty="0" smtClean="0"/>
-              <a:t> (CC-BY-SA)</a:t>
-            </a:r>
-            <a:endParaRPr lang="nl-NL" sz="2000" dirty="0"/>
-          </a:p>
-        </p:txBody>
-      </p:sp>
-    </p:spTree>
-    <p:extLst>
-      <p:ext uri="{BB962C8B-B14F-4D97-AF65-F5344CB8AC3E}">
-        <p14:creationId xmlns:p14="http://schemas.microsoft.com/office/powerpoint/2010/main" val="1243935211"/>
-      </p:ext>
-    </p:extLst>
-  </p:cSld>
-  <p:clrMapOvr>
-    <a:masterClrMapping/>
-  </p:clrMapOvr>
 </p:sld>
 </file>
 
@@ -13171,8 +13807,16 @@
           <a:lstStyle/>
           <a:p>
             <a:r>
+              <a:rPr lang="nl-NL" dirty="0" err="1" smtClean="0"/>
+              <a:t>Final</a:t>
+            </a:r>
+            <a:r>
               <a:rPr lang="nl-NL" dirty="0" smtClean="0"/>
-              <a:t>Topics</a:t>
+              <a:t> </a:t>
+            </a:r>
+            <a:r>
+              <a:rPr lang="nl-NL" dirty="0" err="1" smtClean="0"/>
+              <a:t>assignment</a:t>
             </a:r>
             <a:endParaRPr lang="nl-NL" dirty="0"/>
           </a:p>
@@ -13190,8 +13834,8 @@
         </p:nvSpPr>
         <p:spPr>
           <a:xfrm>
-            <a:off x="762000" y="1762125"/>
-            <a:ext cx="7881938" cy="2751522"/>
+            <a:off x="683568" y="1556792"/>
+            <a:ext cx="7881938" cy="4770537"/>
           </a:xfrm>
         </p:spPr>
         <p:txBody>
@@ -13199,67 +13843,334 @@
           <a:lstStyle/>
           <a:p>
             <a:r>
-              <a:rPr lang="nl-NL" sz="2400" i="1" dirty="0" smtClean="0"/>
-              <a:t>k</a:t>
-            </a:r>
-            <a:r>
-              <a:rPr lang="nl-NL" sz="2400" dirty="0" smtClean="0"/>
-              <a:t>-</a:t>
-            </a:r>
-            <a:r>
-              <a:rPr lang="nl-NL" sz="2400" dirty="0" err="1" smtClean="0"/>
-              <a:t>nearest</a:t>
-            </a:r>
-            <a:r>
-              <a:rPr lang="nl-NL" sz="2400" dirty="0" smtClean="0"/>
+              <a:rPr lang="nl-NL" sz="2000" dirty="0" err="1" smtClean="0"/>
+              <a:t>Please</a:t>
+            </a:r>
+            <a:r>
+              <a:rPr lang="nl-NL" sz="2000" dirty="0" smtClean="0"/>
               <a:t> </a:t>
             </a:r>
             <a:r>
-              <a:rPr lang="nl-NL" sz="2400" dirty="0" err="1" smtClean="0"/>
-              <a:t>neighbor</a:t>
-            </a:r>
-            <a:endParaRPr lang="nl-NL" sz="2400" i="1" dirty="0" smtClean="0"/>
-          </a:p>
-          <a:p>
-            <a:endParaRPr lang="nl-NL" sz="2400" dirty="0"/>
-          </a:p>
-          <a:p>
-            <a:r>
-              <a:rPr lang="nl-NL" sz="2400" dirty="0" err="1" smtClean="0"/>
-              <a:t>Decision</a:t>
-            </a:r>
-            <a:r>
-              <a:rPr lang="nl-NL" sz="2400" dirty="0" smtClean="0"/>
+              <a:rPr lang="nl-NL" sz="2000" dirty="0" err="1" smtClean="0"/>
+              <a:t>submit</a:t>
+            </a:r>
+            <a:r>
+              <a:rPr lang="nl-NL" sz="2000" dirty="0" smtClean="0"/>
               <a:t> </a:t>
             </a:r>
             <a:r>
-              <a:rPr lang="nl-NL" sz="2400" dirty="0"/>
-              <a:t>tree</a:t>
-            </a:r>
-          </a:p>
-          <a:p>
-            <a:endParaRPr lang="nl-NL" sz="2400" dirty="0"/>
-          </a:p>
-          <a:p>
-            <a:r>
-              <a:rPr lang="nl-NL" sz="2400" dirty="0" smtClean="0"/>
-              <a:t>Random </a:t>
-            </a:r>
-            <a:r>
-              <a:rPr lang="nl-NL" sz="2400" dirty="0" err="1" smtClean="0"/>
-              <a:t>Forest</a:t>
-            </a:r>
-            <a:endParaRPr lang="nl-NL" sz="2400" dirty="0"/>
-          </a:p>
-          <a:p>
-            <a:endParaRPr lang="nl-NL" dirty="0"/>
+              <a:rPr lang="nl-NL" sz="2000" dirty="0" err="1" smtClean="0"/>
+              <a:t>your</a:t>
+            </a:r>
+            <a:r>
+              <a:rPr lang="nl-NL" sz="2000" dirty="0" smtClean="0"/>
+              <a:t> </a:t>
+            </a:r>
+            <a:r>
+              <a:rPr lang="nl-NL" sz="2000" dirty="0" err="1" smtClean="0"/>
+              <a:t>idea</a:t>
+            </a:r>
+            <a:r>
+              <a:rPr lang="nl-NL" sz="2000" dirty="0" smtClean="0"/>
+              <a:t> in </a:t>
+            </a:r>
+            <a:r>
+              <a:rPr lang="nl-NL" sz="2000" dirty="0" err="1" smtClean="0"/>
+              <a:t>the</a:t>
+            </a:r>
+            <a:r>
+              <a:rPr lang="nl-NL" sz="2000" dirty="0" smtClean="0"/>
+              <a:t> Canvas </a:t>
+            </a:r>
+            <a:r>
+              <a:rPr lang="nl-NL" sz="2000" dirty="0" err="1" smtClean="0"/>
+              <a:t>submission</a:t>
+            </a:r>
+            <a:r>
+              <a:rPr lang="nl-NL" sz="2000" dirty="0" smtClean="0"/>
+              <a:t> box</a:t>
+            </a:r>
+          </a:p>
+          <a:p>
+            <a:endParaRPr lang="nl-NL" sz="2000" dirty="0"/>
+          </a:p>
+          <a:p>
+            <a:r>
+              <a:rPr lang="nl-NL" sz="2000" dirty="0" smtClean="0"/>
+              <a:t>Is </a:t>
+            </a:r>
+            <a:r>
+              <a:rPr lang="nl-NL" sz="2000" dirty="0" err="1" smtClean="0"/>
+              <a:t>the</a:t>
+            </a:r>
+            <a:r>
+              <a:rPr lang="nl-NL" sz="2000" dirty="0" smtClean="0"/>
+              <a:t> topic </a:t>
+            </a:r>
+            <a:r>
+              <a:rPr lang="nl-NL" sz="2000" dirty="0" err="1" smtClean="0"/>
+              <a:t>broadly</a:t>
+            </a:r>
+            <a:r>
+              <a:rPr lang="nl-NL" sz="2000" dirty="0" smtClean="0"/>
+              <a:t> </a:t>
+            </a:r>
+            <a:r>
+              <a:rPr lang="nl-NL" sz="2000" dirty="0" err="1" smtClean="0"/>
+              <a:t>related</a:t>
+            </a:r>
+            <a:r>
+              <a:rPr lang="nl-NL" sz="2000" dirty="0" smtClean="0"/>
+              <a:t> </a:t>
+            </a:r>
+            <a:r>
+              <a:rPr lang="nl-NL" sz="2000" dirty="0" err="1" smtClean="0"/>
+              <a:t>to</a:t>
+            </a:r>
+            <a:r>
+              <a:rPr lang="nl-NL" sz="2000" dirty="0" smtClean="0"/>
+              <a:t> </a:t>
+            </a:r>
+            <a:r>
+              <a:rPr lang="nl-NL" sz="2000" dirty="0" err="1" smtClean="0"/>
+              <a:t>the</a:t>
+            </a:r>
+            <a:r>
+              <a:rPr lang="nl-NL" sz="2000" dirty="0" smtClean="0"/>
+              <a:t> master?</a:t>
+            </a:r>
+          </a:p>
+          <a:p>
+            <a:endParaRPr lang="nl-NL" sz="2000" dirty="0"/>
+          </a:p>
+          <a:p>
+            <a:r>
+              <a:rPr lang="nl-NL" sz="2000" dirty="0" err="1" smtClean="0"/>
+              <a:t>What</a:t>
+            </a:r>
+            <a:r>
+              <a:rPr lang="nl-NL" sz="2000" dirty="0" smtClean="0"/>
+              <a:t> is </a:t>
+            </a:r>
+            <a:r>
+              <a:rPr lang="nl-NL" sz="2000" dirty="0" err="1" smtClean="0"/>
+              <a:t>your</a:t>
+            </a:r>
+            <a:r>
+              <a:rPr lang="nl-NL" sz="2000" dirty="0" smtClean="0"/>
+              <a:t> unit of </a:t>
+            </a:r>
+            <a:r>
+              <a:rPr lang="nl-NL" sz="2000" dirty="0" err="1" smtClean="0"/>
+              <a:t>observation</a:t>
+            </a:r>
+            <a:r>
+              <a:rPr lang="nl-NL" sz="2000" dirty="0" smtClean="0"/>
+              <a:t>?</a:t>
+            </a:r>
+          </a:p>
+          <a:p>
+            <a:endParaRPr lang="nl-NL" sz="2000" dirty="0"/>
+          </a:p>
+          <a:p>
+            <a:r>
+              <a:rPr lang="nl-NL" sz="2000" dirty="0" err="1" smtClean="0"/>
+              <a:t>Preferably</a:t>
+            </a:r>
+            <a:r>
+              <a:rPr lang="nl-NL" sz="2000" dirty="0" smtClean="0"/>
+              <a:t> </a:t>
+            </a:r>
+            <a:r>
+              <a:rPr lang="nl-NL" sz="2000" dirty="0" err="1" smtClean="0"/>
+              <a:t>use</a:t>
+            </a:r>
+            <a:r>
+              <a:rPr lang="nl-NL" sz="2000" dirty="0" smtClean="0"/>
+              <a:t> variables </a:t>
+            </a:r>
+            <a:r>
+              <a:rPr lang="nl-NL" sz="2000" dirty="0" err="1" smtClean="0"/>
+              <a:t>that</a:t>
+            </a:r>
+            <a:r>
+              <a:rPr lang="nl-NL" sz="2000" dirty="0" smtClean="0"/>
+              <a:t> </a:t>
+            </a:r>
+            <a:r>
+              <a:rPr lang="nl-NL" sz="2000" dirty="0" err="1" smtClean="0"/>
+              <a:t>can</a:t>
+            </a:r>
+            <a:r>
+              <a:rPr lang="nl-NL" sz="2000" dirty="0" smtClean="0"/>
+              <a:t> </a:t>
+            </a:r>
+            <a:r>
+              <a:rPr lang="nl-NL" sz="2000" dirty="0" err="1" smtClean="0"/>
+              <a:t>be</a:t>
+            </a:r>
+            <a:r>
+              <a:rPr lang="nl-NL" sz="2000" dirty="0" smtClean="0"/>
+              <a:t> </a:t>
+            </a:r>
+            <a:r>
+              <a:rPr lang="nl-NL" sz="2000" dirty="0" err="1" smtClean="0"/>
+              <a:t>used</a:t>
+            </a:r>
+            <a:r>
+              <a:rPr lang="nl-NL" sz="2000" dirty="0" smtClean="0"/>
+              <a:t> in a ‘real’ scenario</a:t>
+            </a:r>
+          </a:p>
+          <a:p>
+            <a:pPr lvl="1"/>
+            <a:r>
+              <a:rPr lang="nl-NL" sz="2000" dirty="0" smtClean="0"/>
+              <a:t>E.g. movie rating </a:t>
+            </a:r>
+            <a:r>
+              <a:rPr lang="nl-NL" sz="2000" dirty="0" err="1" smtClean="0"/>
+              <a:t>from</a:t>
+            </a:r>
+            <a:r>
+              <a:rPr lang="nl-NL" sz="2000" dirty="0" smtClean="0"/>
+              <a:t> </a:t>
+            </a:r>
+            <a:r>
+              <a:rPr lang="nl-NL" sz="2000" dirty="0" err="1" smtClean="0"/>
+              <a:t>duration</a:t>
+            </a:r>
+            <a:r>
+              <a:rPr lang="nl-NL" sz="2000" dirty="0" smtClean="0"/>
+              <a:t> </a:t>
+            </a:r>
+            <a:r>
+              <a:rPr lang="nl-NL" sz="2000" dirty="0" err="1" smtClean="0"/>
+              <a:t>and</a:t>
+            </a:r>
+            <a:r>
+              <a:rPr lang="nl-NL" sz="2000" dirty="0" smtClean="0"/>
+              <a:t> actors, but </a:t>
+            </a:r>
+            <a:r>
+              <a:rPr lang="nl-NL" sz="2000" dirty="0" err="1" smtClean="0"/>
+              <a:t>not</a:t>
+            </a:r>
+            <a:r>
+              <a:rPr lang="nl-NL" sz="2000" dirty="0" smtClean="0"/>
+              <a:t> </a:t>
+            </a:r>
+            <a:r>
+              <a:rPr lang="nl-NL" sz="2000" dirty="0" err="1" smtClean="0"/>
+              <a:t>from</a:t>
+            </a:r>
+            <a:r>
+              <a:rPr lang="nl-NL" sz="2000" dirty="0" smtClean="0"/>
+              <a:t> </a:t>
+            </a:r>
+            <a:r>
+              <a:rPr lang="nl-NL" sz="2000" dirty="0" err="1" smtClean="0"/>
+              <a:t>critics</a:t>
+            </a:r>
+            <a:r>
+              <a:rPr lang="nl-NL" sz="2000" dirty="0" smtClean="0"/>
+              <a:t> rating (</a:t>
+            </a:r>
+            <a:r>
+              <a:rPr lang="nl-NL" sz="2000" dirty="0" err="1" smtClean="0"/>
+              <a:t>not</a:t>
+            </a:r>
+            <a:r>
+              <a:rPr lang="nl-NL" sz="2000" dirty="0" smtClean="0"/>
+              <a:t> </a:t>
+            </a:r>
+            <a:r>
+              <a:rPr lang="nl-NL" sz="2000" dirty="0" err="1" smtClean="0"/>
+              <a:t>there</a:t>
+            </a:r>
+            <a:r>
+              <a:rPr lang="nl-NL" sz="2000" dirty="0" smtClean="0"/>
+              <a:t> </a:t>
+            </a:r>
+            <a:r>
+              <a:rPr lang="nl-NL" sz="2000" dirty="0" err="1" smtClean="0"/>
+              <a:t>when</a:t>
+            </a:r>
+            <a:r>
+              <a:rPr lang="nl-NL" sz="2000" dirty="0" smtClean="0"/>
+              <a:t> movie is made)</a:t>
+            </a:r>
+          </a:p>
+          <a:p>
+            <a:endParaRPr lang="nl-NL" sz="2000" dirty="0"/>
+          </a:p>
+          <a:p>
+            <a:r>
+              <a:rPr lang="nl-NL" sz="2000" dirty="0" err="1" smtClean="0"/>
+              <a:t>Good</a:t>
+            </a:r>
+            <a:r>
+              <a:rPr lang="nl-NL" sz="2000" dirty="0" smtClean="0"/>
+              <a:t> </a:t>
+            </a:r>
+            <a:r>
+              <a:rPr lang="nl-NL" sz="2000" dirty="0" err="1" smtClean="0"/>
+              <a:t>idea</a:t>
+            </a:r>
+            <a:r>
+              <a:rPr lang="nl-NL" sz="2000" dirty="0" smtClean="0"/>
+              <a:t> </a:t>
+            </a:r>
+            <a:r>
+              <a:rPr lang="nl-NL" sz="2000" dirty="0" err="1" smtClean="0"/>
+              <a:t>to</a:t>
+            </a:r>
+            <a:r>
+              <a:rPr lang="nl-NL" sz="2000" dirty="0" smtClean="0"/>
+              <a:t> </a:t>
+            </a:r>
+            <a:r>
+              <a:rPr lang="nl-NL" sz="2000" dirty="0" err="1" smtClean="0"/>
+              <a:t>gather</a:t>
+            </a:r>
+            <a:r>
+              <a:rPr lang="nl-NL" sz="2000" dirty="0" smtClean="0"/>
+              <a:t> </a:t>
+            </a:r>
+            <a:r>
+              <a:rPr lang="nl-NL" sz="2000" dirty="0" err="1" smtClean="0"/>
+              <a:t>and</a:t>
+            </a:r>
+            <a:r>
+              <a:rPr lang="nl-NL" sz="2000" dirty="0" smtClean="0"/>
+              <a:t> clean </a:t>
+            </a:r>
+            <a:r>
+              <a:rPr lang="nl-NL" sz="2000" dirty="0" err="1" smtClean="0"/>
+              <a:t>the</a:t>
+            </a:r>
+            <a:r>
+              <a:rPr lang="nl-NL" sz="2000" dirty="0" smtClean="0"/>
+              <a:t> data straight </a:t>
+            </a:r>
+            <a:r>
+              <a:rPr lang="nl-NL" sz="2000" dirty="0" err="1" smtClean="0"/>
+              <a:t>away</a:t>
+            </a:r>
+            <a:endParaRPr lang="nl-NL" sz="2000" dirty="0" smtClean="0"/>
+          </a:p>
+          <a:p>
+            <a:endParaRPr lang="nl-NL" sz="2000" dirty="0"/>
+          </a:p>
+          <a:p>
+            <a:endParaRPr lang="nl-NL" sz="2000" dirty="0"/>
           </a:p>
         </p:txBody>
       </p:sp>
     </p:spTree>
     <p:extLst>
       <p:ext uri="{BB962C8B-B14F-4D97-AF65-F5344CB8AC3E}">
-        <p14:creationId xmlns:p14="http://schemas.microsoft.com/office/powerpoint/2010/main" val="3461208002"/>
+        <p14:creationId xmlns:p14="http://schemas.microsoft.com/office/powerpoint/2010/main" val="2946961391"/>
       </p:ext>
     </p:extLst>
   </p:cSld>
@@ -13309,28 +14220,8 @@
           <a:lstStyle/>
           <a:p>
             <a:r>
-              <a:rPr lang="nl-NL" i="1" dirty="0"/>
-              <a:t>k-</a:t>
-            </a:r>
-            <a:r>
-              <a:rPr lang="nl-NL" dirty="0" err="1"/>
-              <a:t>nearest</a:t>
-            </a:r>
-            <a:r>
-              <a:rPr lang="nl-NL" dirty="0"/>
-              <a:t> </a:t>
-            </a:r>
-            <a:r>
-              <a:rPr lang="nl-NL" dirty="0" err="1" smtClean="0"/>
-              <a:t>neighbor</a:t>
-            </a:r>
-            <a:r>
               <a:rPr lang="nl-NL" dirty="0" smtClean="0"/>
-              <a:t> </a:t>
-            </a:r>
-            <a:r>
-              <a:rPr lang="nl-NL" dirty="0" err="1" smtClean="0"/>
-              <a:t>algorithm</a:t>
+              <a:t>Topics</a:t>
             </a:r>
             <a:endParaRPr lang="nl-NL" dirty="0"/>
           </a:p>
@@ -13349,7 +14240,7 @@
         <p:spPr>
           <a:xfrm>
             <a:off x="762000" y="1762125"/>
-            <a:ext cx="7881938" cy="4019562"/>
+            <a:ext cx="7881938" cy="2751522"/>
           </a:xfrm>
         </p:spPr>
         <p:txBody>
@@ -13376,200 +14267,48 @@
               <a:rPr lang="nl-NL" sz="2400" dirty="0" err="1" smtClean="0"/>
               <a:t>neighbor</a:t>
             </a:r>
-            <a:r>
-              <a:rPr lang="nl-NL" sz="2400" dirty="0" smtClean="0"/>
-              <a:t> is </a:t>
-            </a:r>
+            <a:endParaRPr lang="nl-NL" sz="2400" i="1" dirty="0" smtClean="0"/>
+          </a:p>
+          <a:p>
+            <a:endParaRPr lang="nl-NL" sz="2400" dirty="0"/>
+          </a:p>
+          <a:p>
             <a:r>
               <a:rPr lang="nl-NL" sz="2400" dirty="0" err="1" smtClean="0"/>
-              <a:t>one</a:t>
-            </a:r>
-            <a:r>
-              <a:rPr lang="nl-NL" sz="2400" dirty="0" smtClean="0"/>
-              <a:t> of the </a:t>
-            </a:r>
-            <a:r>
-              <a:rPr lang="nl-NL" sz="2400" dirty="0" err="1" smtClean="0"/>
-              <a:t>simplest</a:t>
+              <a:t>Decision</a:t>
             </a:r>
             <a:r>
               <a:rPr lang="nl-NL" sz="2400" dirty="0" smtClean="0"/>
               <a:t> </a:t>
             </a:r>
             <a:r>
+              <a:rPr lang="nl-NL" sz="2400" dirty="0"/>
+              <a:t>tree</a:t>
+            </a:r>
+          </a:p>
+          <a:p>
+            <a:endParaRPr lang="nl-NL" sz="2400" dirty="0"/>
+          </a:p>
+          <a:p>
+            <a:r>
+              <a:rPr lang="nl-NL" sz="2400" dirty="0" smtClean="0"/>
+              <a:t>Random </a:t>
+            </a:r>
+            <a:r>
               <a:rPr lang="nl-NL" sz="2400" dirty="0" err="1" smtClean="0"/>
-              <a:t>algorithms</a:t>
-            </a:r>
-            <a:r>
-              <a:rPr lang="nl-NL" sz="2400" dirty="0" smtClean="0"/>
-              <a:t> in machine </a:t>
-            </a:r>
-            <a:r>
-              <a:rPr lang="nl-NL" sz="2400" dirty="0" err="1" smtClean="0"/>
-              <a:t>learning</a:t>
-            </a:r>
-            <a:endParaRPr lang="nl-NL" sz="2400" i="1" dirty="0" smtClean="0"/>
-          </a:p>
-          <a:p>
+              <a:t>Forest</a:t>
+            </a:r>
             <a:endParaRPr lang="nl-NL" sz="2400" dirty="0"/>
           </a:p>
           <a:p>
-            <a:r>
-              <a:rPr lang="nl-NL" sz="2400" dirty="0" smtClean="0"/>
-              <a:t>From the data set, </a:t>
-            </a:r>
-            <a:r>
-              <a:rPr lang="nl-NL" sz="2400" dirty="0" err="1" smtClean="0"/>
-              <a:t>pick</a:t>
-            </a:r>
-            <a:r>
-              <a:rPr lang="nl-NL" sz="2400" dirty="0" smtClean="0"/>
-              <a:t> the </a:t>
-            </a:r>
-            <a:r>
-              <a:rPr lang="nl-NL" sz="2400" i="1" dirty="0" smtClean="0"/>
-              <a:t>k </a:t>
-            </a:r>
-            <a:r>
-              <a:rPr lang="nl-NL" sz="2400" dirty="0" err="1" smtClean="0"/>
-              <a:t>nearest</a:t>
-            </a:r>
-            <a:r>
-              <a:rPr lang="nl-NL" sz="2400" dirty="0" smtClean="0"/>
-              <a:t> </a:t>
-            </a:r>
-            <a:r>
-              <a:rPr lang="nl-NL" sz="2400" dirty="0" err="1" smtClean="0"/>
-              <a:t>neighbors</a:t>
-            </a:r>
-            <a:r>
-              <a:rPr lang="nl-NL" sz="2400" dirty="0" smtClean="0"/>
-              <a:t> (</a:t>
-            </a:r>
-            <a:r>
-              <a:rPr lang="nl-NL" sz="2400" i="1" dirty="0" smtClean="0"/>
-              <a:t>k = </a:t>
-            </a:r>
-            <a:r>
-              <a:rPr lang="nl-NL" sz="2400" dirty="0" smtClean="0"/>
-              <a:t>3, 5, 7, etc.) of the </a:t>
-            </a:r>
-            <a:r>
-              <a:rPr lang="nl-NL" sz="2400" dirty="0" err="1" smtClean="0"/>
-              <a:t>individual</a:t>
-            </a:r>
-            <a:r>
-              <a:rPr lang="nl-NL" sz="2400" dirty="0" smtClean="0"/>
-              <a:t> </a:t>
-            </a:r>
-            <a:r>
-              <a:rPr lang="nl-NL" sz="2400" dirty="0" err="1" smtClean="0"/>
-              <a:t>you</a:t>
-            </a:r>
-            <a:r>
-              <a:rPr lang="nl-NL" sz="2400" dirty="0" smtClean="0"/>
-              <a:t> want </a:t>
-            </a:r>
-            <a:r>
-              <a:rPr lang="nl-NL" sz="2400" dirty="0" err="1" smtClean="0"/>
-              <a:t>to</a:t>
-            </a:r>
-            <a:r>
-              <a:rPr lang="nl-NL" sz="2400" dirty="0" smtClean="0"/>
-              <a:t> </a:t>
-            </a:r>
-            <a:r>
-              <a:rPr lang="nl-NL" sz="2400" dirty="0" err="1" smtClean="0"/>
-              <a:t>predict</a:t>
-            </a:r>
-            <a:r>
-              <a:rPr lang="nl-NL" sz="2400" dirty="0" smtClean="0"/>
-              <a:t> </a:t>
-            </a:r>
-            <a:r>
-              <a:rPr lang="nl-NL" sz="2400" dirty="0" err="1" smtClean="0"/>
-              <a:t>for</a:t>
-            </a:r>
-            <a:endParaRPr lang="nl-NL" sz="2400" dirty="0" smtClean="0"/>
-          </a:p>
-          <a:p>
-            <a:pPr lvl="1"/>
-            <a:r>
-              <a:rPr lang="nl-NL" sz="2200" dirty="0" err="1" smtClean="0"/>
-              <a:t>Classification</a:t>
-            </a:r>
-            <a:r>
-              <a:rPr lang="nl-NL" sz="2200" dirty="0" smtClean="0"/>
-              <a:t>: </a:t>
-            </a:r>
-            <a:r>
-              <a:rPr lang="nl-NL" sz="2200" dirty="0" err="1" smtClean="0"/>
-              <a:t>pick</a:t>
-            </a:r>
-            <a:r>
-              <a:rPr lang="nl-NL" sz="2200" dirty="0" smtClean="0"/>
-              <a:t> the most frequent </a:t>
-            </a:r>
-            <a:r>
-              <a:rPr lang="nl-NL" sz="2200" dirty="0" err="1" smtClean="0"/>
-              <a:t>answer</a:t>
-            </a:r>
-            <a:r>
-              <a:rPr lang="nl-NL" sz="2200" dirty="0" smtClean="0"/>
-              <a:t> (e.g., Ronaldo or Messi)</a:t>
-            </a:r>
-          </a:p>
-          <a:p>
-            <a:pPr lvl="1"/>
-            <a:r>
-              <a:rPr lang="nl-NL" sz="2200" dirty="0" err="1" smtClean="0"/>
-              <a:t>Regression</a:t>
-            </a:r>
-            <a:r>
-              <a:rPr lang="nl-NL" sz="2200" dirty="0" smtClean="0"/>
-              <a:t>: take the mean of the </a:t>
-            </a:r>
-            <a:r>
-              <a:rPr lang="nl-NL" sz="2200" dirty="0" err="1" smtClean="0"/>
-              <a:t>neighbors</a:t>
-            </a:r>
-            <a:r>
-              <a:rPr lang="nl-NL" sz="2200" dirty="0" smtClean="0"/>
-              <a:t> (e.g., apps </a:t>
-            </a:r>
-            <a:r>
-              <a:rPr lang="nl-NL" sz="2200" dirty="0" err="1" smtClean="0"/>
-              <a:t>downloaded</a:t>
-            </a:r>
-            <a:r>
-              <a:rPr lang="nl-NL" sz="2200" dirty="0"/>
-              <a:t> </a:t>
-            </a:r>
-            <a:r>
-              <a:rPr lang="nl-NL" sz="2200" dirty="0" smtClean="0"/>
-              <a:t>last </a:t>
-            </a:r>
-            <a:r>
-              <a:rPr lang="nl-NL" sz="2200" dirty="0" err="1" smtClean="0"/>
-              <a:t>year</a:t>
-            </a:r>
-            <a:r>
-              <a:rPr lang="nl-NL" sz="2200" dirty="0" smtClean="0"/>
-              <a:t>)</a:t>
-            </a:r>
-          </a:p>
-          <a:p>
-            <a:pPr marL="0" indent="0">
-              <a:buNone/>
-            </a:pPr>
-            <a:endParaRPr lang="nl-NL" sz="2400" dirty="0"/>
+            <a:endParaRPr lang="nl-NL" dirty="0"/>
           </a:p>
         </p:txBody>
       </p:sp>
     </p:spTree>
     <p:extLst>
       <p:ext uri="{BB962C8B-B14F-4D97-AF65-F5344CB8AC3E}">
-        <p14:creationId xmlns:p14="http://schemas.microsoft.com/office/powerpoint/2010/main" val="1088287530"/>
+        <p14:creationId xmlns:p14="http://schemas.microsoft.com/office/powerpoint/2010/main" val="3461208002"/>
       </p:ext>
     </p:extLst>
   </p:cSld>
@@ -13619,6 +14358,316 @@
           <a:lstStyle/>
           <a:p>
             <a:r>
+              <a:rPr lang="nl-NL" i="1" dirty="0"/>
+              <a:t>k-</a:t>
+            </a:r>
+            <a:r>
+              <a:rPr lang="nl-NL" dirty="0" err="1"/>
+              <a:t>nearest</a:t>
+            </a:r>
+            <a:r>
+              <a:rPr lang="nl-NL" dirty="0"/>
+              <a:t> </a:t>
+            </a:r>
+            <a:r>
+              <a:rPr lang="nl-NL" dirty="0" err="1" smtClean="0"/>
+              <a:t>neighbor</a:t>
+            </a:r>
+            <a:r>
+              <a:rPr lang="nl-NL" dirty="0" smtClean="0"/>
+              <a:t> </a:t>
+            </a:r>
+            <a:r>
+              <a:rPr lang="nl-NL" dirty="0" err="1" smtClean="0"/>
+              <a:t>algorithm</a:t>
+            </a:r>
+            <a:endParaRPr lang="nl-NL" dirty="0"/>
+          </a:p>
+        </p:txBody>
+      </p:sp>
+      <p:sp>
+        <p:nvSpPr>
+          <p:cNvPr id="3" name="Tijdelijke aanduiding voor inhoud 2"/>
+          <p:cNvSpPr>
+            <a:spLocks noGrp="1"/>
+          </p:cNvSpPr>
+          <p:nvPr>
+            <p:ph idx="1"/>
+          </p:nvPr>
+        </p:nvSpPr>
+        <p:spPr>
+          <a:xfrm>
+            <a:off x="762000" y="1762125"/>
+            <a:ext cx="7881938" cy="4019562"/>
+          </a:xfrm>
+        </p:spPr>
+        <p:txBody>
+          <a:bodyPr/>
+          <a:lstStyle/>
+          <a:p>
+            <a:r>
+              <a:rPr lang="nl-NL" sz="2400" i="1" dirty="0" smtClean="0"/>
+              <a:t>k</a:t>
+            </a:r>
+            <a:r>
+              <a:rPr lang="nl-NL" sz="2400" dirty="0" smtClean="0"/>
+              <a:t>-</a:t>
+            </a:r>
+            <a:r>
+              <a:rPr lang="nl-NL" sz="2400" dirty="0" err="1" smtClean="0"/>
+              <a:t>nearest</a:t>
+            </a:r>
+            <a:r>
+              <a:rPr lang="nl-NL" sz="2400" dirty="0" smtClean="0"/>
+              <a:t> </a:t>
+            </a:r>
+            <a:r>
+              <a:rPr lang="nl-NL" sz="2400" dirty="0" err="1" smtClean="0"/>
+              <a:t>neighbor</a:t>
+            </a:r>
+            <a:r>
+              <a:rPr lang="nl-NL" sz="2400" dirty="0" smtClean="0"/>
+              <a:t> is </a:t>
+            </a:r>
+            <a:r>
+              <a:rPr lang="nl-NL" sz="2400" dirty="0" err="1" smtClean="0"/>
+              <a:t>one</a:t>
+            </a:r>
+            <a:r>
+              <a:rPr lang="nl-NL" sz="2400" dirty="0" smtClean="0"/>
+              <a:t> of the </a:t>
+            </a:r>
+            <a:r>
+              <a:rPr lang="nl-NL" sz="2400" dirty="0" err="1" smtClean="0"/>
+              <a:t>simplest</a:t>
+            </a:r>
+            <a:r>
+              <a:rPr lang="nl-NL" sz="2400" dirty="0" smtClean="0"/>
+              <a:t> </a:t>
+            </a:r>
+            <a:r>
+              <a:rPr lang="nl-NL" sz="2400" dirty="0" err="1" smtClean="0"/>
+              <a:t>algorithms</a:t>
+            </a:r>
+            <a:r>
+              <a:rPr lang="nl-NL" sz="2400" dirty="0" smtClean="0"/>
+              <a:t> in machine </a:t>
+            </a:r>
+            <a:r>
+              <a:rPr lang="nl-NL" sz="2400" dirty="0" err="1" smtClean="0"/>
+              <a:t>learning</a:t>
+            </a:r>
+            <a:endParaRPr lang="nl-NL" sz="2400" i="1" dirty="0" smtClean="0"/>
+          </a:p>
+          <a:p>
+            <a:endParaRPr lang="nl-NL" sz="2400" dirty="0"/>
+          </a:p>
+          <a:p>
+            <a:r>
+              <a:rPr lang="nl-NL" sz="2400" dirty="0" smtClean="0"/>
+              <a:t>From the data set, </a:t>
+            </a:r>
+            <a:r>
+              <a:rPr lang="nl-NL" sz="2400" dirty="0" err="1" smtClean="0"/>
+              <a:t>pick</a:t>
+            </a:r>
+            <a:r>
+              <a:rPr lang="nl-NL" sz="2400" dirty="0" smtClean="0"/>
+              <a:t> the </a:t>
+            </a:r>
+            <a:r>
+              <a:rPr lang="nl-NL" sz="2400" i="1" dirty="0" smtClean="0"/>
+              <a:t>k </a:t>
+            </a:r>
+            <a:r>
+              <a:rPr lang="nl-NL" sz="2400" dirty="0" err="1" smtClean="0"/>
+              <a:t>nearest</a:t>
+            </a:r>
+            <a:r>
+              <a:rPr lang="nl-NL" sz="2400" dirty="0" smtClean="0"/>
+              <a:t> </a:t>
+            </a:r>
+            <a:r>
+              <a:rPr lang="nl-NL" sz="2400" dirty="0" err="1" smtClean="0"/>
+              <a:t>neighbors</a:t>
+            </a:r>
+            <a:r>
+              <a:rPr lang="nl-NL" sz="2400" dirty="0" smtClean="0"/>
+              <a:t> (</a:t>
+            </a:r>
+            <a:r>
+              <a:rPr lang="nl-NL" sz="2400" i="1" dirty="0" smtClean="0"/>
+              <a:t>k = </a:t>
+            </a:r>
+            <a:r>
+              <a:rPr lang="nl-NL" sz="2400" dirty="0" smtClean="0"/>
+              <a:t>3, 5, 7, etc.) of the </a:t>
+            </a:r>
+            <a:r>
+              <a:rPr lang="nl-NL" sz="2400" dirty="0" err="1" smtClean="0"/>
+              <a:t>individual</a:t>
+            </a:r>
+            <a:r>
+              <a:rPr lang="nl-NL" sz="2400" dirty="0" smtClean="0"/>
+              <a:t> </a:t>
+            </a:r>
+            <a:r>
+              <a:rPr lang="nl-NL" sz="2400" dirty="0" err="1" smtClean="0"/>
+              <a:t>you</a:t>
+            </a:r>
+            <a:r>
+              <a:rPr lang="nl-NL" sz="2400" dirty="0" smtClean="0"/>
+              <a:t> want </a:t>
+            </a:r>
+            <a:r>
+              <a:rPr lang="nl-NL" sz="2400" dirty="0" err="1" smtClean="0"/>
+              <a:t>to</a:t>
+            </a:r>
+            <a:r>
+              <a:rPr lang="nl-NL" sz="2400" dirty="0" smtClean="0"/>
+              <a:t> </a:t>
+            </a:r>
+            <a:r>
+              <a:rPr lang="nl-NL" sz="2400" dirty="0" err="1" smtClean="0"/>
+              <a:t>predict</a:t>
+            </a:r>
+            <a:r>
+              <a:rPr lang="nl-NL" sz="2400" dirty="0" smtClean="0"/>
+              <a:t> </a:t>
+            </a:r>
+            <a:r>
+              <a:rPr lang="nl-NL" sz="2400" dirty="0" err="1" smtClean="0"/>
+              <a:t>for</a:t>
+            </a:r>
+            <a:endParaRPr lang="nl-NL" sz="2400" dirty="0" smtClean="0"/>
+          </a:p>
+          <a:p>
+            <a:pPr lvl="1"/>
+            <a:r>
+              <a:rPr lang="nl-NL" sz="2200" dirty="0" err="1" smtClean="0"/>
+              <a:t>Classification</a:t>
+            </a:r>
+            <a:r>
+              <a:rPr lang="nl-NL" sz="2200" dirty="0" smtClean="0"/>
+              <a:t>: </a:t>
+            </a:r>
+            <a:r>
+              <a:rPr lang="nl-NL" sz="2200" dirty="0" err="1" smtClean="0"/>
+              <a:t>pick</a:t>
+            </a:r>
+            <a:r>
+              <a:rPr lang="nl-NL" sz="2200" dirty="0" smtClean="0"/>
+              <a:t> the most frequent </a:t>
+            </a:r>
+            <a:r>
+              <a:rPr lang="nl-NL" sz="2200" dirty="0" err="1" smtClean="0"/>
+              <a:t>answer</a:t>
+            </a:r>
+            <a:r>
+              <a:rPr lang="nl-NL" sz="2200" dirty="0" smtClean="0"/>
+              <a:t> (e.g., Ronaldo or Messi)</a:t>
+            </a:r>
+          </a:p>
+          <a:p>
+            <a:pPr lvl="1"/>
+            <a:r>
+              <a:rPr lang="nl-NL" sz="2200" dirty="0" err="1" smtClean="0"/>
+              <a:t>Regression</a:t>
+            </a:r>
+            <a:r>
+              <a:rPr lang="nl-NL" sz="2200" dirty="0" smtClean="0"/>
+              <a:t>: take the mean of the </a:t>
+            </a:r>
+            <a:r>
+              <a:rPr lang="nl-NL" sz="2200" dirty="0" err="1" smtClean="0"/>
+              <a:t>neighbors</a:t>
+            </a:r>
+            <a:r>
+              <a:rPr lang="nl-NL" sz="2200" dirty="0" smtClean="0"/>
+              <a:t> (e.g., apps </a:t>
+            </a:r>
+            <a:r>
+              <a:rPr lang="nl-NL" sz="2200" dirty="0" err="1" smtClean="0"/>
+              <a:t>downloaded</a:t>
+            </a:r>
+            <a:r>
+              <a:rPr lang="nl-NL" sz="2200" dirty="0"/>
+              <a:t> </a:t>
+            </a:r>
+            <a:r>
+              <a:rPr lang="nl-NL" sz="2200" dirty="0" smtClean="0"/>
+              <a:t>last </a:t>
+            </a:r>
+            <a:r>
+              <a:rPr lang="nl-NL" sz="2200" dirty="0" err="1" smtClean="0"/>
+              <a:t>year</a:t>
+            </a:r>
+            <a:r>
+              <a:rPr lang="nl-NL" sz="2200" dirty="0" smtClean="0"/>
+              <a:t>)</a:t>
+            </a:r>
+          </a:p>
+          <a:p>
+            <a:pPr marL="0" indent="0">
+              <a:buNone/>
+            </a:pPr>
+            <a:endParaRPr lang="nl-NL" sz="2400" dirty="0"/>
+          </a:p>
+        </p:txBody>
+      </p:sp>
+    </p:spTree>
+    <p:extLst>
+      <p:ext uri="{BB962C8B-B14F-4D97-AF65-F5344CB8AC3E}">
+        <p14:creationId xmlns:p14="http://schemas.microsoft.com/office/powerpoint/2010/main" val="1088287530"/>
+      </p:ext>
+    </p:extLst>
+  </p:cSld>
+  <p:clrMapOvr>
+    <a:masterClrMapping/>
+  </p:clrMapOvr>
+  <p:timing>
+    <p:tnLst>
+      <p:par>
+        <p:cTn id="1" dur="indefinite" restart="never" nodeType="tmRoot"/>
+      </p:par>
+    </p:tnLst>
+  </p:timing>
+</p:sld>
+</file>
+
+<file path=ppt/slides/slide6.xml><?xml version="1.0" encoding="utf-8"?>
+<p:sld xmlns:a="http://schemas.openxmlformats.org/drawingml/2006/main" xmlns:r="http://schemas.openxmlformats.org/officeDocument/2006/relationships" xmlns:p="http://schemas.openxmlformats.org/presentationml/2006/main">
+  <p:cSld>
+    <p:spTree>
+      <p:nvGrpSpPr>
+        <p:cNvPr id="1" name=""/>
+        <p:cNvGrpSpPr/>
+        <p:nvPr/>
+      </p:nvGrpSpPr>
+      <p:grpSpPr>
+        <a:xfrm>
+          <a:off x="0" y="0"/>
+          <a:ext cx="0" cy="0"/>
+          <a:chOff x="0" y="0"/>
+          <a:chExt cx="0" cy="0"/>
+        </a:xfrm>
+      </p:grpSpPr>
+      <p:sp>
+        <p:nvSpPr>
+          <p:cNvPr id="2" name="Titel 1"/>
+          <p:cNvSpPr>
+            <a:spLocks noGrp="1"/>
+          </p:cNvSpPr>
+          <p:nvPr>
+            <p:ph type="title"/>
+          </p:nvPr>
+        </p:nvSpPr>
+        <p:spPr/>
+        <p:txBody>
+          <a:bodyPr/>
+          <a:lstStyle/>
+          <a:p>
+            <a:r>
               <a:rPr lang="nl-NL" dirty="0" err="1" smtClean="0"/>
               <a:t>Distance</a:t>
             </a:r>
@@ -13944,28 +14993,28 @@
                 <a:gridCol w="451384">
                   <a:extLst>
                     <a:ext uri="{9D8B030D-6E8A-4147-A177-3AD203B41FA5}">
-                      <a16:colId xmlns:a16="http://schemas.microsoft.com/office/drawing/2014/main" val="2894678915"/>
+                      <a16:colId xmlns:a16="http://schemas.microsoft.com/office/drawing/2014/main" xmlns="" val="2894678915"/>
                     </a:ext>
                   </a:extLst>
                 </a:gridCol>
                 <a:gridCol w="1008112">
                   <a:extLst>
                     <a:ext uri="{9D8B030D-6E8A-4147-A177-3AD203B41FA5}">
-                      <a16:colId xmlns:a16="http://schemas.microsoft.com/office/drawing/2014/main" val="7167211"/>
+                      <a16:colId xmlns:a16="http://schemas.microsoft.com/office/drawing/2014/main" xmlns="" val="7167211"/>
                     </a:ext>
                   </a:extLst>
                 </a:gridCol>
                 <a:gridCol w="936104">
                   <a:extLst>
                     <a:ext uri="{9D8B030D-6E8A-4147-A177-3AD203B41FA5}">
-                      <a16:colId xmlns:a16="http://schemas.microsoft.com/office/drawing/2014/main" val="950369505"/>
+                      <a16:colId xmlns:a16="http://schemas.microsoft.com/office/drawing/2014/main" xmlns="" val="950369505"/>
                     </a:ext>
                   </a:extLst>
                 </a:gridCol>
                 <a:gridCol w="1027448">
                   <a:extLst>
                     <a:ext uri="{9D8B030D-6E8A-4147-A177-3AD203B41FA5}">
-                      <a16:colId xmlns:a16="http://schemas.microsoft.com/office/drawing/2014/main" val="2868849188"/>
+                      <a16:colId xmlns:a16="http://schemas.microsoft.com/office/drawing/2014/main" xmlns="" val="2868849188"/>
                     </a:ext>
                   </a:extLst>
                 </a:gridCol>
@@ -14045,7 +15094,7 @@
                 </a:tc>
                 <a:extLst>
                   <a:ext uri="{0D108BD9-81ED-4DB2-BD59-A6C34878D82A}">
-                    <a16:rowId xmlns:a16="http://schemas.microsoft.com/office/drawing/2014/main" val="4165841752"/>
+                    <a16:rowId xmlns:a16="http://schemas.microsoft.com/office/drawing/2014/main" xmlns="" val="4165841752"/>
                   </a:ext>
                 </a:extLst>
               </a:tr>
@@ -14109,7 +15158,7 @@
                 </a:tc>
                 <a:extLst>
                   <a:ext uri="{0D108BD9-81ED-4DB2-BD59-A6C34878D82A}">
-                    <a16:rowId xmlns:a16="http://schemas.microsoft.com/office/drawing/2014/main" val="1370868939"/>
+                    <a16:rowId xmlns:a16="http://schemas.microsoft.com/office/drawing/2014/main" xmlns="" val="1370868939"/>
                   </a:ext>
                 </a:extLst>
               </a:tr>
@@ -14173,7 +15222,7 @@
                 </a:tc>
                 <a:extLst>
                   <a:ext uri="{0D108BD9-81ED-4DB2-BD59-A6C34878D82A}">
-                    <a16:rowId xmlns:a16="http://schemas.microsoft.com/office/drawing/2014/main" val="3685187167"/>
+                    <a16:rowId xmlns:a16="http://schemas.microsoft.com/office/drawing/2014/main" xmlns="" val="3685187167"/>
                   </a:ext>
                 </a:extLst>
               </a:tr>
@@ -14237,7 +15286,7 @@
                 </a:tc>
                 <a:extLst>
                   <a:ext uri="{0D108BD9-81ED-4DB2-BD59-A6C34878D82A}">
-                    <a16:rowId xmlns:a16="http://schemas.microsoft.com/office/drawing/2014/main" val="1727925773"/>
+                    <a16:rowId xmlns:a16="http://schemas.microsoft.com/office/drawing/2014/main" xmlns="" val="1727925773"/>
                   </a:ext>
                 </a:extLst>
               </a:tr>
@@ -14421,7 +15470,7 @@
 </p:sld>
 </file>
 
-<file path=ppt/slides/slide6.xml><?xml version="1.0" encoding="utf-8"?>
+<file path=ppt/slides/slide7.xml><?xml version="1.0" encoding="utf-8"?>
 <p:sld xmlns:a="http://schemas.openxmlformats.org/drawingml/2006/main" xmlns:r="http://schemas.openxmlformats.org/officeDocument/2006/relationships" xmlns:p="http://schemas.openxmlformats.org/presentationml/2006/main">
   <p:cSld>
     <p:spTree>
@@ -14776,21 +15825,21 @@
                 <a:gridCol w="1224136">
                   <a:extLst>
                     <a:ext uri="{9D8B030D-6E8A-4147-A177-3AD203B41FA5}">
-                      <a16:colId xmlns:a16="http://schemas.microsoft.com/office/drawing/2014/main" val="26041744"/>
+                      <a16:colId xmlns:a16="http://schemas.microsoft.com/office/drawing/2014/main" xmlns="" val="26041744"/>
                     </a:ext>
                   </a:extLst>
                 </a:gridCol>
                 <a:gridCol w="1224136">
                   <a:extLst>
                     <a:ext uri="{9D8B030D-6E8A-4147-A177-3AD203B41FA5}">
-                      <a16:colId xmlns:a16="http://schemas.microsoft.com/office/drawing/2014/main" val="2902479022"/>
+                      <a16:colId xmlns:a16="http://schemas.microsoft.com/office/drawing/2014/main" xmlns="" val="2902479022"/>
                     </a:ext>
                   </a:extLst>
                 </a:gridCol>
                 <a:gridCol w="1224136">
                   <a:extLst>
                     <a:ext uri="{9D8B030D-6E8A-4147-A177-3AD203B41FA5}">
-                      <a16:colId xmlns:a16="http://schemas.microsoft.com/office/drawing/2014/main" val="3268538225"/>
+                      <a16:colId xmlns:a16="http://schemas.microsoft.com/office/drawing/2014/main" xmlns="" val="3268538225"/>
                     </a:ext>
                   </a:extLst>
                 </a:gridCol>
@@ -14843,7 +15892,7 @@
                 </a:tc>
                 <a:extLst>
                   <a:ext uri="{0D108BD9-81ED-4DB2-BD59-A6C34878D82A}">
-                    <a16:rowId xmlns:a16="http://schemas.microsoft.com/office/drawing/2014/main" val="3305753543"/>
+                    <a16:rowId xmlns:a16="http://schemas.microsoft.com/office/drawing/2014/main" xmlns="" val="3305753543"/>
                   </a:ext>
                 </a:extLst>
               </a:tr>
@@ -14895,7 +15944,7 @@
                 </a:tc>
                 <a:extLst>
                   <a:ext uri="{0D108BD9-81ED-4DB2-BD59-A6C34878D82A}">
-                    <a16:rowId xmlns:a16="http://schemas.microsoft.com/office/drawing/2014/main" val="2835981045"/>
+                    <a16:rowId xmlns:a16="http://schemas.microsoft.com/office/drawing/2014/main" xmlns="" val="2835981045"/>
                   </a:ext>
                 </a:extLst>
               </a:tr>
@@ -14947,7 +15996,7 @@
                 </a:tc>
                 <a:extLst>
                   <a:ext uri="{0D108BD9-81ED-4DB2-BD59-A6C34878D82A}">
-                    <a16:rowId xmlns:a16="http://schemas.microsoft.com/office/drawing/2014/main" val="1156060425"/>
+                    <a16:rowId xmlns:a16="http://schemas.microsoft.com/office/drawing/2014/main" xmlns="" val="1156060425"/>
                   </a:ext>
                 </a:extLst>
               </a:tr>
@@ -14979,21 +16028,21 @@
                 <a:gridCol w="1224136">
                   <a:extLst>
                     <a:ext uri="{9D8B030D-6E8A-4147-A177-3AD203B41FA5}">
-                      <a16:colId xmlns:a16="http://schemas.microsoft.com/office/drawing/2014/main" val="26041744"/>
+                      <a16:colId xmlns:a16="http://schemas.microsoft.com/office/drawing/2014/main" xmlns="" val="26041744"/>
                     </a:ext>
                   </a:extLst>
                 </a:gridCol>
                 <a:gridCol w="1224136">
                   <a:extLst>
                     <a:ext uri="{9D8B030D-6E8A-4147-A177-3AD203B41FA5}">
-                      <a16:colId xmlns:a16="http://schemas.microsoft.com/office/drawing/2014/main" val="2902479022"/>
+                      <a16:colId xmlns:a16="http://schemas.microsoft.com/office/drawing/2014/main" xmlns="" val="2902479022"/>
                     </a:ext>
                   </a:extLst>
                 </a:gridCol>
                 <a:gridCol w="1224136">
                   <a:extLst>
                     <a:ext uri="{9D8B030D-6E8A-4147-A177-3AD203B41FA5}">
-                      <a16:colId xmlns:a16="http://schemas.microsoft.com/office/drawing/2014/main" val="3268538225"/>
+                      <a16:colId xmlns:a16="http://schemas.microsoft.com/office/drawing/2014/main" xmlns="" val="3268538225"/>
                     </a:ext>
                   </a:extLst>
                 </a:gridCol>
@@ -15046,7 +16095,7 @@
                 </a:tc>
                 <a:extLst>
                   <a:ext uri="{0D108BD9-81ED-4DB2-BD59-A6C34878D82A}">
-                    <a16:rowId xmlns:a16="http://schemas.microsoft.com/office/drawing/2014/main" val="3305753543"/>
+                    <a16:rowId xmlns:a16="http://schemas.microsoft.com/office/drawing/2014/main" xmlns="" val="3305753543"/>
                   </a:ext>
                 </a:extLst>
               </a:tr>
@@ -15098,7 +16147,7 @@
                 </a:tc>
                 <a:extLst>
                   <a:ext uri="{0D108BD9-81ED-4DB2-BD59-A6C34878D82A}">
-                    <a16:rowId xmlns:a16="http://schemas.microsoft.com/office/drawing/2014/main" val="2835981045"/>
+                    <a16:rowId xmlns:a16="http://schemas.microsoft.com/office/drawing/2014/main" xmlns="" val="2835981045"/>
                   </a:ext>
                 </a:extLst>
               </a:tr>
@@ -15150,7 +16199,7 @@
                 </a:tc>
                 <a:extLst>
                   <a:ext uri="{0D108BD9-81ED-4DB2-BD59-A6C34878D82A}">
-                    <a16:rowId xmlns:a16="http://schemas.microsoft.com/office/drawing/2014/main" val="1156060425"/>
+                    <a16:rowId xmlns:a16="http://schemas.microsoft.com/office/drawing/2014/main" xmlns="" val="1156060425"/>
                   </a:ext>
                 </a:extLst>
               </a:tr>
@@ -15402,7 +16451,7 @@
 </p:sld>
 </file>
 
-<file path=ppt/slides/slide7.xml><?xml version="1.0" encoding="utf-8"?>
+<file path=ppt/slides/slide8.xml><?xml version="1.0" encoding="utf-8"?>
 <p:sld xmlns:a="http://schemas.openxmlformats.org/drawingml/2006/main" xmlns:r="http://schemas.openxmlformats.org/officeDocument/2006/relationships" xmlns:p="http://schemas.openxmlformats.org/presentationml/2006/main">
   <p:cSld>
     <p:spTree>
@@ -16123,21 +17172,21 @@
                 <a:gridCol w="1577915">
                   <a:extLst>
                     <a:ext uri="{9D8B030D-6E8A-4147-A177-3AD203B41FA5}">
-                      <a16:colId xmlns:a16="http://schemas.microsoft.com/office/drawing/2014/main" val="26041744"/>
+                      <a16:colId xmlns:a16="http://schemas.microsoft.com/office/drawing/2014/main" xmlns="" val="26041744"/>
                     </a:ext>
                   </a:extLst>
                 </a:gridCol>
                 <a:gridCol w="1653053">
                   <a:extLst>
                     <a:ext uri="{9D8B030D-6E8A-4147-A177-3AD203B41FA5}">
-                      <a16:colId xmlns:a16="http://schemas.microsoft.com/office/drawing/2014/main" val="2902479022"/>
+                      <a16:colId xmlns:a16="http://schemas.microsoft.com/office/drawing/2014/main" xmlns="" val="2902479022"/>
                     </a:ext>
                   </a:extLst>
                 </a:gridCol>
                 <a:gridCol w="1953608">
                   <a:extLst>
                     <a:ext uri="{9D8B030D-6E8A-4147-A177-3AD203B41FA5}">
-                      <a16:colId xmlns:a16="http://schemas.microsoft.com/office/drawing/2014/main" val="1314794491"/>
+                      <a16:colId xmlns:a16="http://schemas.microsoft.com/office/drawing/2014/main" xmlns="" val="1314794491"/>
                     </a:ext>
                   </a:extLst>
                 </a:gridCol>
@@ -16216,7 +17265,7 @@
                 </a:tc>
                 <a:extLst>
                   <a:ext uri="{0D108BD9-81ED-4DB2-BD59-A6C34878D82A}">
-                    <a16:rowId xmlns:a16="http://schemas.microsoft.com/office/drawing/2014/main" val="3305753543"/>
+                    <a16:rowId xmlns:a16="http://schemas.microsoft.com/office/drawing/2014/main" xmlns="" val="3305753543"/>
                   </a:ext>
                 </a:extLst>
               </a:tr>
@@ -16282,7 +17331,7 @@
                 </a:tc>
                 <a:extLst>
                   <a:ext uri="{0D108BD9-81ED-4DB2-BD59-A6C34878D82A}">
-                    <a16:rowId xmlns:a16="http://schemas.microsoft.com/office/drawing/2014/main" val="2835981045"/>
+                    <a16:rowId xmlns:a16="http://schemas.microsoft.com/office/drawing/2014/main" xmlns="" val="2835981045"/>
                   </a:ext>
                 </a:extLst>
               </a:tr>
@@ -16348,7 +17397,7 @@
                 </a:tc>
                 <a:extLst>
                   <a:ext uri="{0D108BD9-81ED-4DB2-BD59-A6C34878D82A}">
-                    <a16:rowId xmlns:a16="http://schemas.microsoft.com/office/drawing/2014/main" val="1156060425"/>
+                    <a16:rowId xmlns:a16="http://schemas.microsoft.com/office/drawing/2014/main" xmlns="" val="1156060425"/>
                   </a:ext>
                 </a:extLst>
               </a:tr>
@@ -16376,7 +17425,7 @@
 </p:sld>
 </file>
 
-<file path=ppt/slides/slide8.xml><?xml version="1.0" encoding="utf-8"?>
+<file path=ppt/slides/slide9.xml><?xml version="1.0" encoding="utf-8"?>
 <p:sld xmlns:a="http://schemas.openxmlformats.org/drawingml/2006/main" xmlns:r="http://schemas.openxmlformats.org/officeDocument/2006/relationships" xmlns:p="http://schemas.openxmlformats.org/presentationml/2006/main">
   <p:cSld>
     <p:spTree>
@@ -16439,7 +17488,7 @@
         <p:spPr bwMode="auto">
           <a:xfrm>
             <a:off x="838200" y="1340768"/>
-            <a:ext cx="7881938" cy="6555641"/>
+            <a:ext cx="7881938" cy="6666440"/>
           </a:xfrm>
           <a:prstGeom prst="rect">
             <a:avLst/>
@@ -16852,134 +17901,217 @@
           </a:p>
           <a:p>
             <a:pPr marL="0" indent="0">
-              <a:buFont typeface="Zapf Dingbats" charset="2"/>
               <a:buNone/>
             </a:pPr>
             <a:r>
+              <a:rPr lang="nl-NL" sz="1200" kern="0" dirty="0">
+                <a:latin typeface="Courier New" panose="02070309020205020404" pitchFamily="49" charset="0"/>
+                <a:cs typeface="Courier New" panose="02070309020205020404" pitchFamily="49" charset="0"/>
+              </a:rPr>
+              <a:t>See </a:t>
+            </a:r>
+            <a:r>
+              <a:rPr lang="nl-NL" sz="1200" kern="0" dirty="0" err="1">
+                <a:latin typeface="Courier New" panose="02070309020205020404" pitchFamily="49" charset="0"/>
+                <a:cs typeface="Courier New" panose="02070309020205020404" pitchFamily="49" charset="0"/>
+              </a:rPr>
+              <a:t>the</a:t>
+            </a:r>
+            <a:r>
+              <a:rPr lang="nl-NL" sz="1200" kern="0" dirty="0">
+                <a:latin typeface="Courier New" panose="02070309020205020404" pitchFamily="49" charset="0"/>
+                <a:cs typeface="Courier New" panose="02070309020205020404" pitchFamily="49" charset="0"/>
+              </a:rPr>
+              <a:t> Notebook </a:t>
+            </a:r>
+            <a:r>
+              <a:rPr lang="nl-NL" sz="1200" i="1" kern="0" dirty="0">
+                <a:latin typeface="Courier New" panose="02070309020205020404" pitchFamily="49" charset="0"/>
+                <a:cs typeface="Courier New" panose="02070309020205020404" pitchFamily="49" charset="0"/>
+              </a:rPr>
+              <a:t>k-</a:t>
+            </a:r>
+            <a:r>
+              <a:rPr lang="nl-NL" sz="1200" i="1" kern="0" dirty="0" err="1">
+                <a:latin typeface="Courier New" panose="02070309020205020404" pitchFamily="49" charset="0"/>
+                <a:cs typeface="Courier New" panose="02070309020205020404" pitchFamily="49" charset="0"/>
+              </a:rPr>
+              <a:t>nn</a:t>
+            </a:r>
+            <a:r>
+              <a:rPr lang="nl-NL" sz="1200" i="1" kern="0" dirty="0">
+                <a:latin typeface="Courier New" panose="02070309020205020404" pitchFamily="49" charset="0"/>
+                <a:cs typeface="Courier New" panose="02070309020205020404" pitchFamily="49" charset="0"/>
+              </a:rPr>
+              <a:t> </a:t>
+            </a:r>
+            <a:r>
+              <a:rPr lang="nl-NL" sz="1200" kern="0" dirty="0">
+                <a:latin typeface="Courier New" panose="02070309020205020404" pitchFamily="49" charset="0"/>
+                <a:cs typeface="Courier New" panose="02070309020205020404" pitchFamily="49" charset="0"/>
+              </a:rPr>
+              <a:t>in </a:t>
+            </a:r>
+            <a:r>
+              <a:rPr lang="nl-NL" sz="1200" kern="0" dirty="0" err="1">
+                <a:latin typeface="Courier New" panose="02070309020205020404" pitchFamily="49" charset="0"/>
+                <a:cs typeface="Courier New" panose="02070309020205020404" pitchFamily="49" charset="0"/>
+              </a:rPr>
+              <a:t>the</a:t>
+            </a:r>
+            <a:r>
+              <a:rPr lang="nl-NL" sz="1200" kern="0" dirty="0">
+                <a:latin typeface="Courier New" panose="02070309020205020404" pitchFamily="49" charset="0"/>
+                <a:cs typeface="Courier New" panose="02070309020205020404" pitchFamily="49" charset="0"/>
+              </a:rPr>
+              <a:t> </a:t>
+            </a:r>
+            <a:r>
+              <a:rPr lang="nl-NL" sz="1200" i="1" kern="0" dirty="0" err="1" smtClean="0">
+                <a:latin typeface="Courier New" panose="02070309020205020404" pitchFamily="49" charset="0"/>
+                <a:cs typeface="Courier New" panose="02070309020205020404" pitchFamily="49" charset="0"/>
+              </a:rPr>
+              <a:t>examples</a:t>
+            </a:r>
+            <a:r>
+              <a:rPr lang="nl-NL" sz="1200" kern="0" dirty="0" smtClean="0">
+                <a:latin typeface="Courier New" panose="02070309020205020404" pitchFamily="49" charset="0"/>
+                <a:cs typeface="Courier New" panose="02070309020205020404" pitchFamily="49" charset="0"/>
+              </a:rPr>
+              <a:t> </a:t>
+            </a:r>
+            <a:r>
+              <a:rPr lang="nl-NL" sz="1200" kern="0" dirty="0">
+                <a:latin typeface="Courier New" panose="02070309020205020404" pitchFamily="49" charset="0"/>
+                <a:cs typeface="Courier New" panose="02070309020205020404" pitchFamily="49" charset="0"/>
+              </a:rPr>
+              <a:t>folder </a:t>
+            </a:r>
+            <a:r>
+              <a:rPr lang="nl-NL" sz="1200" kern="0" dirty="0" err="1">
+                <a:latin typeface="Courier New" panose="02070309020205020404" pitchFamily="49" charset="0"/>
+                <a:cs typeface="Courier New" panose="02070309020205020404" pitchFamily="49" charset="0"/>
+              </a:rPr>
+              <a:t>for</a:t>
+            </a:r>
+            <a:r>
+              <a:rPr lang="nl-NL" sz="1200" kern="0" dirty="0">
+                <a:latin typeface="Courier New" panose="02070309020205020404" pitchFamily="49" charset="0"/>
+                <a:cs typeface="Courier New" panose="02070309020205020404" pitchFamily="49" charset="0"/>
+              </a:rPr>
+              <a:t> </a:t>
+            </a:r>
+            <a:r>
+              <a:rPr lang="nl-NL" sz="1200" kern="0" dirty="0" err="1">
+                <a:latin typeface="Courier New" panose="02070309020205020404" pitchFamily="49" charset="0"/>
+                <a:cs typeface="Courier New" panose="02070309020205020404" pitchFamily="49" charset="0"/>
+              </a:rPr>
+              <a:t>example</a:t>
+            </a:r>
+            <a:r>
+              <a:rPr lang="nl-NL" sz="1200" kern="0" dirty="0">
+                <a:latin typeface="Courier New" panose="02070309020205020404" pitchFamily="49" charset="0"/>
+                <a:cs typeface="Courier New" panose="02070309020205020404" pitchFamily="49" charset="0"/>
+              </a:rPr>
+              <a:t> </a:t>
+            </a:r>
+            <a:r>
+              <a:rPr lang="nl-NL" sz="1200" kern="0" dirty="0" smtClean="0">
+                <a:latin typeface="Courier New" panose="02070309020205020404" pitchFamily="49" charset="0"/>
+                <a:cs typeface="Courier New" panose="02070309020205020404" pitchFamily="49" charset="0"/>
+              </a:rPr>
+              <a:t>code (</a:t>
+            </a:r>
+            <a:r>
               <a:rPr lang="nl-NL" sz="1200" kern="0" dirty="0" err="1" smtClean="0">
                 <a:latin typeface="Courier New" panose="02070309020205020404" pitchFamily="49" charset="0"/>
                 <a:cs typeface="Courier New" panose="02070309020205020404" pitchFamily="49" charset="0"/>
               </a:rPr>
-              <a:t>You</a:t>
+              <a:t>and</a:t>
             </a:r>
             <a:r>
               <a:rPr lang="nl-NL" sz="1200" kern="0" dirty="0" smtClean="0">
                 <a:latin typeface="Courier New" panose="02070309020205020404" pitchFamily="49" charset="0"/>
                 <a:cs typeface="Courier New" panose="02070309020205020404" pitchFamily="49" charset="0"/>
               </a:rPr>
+              <a:t>/or </a:t>
+            </a:r>
+            <a:r>
+              <a:rPr lang="nl-NL" sz="1200" kern="0" dirty="0" err="1" smtClean="0">
+                <a:latin typeface="Courier New" panose="02070309020205020404" pitchFamily="49" charset="0"/>
+                <a:cs typeface="Courier New" panose="02070309020205020404" pitchFamily="49" charset="0"/>
+              </a:rPr>
+              <a:t>the</a:t>
+            </a:r>
+            <a:r>
+              <a:rPr lang="nl-NL" sz="1200" kern="0" dirty="0" smtClean="0">
+                <a:latin typeface="Courier New" panose="02070309020205020404" pitchFamily="49" charset="0"/>
+                <a:cs typeface="Courier New" panose="02070309020205020404" pitchFamily="49" charset="0"/>
+              </a:rPr>
               <a:t> </a:t>
             </a:r>
             <a:r>
+              <a:rPr lang="nl-NL" sz="1200" i="1" kern="0" dirty="0" err="1" smtClean="0">
+                <a:latin typeface="Courier New" panose="02070309020205020404" pitchFamily="49" charset="0"/>
+                <a:cs typeface="Courier New" panose="02070309020205020404" pitchFamily="49" charset="0"/>
+              </a:rPr>
+              <a:t>cookbook</a:t>
+            </a:r>
+            <a:r>
+              <a:rPr lang="nl-NL" sz="1200" i="1" kern="0" dirty="0" smtClean="0">
+                <a:latin typeface="Courier New" panose="02070309020205020404" pitchFamily="49" charset="0"/>
+                <a:cs typeface="Courier New" panose="02070309020205020404" pitchFamily="49" charset="0"/>
+              </a:rPr>
+              <a:t> </a:t>
+            </a:r>
+            <a:r>
+              <a:rPr lang="nl-NL" sz="1200" kern="0" dirty="0" smtClean="0">
+                <a:latin typeface="Courier New" panose="02070309020205020404" pitchFamily="49" charset="0"/>
+                <a:cs typeface="Courier New" panose="02070309020205020404" pitchFamily="49" charset="0"/>
+              </a:rPr>
+              <a:t>Notebook). </a:t>
+            </a:r>
+            <a:r>
               <a:rPr lang="nl-NL" sz="1200" kern="0" dirty="0" err="1" smtClean="0">
                 <a:latin typeface="Courier New" panose="02070309020205020404" pitchFamily="49" charset="0"/>
                 <a:cs typeface="Courier New" panose="02070309020205020404" pitchFamily="49" charset="0"/>
               </a:rPr>
-              <a:t>can</a:t>
+              <a:t>Find</a:t>
             </a:r>
             <a:r>
               <a:rPr lang="nl-NL" sz="1200" kern="0" dirty="0" smtClean="0">
                 <a:latin typeface="Courier New" panose="02070309020205020404" pitchFamily="49" charset="0"/>
                 <a:cs typeface="Courier New" panose="02070309020205020404" pitchFamily="49" charset="0"/>
               </a:rPr>
+              <a:t> the data set in </a:t>
+            </a:r>
+            <a:r>
+              <a:rPr lang="nl-NL" sz="1200" kern="0" dirty="0" err="1" smtClean="0">
+                <a:latin typeface="Courier New" panose="02070309020205020404" pitchFamily="49" charset="0"/>
+                <a:cs typeface="Courier New" panose="02070309020205020404" pitchFamily="49" charset="0"/>
+              </a:rPr>
+              <a:t>the</a:t>
+            </a:r>
+            <a:r>
+              <a:rPr lang="nl-NL" sz="1200" kern="0" dirty="0" smtClean="0">
+                <a:latin typeface="Courier New" panose="02070309020205020404" pitchFamily="49" charset="0"/>
+                <a:cs typeface="Courier New" panose="02070309020205020404" pitchFamily="49" charset="0"/>
+              </a:rPr>
               <a:t> </a:t>
             </a:r>
             <a:r>
-              <a:rPr lang="nl-NL" sz="1200" kern="0" dirty="0" err="1" smtClean="0">
-                <a:latin typeface="Courier New" panose="02070309020205020404" pitchFamily="49" charset="0"/>
-                <a:cs typeface="Courier New" panose="02070309020205020404" pitchFamily="49" charset="0"/>
-              </a:rPr>
-              <a:t>find</a:t>
-            </a:r>
-            <a:r>
-              <a:rPr lang="nl-NL" sz="1200" kern="0" dirty="0" smtClean="0">
-                <a:latin typeface="Courier New" panose="02070309020205020404" pitchFamily="49" charset="0"/>
-                <a:cs typeface="Courier New" panose="02070309020205020404" pitchFamily="49" charset="0"/>
-              </a:rPr>
-              <a:t> the data set in the </a:t>
-            </a:r>
-            <a:r>
-              <a:rPr lang="nl-NL" sz="1200" kern="0" dirty="0" err="1" smtClean="0">
-                <a:latin typeface="Courier New" panose="02070309020205020404" pitchFamily="49" charset="0"/>
-                <a:cs typeface="Courier New" panose="02070309020205020404" pitchFamily="49" charset="0"/>
-              </a:rPr>
-              <a:t>Exercises</a:t>
-            </a:r>
-            <a:r>
-              <a:rPr lang="nl-NL" sz="1200" kern="0" dirty="0" smtClean="0">
-                <a:latin typeface="Courier New" panose="02070309020205020404" pitchFamily="49" charset="0"/>
-                <a:cs typeface="Courier New" panose="02070309020205020404" pitchFamily="49" charset="0"/>
-              </a:rPr>
-              <a:t> folder. See the Notebook </a:t>
+              <a:rPr lang="nl-NL" sz="1200" i="1" kern="0" dirty="0" err="1" smtClean="0">
+                <a:latin typeface="Courier New" panose="02070309020205020404" pitchFamily="49" charset="0"/>
+                <a:cs typeface="Courier New" panose="02070309020205020404" pitchFamily="49" charset="0"/>
+              </a:rPr>
+              <a:t>exercise</a:t>
             </a:r>
             <a:r>
               <a:rPr lang="nl-NL" sz="1200" i="1" kern="0" dirty="0" smtClean="0">
                 <a:latin typeface="Courier New" panose="02070309020205020404" pitchFamily="49" charset="0"/>
                 <a:cs typeface="Courier New" panose="02070309020205020404" pitchFamily="49" charset="0"/>
               </a:rPr>
-              <a:t>k-</a:t>
-            </a:r>
-            <a:r>
-              <a:rPr lang="nl-NL" sz="1200" i="1" kern="0" dirty="0" err="1" smtClean="0">
-                <a:latin typeface="Courier New" panose="02070309020205020404" pitchFamily="49" charset="0"/>
-                <a:cs typeface="Courier New" panose="02070309020205020404" pitchFamily="49" charset="0"/>
-              </a:rPr>
-              <a:t>nn</a:t>
-            </a:r>
-            <a:r>
-              <a:rPr lang="nl-NL" sz="1200" i="1" kern="0" dirty="0" smtClean="0">
-                <a:latin typeface="Courier New" panose="02070309020205020404" pitchFamily="49" charset="0"/>
-                <a:cs typeface="Courier New" panose="02070309020205020404" pitchFamily="49" charset="0"/>
-              </a:rPr>
               <a:t> </a:t>
-            </a:r>
-            <a:r>
-              <a:rPr lang="nl-NL" sz="1200" kern="0" dirty="0" smtClean="0">
-                <a:latin typeface="Courier New" panose="02070309020205020404" pitchFamily="49" charset="0"/>
-                <a:cs typeface="Courier New" panose="02070309020205020404" pitchFamily="49" charset="0"/>
-              </a:rPr>
-              <a:t>in the </a:t>
-            </a:r>
-            <a:r>
-              <a:rPr lang="nl-NL" sz="1200" kern="0" dirty="0" err="1" smtClean="0">
-                <a:latin typeface="Courier New" panose="02070309020205020404" pitchFamily="49" charset="0"/>
-                <a:cs typeface="Courier New" panose="02070309020205020404" pitchFamily="49" charset="0"/>
-              </a:rPr>
-              <a:t>Examples</a:t>
-            </a:r>
-            <a:r>
-              <a:rPr lang="nl-NL" sz="1200" kern="0" dirty="0" smtClean="0">
-                <a:latin typeface="Courier New" panose="02070309020205020404" pitchFamily="49" charset="0"/>
-                <a:cs typeface="Courier New" panose="02070309020205020404" pitchFamily="49" charset="0"/>
-              </a:rPr>
-              <a:t> folder </a:t>
-            </a:r>
-            <a:r>
-              <a:rPr lang="nl-NL" sz="1200" kern="0" dirty="0" err="1" smtClean="0">
-                <a:latin typeface="Courier New" panose="02070309020205020404" pitchFamily="49" charset="0"/>
-                <a:cs typeface="Courier New" panose="02070309020205020404" pitchFamily="49" charset="0"/>
-              </a:rPr>
-              <a:t>for</a:t>
-            </a:r>
-            <a:r>
-              <a:rPr lang="nl-NL" sz="1200" kern="0" dirty="0" smtClean="0">
-                <a:latin typeface="Courier New" panose="02070309020205020404" pitchFamily="49" charset="0"/>
-                <a:cs typeface="Courier New" panose="02070309020205020404" pitchFamily="49" charset="0"/>
-              </a:rPr>
-              <a:t> </a:t>
-            </a:r>
-            <a:r>
-              <a:rPr lang="nl-NL" sz="1200" kern="0" dirty="0" err="1" smtClean="0">
-                <a:latin typeface="Courier New" panose="02070309020205020404" pitchFamily="49" charset="0"/>
-                <a:cs typeface="Courier New" panose="02070309020205020404" pitchFamily="49" charset="0"/>
-              </a:rPr>
-              <a:t>example</a:t>
-            </a:r>
-            <a:r>
-              <a:rPr lang="nl-NL" sz="1200" kern="0" dirty="0" smtClean="0">
-                <a:latin typeface="Courier New" panose="02070309020205020404" pitchFamily="49" charset="0"/>
-                <a:cs typeface="Courier New" panose="02070309020205020404" pitchFamily="49" charset="0"/>
-              </a:rPr>
-              <a:t> code, </a:t>
             </a:r>
             <a:r>
               <a:rPr lang="nl-NL" sz="1200" kern="0" dirty="0" err="1" smtClean="0">
@@ -17987,244 +19119,6 @@
     <p:extLst>
       <p:ext uri="{BB962C8B-B14F-4D97-AF65-F5344CB8AC3E}">
         <p14:creationId xmlns:p14="http://schemas.microsoft.com/office/powerpoint/2010/main" val="3429613604"/>
-      </p:ext>
-    </p:extLst>
-  </p:cSld>
-  <p:clrMapOvr>
-    <a:masterClrMapping/>
-  </p:clrMapOvr>
-  <p:timing>
-    <p:tnLst>
-      <p:par>
-        <p:cTn id="1" dur="indefinite" restart="never" nodeType="tmRoot"/>
-      </p:par>
-    </p:tnLst>
-  </p:timing>
-</p:sld>
-</file>
-
-<file path=ppt/slides/slide9.xml><?xml version="1.0" encoding="utf-8"?>
-<p:sld xmlns:a="http://schemas.openxmlformats.org/drawingml/2006/main" xmlns:r="http://schemas.openxmlformats.org/officeDocument/2006/relationships" xmlns:p="http://schemas.openxmlformats.org/presentationml/2006/main">
-  <p:cSld>
-    <p:spTree>
-      <p:nvGrpSpPr>
-        <p:cNvPr id="1" name=""/>
-        <p:cNvGrpSpPr/>
-        <p:nvPr/>
-      </p:nvGrpSpPr>
-      <p:grpSpPr>
-        <a:xfrm>
-          <a:off x="0" y="0"/>
-          <a:ext cx="0" cy="0"/>
-          <a:chOff x="0" y="0"/>
-          <a:chExt cx="0" cy="0"/>
-        </a:xfrm>
-      </p:grpSpPr>
-      <p:sp>
-        <p:nvSpPr>
-          <p:cNvPr id="2" name="Titel 1"/>
-          <p:cNvSpPr>
-            <a:spLocks noGrp="1"/>
-          </p:cNvSpPr>
-          <p:nvPr>
-            <p:ph type="title"/>
-          </p:nvPr>
-        </p:nvSpPr>
-        <p:spPr/>
-        <p:txBody>
-          <a:bodyPr/>
-          <a:lstStyle/>
-          <a:p>
-            <a:r>
-              <a:rPr lang="nl-NL" dirty="0" smtClean="0"/>
-              <a:t>Parameter setting</a:t>
-            </a:r>
-            <a:endParaRPr lang="nl-NL" dirty="0"/>
-          </a:p>
-        </p:txBody>
-      </p:sp>
-      <p:sp>
-        <p:nvSpPr>
-          <p:cNvPr id="3" name="Tijdelijke aanduiding voor inhoud 2"/>
-          <p:cNvSpPr>
-            <a:spLocks noGrp="1"/>
-          </p:cNvSpPr>
-          <p:nvPr>
-            <p:ph idx="1"/>
-          </p:nvPr>
-        </p:nvSpPr>
-        <p:spPr>
-          <a:xfrm>
-            <a:off x="762000" y="1762125"/>
-            <a:ext cx="7881938" cy="2973122"/>
-          </a:xfrm>
-        </p:spPr>
-        <p:txBody>
-          <a:bodyPr/>
-          <a:lstStyle/>
-          <a:p>
-            <a:r>
-              <a:rPr lang="nl-NL" sz="2400" dirty="0" smtClean="0"/>
-              <a:t>Every machine </a:t>
-            </a:r>
-            <a:r>
-              <a:rPr lang="nl-NL" sz="2400" dirty="0" err="1" smtClean="0"/>
-              <a:t>learning</a:t>
-            </a:r>
-            <a:r>
-              <a:rPr lang="nl-NL" sz="2400" dirty="0" smtClean="0"/>
-              <a:t> </a:t>
-            </a:r>
-            <a:r>
-              <a:rPr lang="nl-NL" sz="2400" dirty="0" err="1" smtClean="0"/>
-              <a:t>algorithm</a:t>
-            </a:r>
-            <a:r>
-              <a:rPr lang="nl-NL" sz="2400" dirty="0" smtClean="0"/>
-              <a:t> has </a:t>
-            </a:r>
-            <a:r>
-              <a:rPr lang="nl-NL" sz="2400" i="1" dirty="0" smtClean="0"/>
-              <a:t>parameters</a:t>
-            </a:r>
-          </a:p>
-          <a:p>
-            <a:endParaRPr lang="nl-NL" sz="2400" i="1" dirty="0"/>
-          </a:p>
-          <a:p>
-            <a:r>
-              <a:rPr lang="nl-NL" sz="2400" dirty="0" smtClean="0"/>
-              <a:t>For </a:t>
-            </a:r>
-            <a:r>
-              <a:rPr lang="nl-NL" sz="2400" dirty="0" err="1" smtClean="0"/>
-              <a:t>instance</a:t>
-            </a:r>
-            <a:r>
-              <a:rPr lang="nl-NL" sz="2400" dirty="0" smtClean="0"/>
-              <a:t>, </a:t>
-            </a:r>
-            <a:r>
-              <a:rPr lang="nl-NL" sz="2400" dirty="0" err="1" smtClean="0"/>
-              <a:t>with</a:t>
-            </a:r>
-            <a:r>
-              <a:rPr lang="nl-NL" sz="2400" dirty="0" smtClean="0"/>
-              <a:t> KNN the most important parameter is </a:t>
-            </a:r>
-            <a:r>
-              <a:rPr lang="nl-NL" sz="2400" i="1" dirty="0" smtClean="0"/>
-              <a:t>k</a:t>
-            </a:r>
-            <a:r>
-              <a:rPr lang="nl-NL" sz="2400" dirty="0" smtClean="0"/>
-              <a:t>: the </a:t>
-            </a:r>
-            <a:r>
-              <a:rPr lang="nl-NL" sz="2400" dirty="0" err="1" smtClean="0"/>
-              <a:t>number</a:t>
-            </a:r>
-            <a:r>
-              <a:rPr lang="nl-NL" sz="2400" dirty="0" smtClean="0"/>
-              <a:t> of </a:t>
-            </a:r>
-            <a:r>
-              <a:rPr lang="nl-NL" sz="2400" dirty="0" err="1" smtClean="0"/>
-              <a:t>neighbors</a:t>
-            </a:r>
-            <a:endParaRPr lang="nl-NL" sz="2400" dirty="0" smtClean="0"/>
-          </a:p>
-          <a:p>
-            <a:endParaRPr lang="nl-NL" sz="2400" i="1" dirty="0"/>
-          </a:p>
-          <a:p>
-            <a:r>
-              <a:rPr lang="nl-NL" sz="2400" dirty="0" err="1" smtClean="0"/>
-              <a:t>You</a:t>
-            </a:r>
-            <a:r>
-              <a:rPr lang="nl-NL" sz="2400" dirty="0" smtClean="0"/>
-              <a:t> </a:t>
-            </a:r>
-            <a:r>
-              <a:rPr lang="nl-NL" sz="2400" dirty="0" err="1" smtClean="0"/>
-              <a:t>can</a:t>
-            </a:r>
-            <a:r>
-              <a:rPr lang="nl-NL" sz="2400" dirty="0" smtClean="0"/>
-              <a:t> </a:t>
-            </a:r>
-            <a:r>
-              <a:rPr lang="nl-NL" sz="2400" dirty="0" err="1" smtClean="0"/>
-              <a:t>try</a:t>
-            </a:r>
-            <a:r>
-              <a:rPr lang="nl-NL" sz="2400" dirty="0" smtClean="0"/>
-              <a:t> different parameter </a:t>
-            </a:r>
-            <a:r>
-              <a:rPr lang="nl-NL" sz="2400" dirty="0" err="1" smtClean="0"/>
-              <a:t>settings</a:t>
-            </a:r>
-            <a:r>
-              <a:rPr lang="nl-NL" sz="2400" dirty="0" smtClean="0"/>
-              <a:t> </a:t>
-            </a:r>
-            <a:r>
-              <a:rPr lang="nl-NL" sz="2400" dirty="0" err="1" smtClean="0"/>
-              <a:t>to</a:t>
-            </a:r>
-            <a:r>
-              <a:rPr lang="nl-NL" sz="2400" dirty="0" smtClean="0"/>
-              <a:t> </a:t>
-            </a:r>
-            <a:r>
-              <a:rPr lang="nl-NL" sz="2400" dirty="0" err="1" smtClean="0"/>
-              <a:t>optimize</a:t>
-            </a:r>
-            <a:r>
-              <a:rPr lang="nl-NL" sz="2400" dirty="0" smtClean="0"/>
-              <a:t> </a:t>
-            </a:r>
-            <a:r>
-              <a:rPr lang="nl-NL" sz="2400" dirty="0" err="1" smtClean="0"/>
-              <a:t>your</a:t>
-            </a:r>
-            <a:r>
-              <a:rPr lang="nl-NL" sz="2400" dirty="0" smtClean="0"/>
-              <a:t> model (</a:t>
-            </a:r>
-            <a:r>
-              <a:rPr lang="nl-NL" sz="2400" dirty="0" err="1" smtClean="0"/>
-              <a:t>use</a:t>
-            </a:r>
-            <a:r>
-              <a:rPr lang="nl-NL" sz="2400" dirty="0" smtClean="0"/>
-              <a:t> the test set </a:t>
-            </a:r>
-            <a:r>
-              <a:rPr lang="nl-NL" sz="2400" dirty="0" err="1" smtClean="0"/>
-              <a:t>to</a:t>
-            </a:r>
-            <a:r>
-              <a:rPr lang="nl-NL" sz="2400" dirty="0" smtClean="0"/>
-              <a:t> </a:t>
-            </a:r>
-            <a:r>
-              <a:rPr lang="nl-NL" sz="2400" dirty="0" err="1" smtClean="0"/>
-              <a:t>evaluate</a:t>
-            </a:r>
-            <a:r>
-              <a:rPr lang="nl-NL" sz="2400" dirty="0" smtClean="0"/>
-              <a:t>)</a:t>
-            </a:r>
-          </a:p>
-        </p:txBody>
-      </p:sp>
-    </p:spTree>
-    <p:extLst>
-      <p:ext uri="{BB962C8B-B14F-4D97-AF65-F5344CB8AC3E}">
-        <p14:creationId xmlns:p14="http://schemas.microsoft.com/office/powerpoint/2010/main" val="4241161689"/>
       </p:ext>
     </p:extLst>
   </p:cSld>

--- a/slides/Week 5 - machine learning.pptx
+++ b/slides/Week 5 - machine learning.pptx
@@ -15975,11 +15975,7 @@
             </a:r>
             <a:r>
               <a:rPr lang="nl-NL" dirty="0" smtClean="0"/>
-              <a:t> </a:t>
-            </a:r>
-            <a:r>
-              <a:rPr lang="nl-NL" dirty="0" smtClean="0"/>
-              <a:t>tips #1</a:t>
+              <a:t> tips #1</a:t>
             </a:r>
             <a:endParaRPr lang="nl-NL" dirty="0"/>
           </a:p>
@@ -16487,11 +16483,7 @@
             </a:r>
             <a:r>
               <a:rPr lang="nl-NL" sz="1800" dirty="0" smtClean="0"/>
-              <a:t>, etc</a:t>
-            </a:r>
-            <a:r>
-              <a:rPr lang="nl-NL" sz="1800" dirty="0" smtClean="0"/>
-              <a:t>.?</a:t>
+              <a:t>, etc.?</a:t>
             </a:r>
           </a:p>
           <a:p>
@@ -18012,7 +18004,12 @@
             <p:ph type="title"/>
           </p:nvPr>
         </p:nvSpPr>
-        <p:spPr/>
+        <p:spPr>
+          <a:xfrm>
+            <a:off x="765820" y="270833"/>
+            <a:ext cx="6172200" cy="579438"/>
+          </a:xfrm>
+        </p:spPr>
         <p:txBody>
           <a:bodyPr/>
           <a:lstStyle/>
@@ -18039,8 +18036,8 @@
             </p:nvSpPr>
             <p:spPr>
               <a:xfrm>
-                <a:off x="3851920" y="3740638"/>
-                <a:ext cx="4691156" cy="525016"/>
+                <a:off x="2065067" y="3489094"/>
+                <a:ext cx="6678944" cy="530530"/>
               </a:xfrm>
               <a:prstGeom prst="rect">
                 <a:avLst/>
@@ -18070,6 +18067,67 @@
                         <a:rPr lang="nl-NL" sz="1800" b="0" i="1" smtClean="0">
                           <a:latin typeface="Cambria Math" panose="02040503050406030204" pitchFamily="18" charset="0"/>
                         </a:rPr>
+                        <m:t>=</m:t>
+                      </m:r>
+                      <m:f>
+                        <m:fPr>
+                          <m:ctrlPr>
+                            <a:rPr lang="nl-NL" sz="1800" i="1" smtClean="0">
+                              <a:latin typeface="Cambria Math" panose="02040503050406030204" pitchFamily="18" charset="0"/>
+                            </a:rPr>
+                          </m:ctrlPr>
+                        </m:fPr>
+                        <m:num>
+                          <m:r>
+                            <a:rPr lang="nl-NL" sz="1800" b="0" i="1" smtClean="0">
+                              <a:latin typeface="Cambria Math" panose="02040503050406030204" pitchFamily="18" charset="0"/>
+                            </a:rPr>
+                            <m:t>𝑐𝑜𝑟𝑟𝑒𝑐𝑡𝑙𝑦</m:t>
+                          </m:r>
+                          <m:r>
+                            <a:rPr lang="nl-NL" sz="1800" b="0" i="1" smtClean="0">
+                              <a:latin typeface="Cambria Math" panose="02040503050406030204" pitchFamily="18" charset="0"/>
+                            </a:rPr>
+                            <m:t> </m:t>
+                          </m:r>
+                          <m:r>
+                            <a:rPr lang="nl-NL" sz="1800" b="0" i="1" smtClean="0">
+                              <a:latin typeface="Cambria Math" panose="02040503050406030204" pitchFamily="18" charset="0"/>
+                            </a:rPr>
+                            <m:t>𝑝𝑟𝑒𝑑</m:t>
+                          </m:r>
+                          <m:r>
+                            <a:rPr lang="nl-NL" sz="1800" b="0" i="1" smtClean="0">
+                              <a:latin typeface="Cambria Math" panose="02040503050406030204" pitchFamily="18" charset="0"/>
+                            </a:rPr>
+                            <m:t>.</m:t>
+                          </m:r>
+                        </m:num>
+                        <m:den>
+                          <m:r>
+                            <a:rPr lang="nl-NL" sz="1800" b="0" i="1" smtClean="0">
+                              <a:latin typeface="Cambria Math" panose="02040503050406030204" pitchFamily="18" charset="0"/>
+                            </a:rPr>
+                            <m:t>𝑡𝑜𝑡𝑎𝑙</m:t>
+                          </m:r>
+                          <m:r>
+                            <a:rPr lang="nl-NL" sz="1800" b="0" i="1" smtClean="0">
+                              <a:latin typeface="Cambria Math" panose="02040503050406030204" pitchFamily="18" charset="0"/>
+                            </a:rPr>
+                            <m:t> </m:t>
+                          </m:r>
+                          <m:r>
+                            <a:rPr lang="nl-NL" sz="1800" b="0" i="1" smtClean="0">
+                              <a:latin typeface="Cambria Math" panose="02040503050406030204" pitchFamily="18" charset="0"/>
+                            </a:rPr>
+                            <m:t>𝑐𝑎𝑠𝑒𝑠</m:t>
+                          </m:r>
+                        </m:den>
+                      </m:f>
+                      <m:r>
+                        <a:rPr lang="nl-NL" sz="1800" b="0" i="1" smtClean="0">
+                          <a:latin typeface="Cambria Math" panose="02040503050406030204" pitchFamily="18" charset="0"/>
+                        </a:rPr>
                         <m:t>= </m:t>
                       </m:r>
                       <m:f>
@@ -18085,19 +18143,7 @@
                             <a:rPr lang="nl-NL" sz="1800" b="0" i="1" smtClean="0">
                               <a:latin typeface="Cambria Math" panose="02040503050406030204" pitchFamily="18" charset="0"/>
                             </a:rPr>
-                            <m:t>20+</m:t>
-                          </m:r>
-                          <m:r>
-                            <a:rPr lang="nl-NL" sz="1800" b="0" i="1" smtClean="0">
-                              <a:latin typeface="Cambria Math" panose="02040503050406030204" pitchFamily="18" charset="0"/>
-                            </a:rPr>
-                            <m:t>6</m:t>
-                          </m:r>
-                          <m:r>
-                            <a:rPr lang="nl-NL" sz="1800" b="0" i="1" smtClean="0">
-                              <a:latin typeface="Cambria Math" panose="02040503050406030204" pitchFamily="18" charset="0"/>
-                            </a:rPr>
-                            <m:t>0</m:t>
+                            <m:t>20+60</m:t>
                           </m:r>
                         </m:num>
                         <m:den>
@@ -18105,19 +18151,7 @@
                             <a:rPr lang="nl-NL" sz="1800" b="0" i="1" smtClean="0">
                               <a:latin typeface="Cambria Math" panose="02040503050406030204" pitchFamily="18" charset="0"/>
                             </a:rPr>
-                            <m:t>20+</m:t>
-                          </m:r>
-                          <m:r>
-                            <a:rPr lang="nl-NL" sz="1800" b="0" i="1" smtClean="0">
-                              <a:latin typeface="Cambria Math" panose="02040503050406030204" pitchFamily="18" charset="0"/>
-                            </a:rPr>
-                            <m:t>4</m:t>
-                          </m:r>
-                          <m:r>
-                            <a:rPr lang="nl-NL" sz="1800" b="0" i="1" smtClean="0">
-                              <a:latin typeface="Cambria Math" panose="02040503050406030204" pitchFamily="18" charset="0"/>
-                            </a:rPr>
-                            <m:t>0+10+60</m:t>
+                            <m:t>20+40+10+60</m:t>
                           </m:r>
                         </m:den>
                       </m:f>
@@ -18140,13 +18174,7 @@
                             <a:rPr lang="nl-NL" sz="1800" b="0" i="1" smtClean="0">
                               <a:latin typeface="Cambria Math" panose="02040503050406030204" pitchFamily="18" charset="0"/>
                             </a:rPr>
-                            <m:t>8</m:t>
-                          </m:r>
-                          <m:r>
-                            <a:rPr lang="nl-NL" sz="1800" b="0" i="1" smtClean="0">
-                              <a:latin typeface="Cambria Math" panose="02040503050406030204" pitchFamily="18" charset="0"/>
-                            </a:rPr>
-                            <m:t>0</m:t>
+                            <m:t>80</m:t>
                           </m:r>
                         </m:num>
                         <m:den>
@@ -18154,19 +18182,7 @@
                             <a:rPr lang="nl-NL" sz="1800" b="0" i="1" smtClean="0">
                               <a:latin typeface="Cambria Math" panose="02040503050406030204" pitchFamily="18" charset="0"/>
                             </a:rPr>
-                            <m:t>1</m:t>
-                          </m:r>
-                          <m:r>
-                            <a:rPr lang="nl-NL" sz="1800" b="0" i="1" smtClean="0">
-                              <a:latin typeface="Cambria Math" panose="02040503050406030204" pitchFamily="18" charset="0"/>
-                            </a:rPr>
-                            <m:t>3</m:t>
-                          </m:r>
-                          <m:r>
-                            <a:rPr lang="nl-NL" sz="1800" b="0" i="1" smtClean="0">
-                              <a:latin typeface="Cambria Math" panose="02040503050406030204" pitchFamily="18" charset="0"/>
-                            </a:rPr>
-                            <m:t>0</m:t>
+                            <m:t>130</m:t>
                           </m:r>
                         </m:den>
                       </m:f>
@@ -18174,19 +18190,7 @@
                         <a:rPr lang="nl-NL" sz="1800" b="0" i="1" smtClean="0">
                           <a:latin typeface="Cambria Math" panose="02040503050406030204" pitchFamily="18" charset="0"/>
                         </a:rPr>
-                        <m:t>=0.</m:t>
-                      </m:r>
-                      <m:r>
-                        <a:rPr lang="nl-NL" sz="1800" b="0" i="1" smtClean="0">
-                          <a:latin typeface="Cambria Math" panose="02040503050406030204" pitchFamily="18" charset="0"/>
-                        </a:rPr>
-                        <m:t>62</m:t>
-                      </m:r>
-                      <m:r>
-                        <a:rPr lang="nl-NL" sz="1800" b="0" i="1" smtClean="0">
-                          <a:latin typeface="Cambria Math" panose="02040503050406030204" pitchFamily="18" charset="0"/>
-                        </a:rPr>
-                        <m:t> </m:t>
+                        <m:t>=0.62 </m:t>
                       </m:r>
                     </m:oMath>
                   </m:oMathPara>
@@ -18207,8 +18211,8 @@
             </p:nvSpPr>
             <p:spPr>
               <a:xfrm>
-                <a:off x="3851920" y="3740638"/>
-                <a:ext cx="4691156" cy="525016"/>
+                <a:off x="2065067" y="3489094"/>
+                <a:ext cx="6678944" cy="530530"/>
               </a:xfrm>
               <a:prstGeom prst="rect">
                 <a:avLst/>
@@ -18235,8 +18239,8 @@
           </p:sp>
         </mc:Fallback>
       </mc:AlternateContent>
-      <mc:AlternateContent xmlns:mc="http://schemas.openxmlformats.org/markup-compatibility/2006" xmlns:a14="http://schemas.microsoft.com/office/drawing/2010/main">
-        <mc:Choice Requires="a14">
+      <mc:AlternateContent xmlns:mc="http://schemas.openxmlformats.org/markup-compatibility/2006">
+        <mc:Choice xmlns:a14="http://schemas.microsoft.com/office/drawing/2010/main" Requires="a14">
           <p:sp>
             <p:nvSpPr>
               <p:cNvPr id="7" name="Tekstvak 6"/>
@@ -18245,8 +18249,8 @@
             </p:nvSpPr>
             <p:spPr>
               <a:xfrm>
-                <a:off x="3851920" y="4705073"/>
-                <a:ext cx="4377737" cy="525016"/>
+                <a:off x="1885066" y="4635392"/>
+                <a:ext cx="7158113" cy="576761"/>
               </a:xfrm>
               <a:prstGeom prst="rect">
                 <a:avLst/>
@@ -18288,7 +18292,98 @@
                         <a:rPr lang="nl-NL" sz="1800" b="0" i="1" smtClean="0">
                           <a:latin typeface="Cambria Math" panose="02040503050406030204" pitchFamily="18" charset="0"/>
                         </a:rPr>
-                        <m:t>)= </m:t>
+                        <m:t>)=</m:t>
+                      </m:r>
+                      <m:f>
+                        <m:fPr>
+                          <m:ctrlPr>
+                            <a:rPr lang="nl-NL" sz="1800" i="1">
+                              <a:latin typeface="Cambria Math" panose="02040503050406030204" pitchFamily="18" charset="0"/>
+                            </a:rPr>
+                          </m:ctrlPr>
+                        </m:fPr>
+                        <m:num>
+                          <m:r>
+                            <a:rPr lang="nl-NL" sz="1800" i="1">
+                              <a:latin typeface="Cambria Math" panose="02040503050406030204" pitchFamily="18" charset="0"/>
+                            </a:rPr>
+                            <m:t>𝑐𝑜𝑟𝑟𝑒𝑐𝑡𝑙𝑦</m:t>
+                          </m:r>
+                          <m:r>
+                            <a:rPr lang="nl-NL" sz="1800" i="1">
+                              <a:latin typeface="Cambria Math" panose="02040503050406030204" pitchFamily="18" charset="0"/>
+                            </a:rPr>
+                            <m:t> </m:t>
+                          </m:r>
+                          <m:r>
+                            <a:rPr lang="nl-NL" sz="1800" i="1">
+                              <a:latin typeface="Cambria Math" panose="02040503050406030204" pitchFamily="18" charset="0"/>
+                            </a:rPr>
+                            <m:t>𝑝𝑟𝑒𝑑</m:t>
+                          </m:r>
+                          <m:r>
+                            <a:rPr lang="nl-NL" sz="1800" b="0" i="1" smtClean="0">
+                              <a:latin typeface="Cambria Math" panose="02040503050406030204" pitchFamily="18" charset="0"/>
+                            </a:rPr>
+                            <m:t>. (</m:t>
+                          </m:r>
+                          <m:r>
+                            <a:rPr lang="nl-NL" sz="1800" b="0" i="1" smtClean="0">
+                              <a:latin typeface="Cambria Math" panose="02040503050406030204" pitchFamily="18" charset="0"/>
+                            </a:rPr>
+                            <m:t>𝑠𝑝𝑎𝑚</m:t>
+                          </m:r>
+                          <m:r>
+                            <a:rPr lang="nl-NL" sz="1800" b="0" i="1" smtClean="0">
+                              <a:latin typeface="Cambria Math" panose="02040503050406030204" pitchFamily="18" charset="0"/>
+                            </a:rPr>
+                            <m:t>)</m:t>
+                          </m:r>
+                        </m:num>
+                        <m:den>
+                          <m:r>
+                            <a:rPr lang="nl-NL" sz="1800" b="0" i="1" smtClean="0">
+                              <a:latin typeface="Cambria Math" panose="02040503050406030204" pitchFamily="18" charset="0"/>
+                            </a:rPr>
+                            <m:t>𝑡𝑜𝑡𝑎𝑙</m:t>
+                          </m:r>
+                          <m:r>
+                            <a:rPr lang="nl-NL" sz="1800" b="0" i="1" smtClean="0">
+                              <a:latin typeface="Cambria Math" panose="02040503050406030204" pitchFamily="18" charset="0"/>
+                            </a:rPr>
+                            <m:t> </m:t>
+                          </m:r>
+                          <m:r>
+                            <a:rPr lang="nl-NL" sz="1800" b="0" i="1" smtClean="0">
+                              <a:latin typeface="Cambria Math" panose="02040503050406030204" pitchFamily="18" charset="0"/>
+                            </a:rPr>
+                            <m:t>𝑝𝑟𝑒𝑑</m:t>
+                          </m:r>
+                          <m:r>
+                            <a:rPr lang="nl-NL" sz="1800" b="0" i="1" smtClean="0">
+                              <a:latin typeface="Cambria Math" panose="02040503050406030204" pitchFamily="18" charset="0"/>
+                            </a:rPr>
+                            <m:t>. (</m:t>
+                          </m:r>
+                          <m:r>
+                            <a:rPr lang="nl-NL" sz="1800" b="0" i="1" smtClean="0">
+                              <a:latin typeface="Cambria Math" panose="02040503050406030204" pitchFamily="18" charset="0"/>
+                            </a:rPr>
+                            <m:t>𝑠𝑝𝑎𝑚</m:t>
+                          </m:r>
+                          <m:r>
+                            <a:rPr lang="nl-NL" sz="1800" b="0" i="1" smtClean="0">
+                              <a:latin typeface="Cambria Math" panose="02040503050406030204" pitchFamily="18" charset="0"/>
+                            </a:rPr>
+                            <m:t>)</m:t>
+                          </m:r>
+                        </m:den>
+                      </m:f>
+                      <m:r>
+                        <a:rPr lang="nl-NL" sz="1800" i="1">
+                          <a:latin typeface="Cambria Math" panose="02040503050406030204" pitchFamily="18" charset="0"/>
+                        </a:rPr>
+                        <m:t>=</m:t>
                       </m:r>
                       <m:f>
                         <m:fPr>
@@ -18360,7 +18455,7 @@
             </p:txBody>
           </p:sp>
         </mc:Choice>
-        <mc:Fallback xmlns="">
+        <mc:Fallback>
           <p:sp>
             <p:nvSpPr>
               <p:cNvPr id="7" name="Tekstvak 6"/>
@@ -18371,8 +18466,8 @@
             </p:nvSpPr>
             <p:spPr>
               <a:xfrm>
-                <a:off x="3851920" y="4705073"/>
-                <a:ext cx="4377737" cy="525016"/>
+                <a:off x="1885066" y="4635392"/>
+                <a:ext cx="7158113" cy="576761"/>
               </a:xfrm>
               <a:prstGeom prst="rect">
                 <a:avLst/>
@@ -18409,8 +18504,8 @@
             </p:nvSpPr>
             <p:spPr>
               <a:xfrm>
-                <a:off x="3851920" y="5656179"/>
-                <a:ext cx="4090928" cy="525016"/>
+                <a:off x="2065067" y="5622553"/>
+                <a:ext cx="6832896" cy="576761"/>
               </a:xfrm>
               <a:prstGeom prst="rect">
                 <a:avLst/>
@@ -18452,7 +18547,98 @@
                         <a:rPr lang="nl-NL" sz="1800" b="0" i="1" smtClean="0">
                           <a:latin typeface="Cambria Math" panose="02040503050406030204" pitchFamily="18" charset="0"/>
                         </a:rPr>
-                        <m:t>)= </m:t>
+                        <m:t>)=</m:t>
+                      </m:r>
+                      <m:f>
+                        <m:fPr>
+                          <m:ctrlPr>
+                            <a:rPr lang="nl-NL" sz="1800" i="1">
+                              <a:latin typeface="Cambria Math" panose="02040503050406030204" pitchFamily="18" charset="0"/>
+                            </a:rPr>
+                          </m:ctrlPr>
+                        </m:fPr>
+                        <m:num>
+                          <m:r>
+                            <a:rPr lang="nl-NL" sz="1800" i="1">
+                              <a:latin typeface="Cambria Math" panose="02040503050406030204" pitchFamily="18" charset="0"/>
+                            </a:rPr>
+                            <m:t>𝑐𝑜𝑟𝑟𝑒𝑐𝑡𝑙𝑦</m:t>
+                          </m:r>
+                          <m:r>
+                            <a:rPr lang="nl-NL" sz="1800" i="1">
+                              <a:latin typeface="Cambria Math" panose="02040503050406030204" pitchFamily="18" charset="0"/>
+                            </a:rPr>
+                            <m:t> </m:t>
+                          </m:r>
+                          <m:r>
+                            <a:rPr lang="nl-NL" sz="1800" i="1">
+                              <a:latin typeface="Cambria Math" panose="02040503050406030204" pitchFamily="18" charset="0"/>
+                            </a:rPr>
+                            <m:t>𝑝𝑟𝑒𝑑</m:t>
+                          </m:r>
+                          <m:r>
+                            <a:rPr lang="nl-NL" sz="1800" b="0" i="1" smtClean="0">
+                              <a:latin typeface="Cambria Math" panose="02040503050406030204" pitchFamily="18" charset="0"/>
+                            </a:rPr>
+                            <m:t>. (</m:t>
+                          </m:r>
+                          <m:r>
+                            <a:rPr lang="nl-NL" sz="1800" b="0" i="1" smtClean="0">
+                              <a:latin typeface="Cambria Math" panose="02040503050406030204" pitchFamily="18" charset="0"/>
+                            </a:rPr>
+                            <m:t>𝑠𝑝𝑎𝑚</m:t>
+                          </m:r>
+                          <m:r>
+                            <a:rPr lang="nl-NL" sz="1800" b="0" i="1" smtClean="0">
+                              <a:latin typeface="Cambria Math" panose="02040503050406030204" pitchFamily="18" charset="0"/>
+                            </a:rPr>
+                            <m:t>)</m:t>
+                          </m:r>
+                        </m:num>
+                        <m:den>
+                          <m:r>
+                            <a:rPr lang="nl-NL" sz="1800" i="1">
+                              <a:latin typeface="Cambria Math" panose="02040503050406030204" pitchFamily="18" charset="0"/>
+                            </a:rPr>
+                            <m:t>𝑡𝑜𝑡𝑎𝑙</m:t>
+                          </m:r>
+                          <m:r>
+                            <a:rPr lang="nl-NL" sz="1800" b="0" i="1" smtClean="0">
+                              <a:latin typeface="Cambria Math" panose="02040503050406030204" pitchFamily="18" charset="0"/>
+                            </a:rPr>
+                            <m:t> </m:t>
+                          </m:r>
+                          <m:r>
+                            <a:rPr lang="nl-NL" sz="1800" b="0" i="1" smtClean="0">
+                              <a:latin typeface="Cambria Math" panose="02040503050406030204" pitchFamily="18" charset="0"/>
+                            </a:rPr>
+                            <m:t>𝑎𝑐𝑡𝑢𝑎𝑙</m:t>
+                          </m:r>
+                          <m:r>
+                            <a:rPr lang="nl-NL" sz="1800" b="0" i="1" smtClean="0">
+                              <a:latin typeface="Cambria Math" panose="02040503050406030204" pitchFamily="18" charset="0"/>
+                            </a:rPr>
+                            <m:t> (</m:t>
+                          </m:r>
+                          <m:r>
+                            <a:rPr lang="nl-NL" sz="1800" b="0" i="1" smtClean="0">
+                              <a:latin typeface="Cambria Math" panose="02040503050406030204" pitchFamily="18" charset="0"/>
+                            </a:rPr>
+                            <m:t>𝑠𝑝𝑎𝑚</m:t>
+                          </m:r>
+                          <m:r>
+                            <a:rPr lang="nl-NL" sz="1800" b="0" i="1" smtClean="0">
+                              <a:latin typeface="Cambria Math" panose="02040503050406030204" pitchFamily="18" charset="0"/>
+                            </a:rPr>
+                            <m:t>)</m:t>
+                          </m:r>
+                        </m:den>
+                      </m:f>
+                      <m:r>
+                        <a:rPr lang="nl-NL" sz="1800" i="1">
+                          <a:latin typeface="Cambria Math" panose="02040503050406030204" pitchFamily="18" charset="0"/>
+                        </a:rPr>
+                        <m:t>=</m:t>
                       </m:r>
                       <m:f>
                         <m:fPr>
@@ -18467,13 +18653,7 @@
                             <a:rPr lang="nl-NL" sz="1800" b="0" i="1" smtClean="0">
                               <a:latin typeface="Cambria Math" panose="02040503050406030204" pitchFamily="18" charset="0"/>
                             </a:rPr>
-                            <m:t>6</m:t>
-                          </m:r>
-                          <m:r>
-                            <a:rPr lang="nl-NL" sz="1800" b="0" i="1" smtClean="0">
-                              <a:latin typeface="Cambria Math" panose="02040503050406030204" pitchFamily="18" charset="0"/>
-                            </a:rPr>
-                            <m:t>0</m:t>
+                            <m:t>60</m:t>
                           </m:r>
                         </m:num>
                         <m:den>
@@ -18481,13 +18661,7 @@
                             <a:rPr lang="nl-NL" sz="1800" b="0" i="1" smtClean="0">
                               <a:latin typeface="Cambria Math" panose="02040503050406030204" pitchFamily="18" charset="0"/>
                             </a:rPr>
-                            <m:t>4</m:t>
-                          </m:r>
-                          <m:r>
-                            <a:rPr lang="nl-NL" sz="1800" b="0" i="1" smtClean="0">
-                              <a:latin typeface="Cambria Math" panose="02040503050406030204" pitchFamily="18" charset="0"/>
-                            </a:rPr>
-                            <m:t>0+60</m:t>
+                            <m:t>40+60</m:t>
                           </m:r>
                         </m:den>
                       </m:f>
@@ -18510,13 +18684,7 @@
                             <a:rPr lang="nl-NL" sz="1800" b="0" i="1" smtClean="0">
                               <a:latin typeface="Cambria Math" panose="02040503050406030204" pitchFamily="18" charset="0"/>
                             </a:rPr>
-                            <m:t>6</m:t>
-                          </m:r>
-                          <m:r>
-                            <a:rPr lang="nl-NL" sz="1800" b="0" i="1" smtClean="0">
-                              <a:latin typeface="Cambria Math" panose="02040503050406030204" pitchFamily="18" charset="0"/>
-                            </a:rPr>
-                            <m:t>0</m:t>
+                            <m:t>60</m:t>
                           </m:r>
                         </m:num>
                         <m:den>
@@ -18524,13 +18692,7 @@
                             <a:rPr lang="nl-NL" sz="1800" b="0" i="1" smtClean="0">
                               <a:latin typeface="Cambria Math" panose="02040503050406030204" pitchFamily="18" charset="0"/>
                             </a:rPr>
-                            <m:t>10</m:t>
-                          </m:r>
-                          <m:r>
-                            <a:rPr lang="nl-NL" sz="1800" b="0" i="1" smtClean="0">
-                              <a:latin typeface="Cambria Math" panose="02040503050406030204" pitchFamily="18" charset="0"/>
-                            </a:rPr>
-                            <m:t>0</m:t>
+                            <m:t>100</m:t>
                           </m:r>
                         </m:den>
                       </m:f>
@@ -18538,19 +18700,7 @@
                         <a:rPr lang="nl-NL" sz="1800" b="0" i="1" smtClean="0">
                           <a:latin typeface="Cambria Math" panose="02040503050406030204" pitchFamily="18" charset="0"/>
                         </a:rPr>
-                        <m:t>=0.</m:t>
-                      </m:r>
-                      <m:r>
-                        <a:rPr lang="nl-NL" sz="1800" b="0" i="1" smtClean="0">
-                          <a:latin typeface="Cambria Math" panose="02040503050406030204" pitchFamily="18" charset="0"/>
-                        </a:rPr>
-                        <m:t>60</m:t>
-                      </m:r>
-                      <m:r>
-                        <a:rPr lang="nl-NL" sz="1800" b="0" i="1" smtClean="0">
-                          <a:latin typeface="Cambria Math" panose="02040503050406030204" pitchFamily="18" charset="0"/>
-                        </a:rPr>
-                        <m:t> </m:t>
+                        <m:t>=0.60 </m:t>
                       </m:r>
                     </m:oMath>
                   </m:oMathPara>
@@ -18571,8 +18721,8 @@
             </p:nvSpPr>
             <p:spPr>
               <a:xfrm>
-                <a:off x="3851920" y="5656179"/>
-                <a:ext cx="4090928" cy="525016"/>
+                <a:off x="2065067" y="5622553"/>
+                <a:ext cx="6832896" cy="576761"/>
               </a:xfrm>
               <a:prstGeom prst="rect">
                 <a:avLst/>
@@ -18607,67 +18757,8 @@
         </p:nvSpPr>
         <p:spPr>
           <a:xfrm>
-            <a:off x="505344" y="3851610"/>
-            <a:ext cx="2683748" cy="830997"/>
-          </a:xfrm>
-          <a:prstGeom prst="rect">
-            <a:avLst/>
-          </a:prstGeom>
-          <a:noFill/>
-        </p:spPr>
-        <p:txBody>
-          <a:bodyPr wrap="none" rtlCol="0">
-            <a:spAutoFit/>
-          </a:bodyPr>
-          <a:lstStyle/>
-          <a:p>
-            <a:r>
-              <a:rPr lang="nl-NL" sz="1600" dirty="0" err="1" smtClean="0"/>
-              <a:t>What</a:t>
-            </a:r>
-            <a:r>
-              <a:rPr lang="nl-NL" sz="1600" dirty="0" smtClean="0"/>
-              <a:t> </a:t>
-            </a:r>
-            <a:r>
-              <a:rPr lang="nl-NL" sz="1600" dirty="0" err="1" smtClean="0"/>
-              <a:t>proportion</a:t>
-            </a:r>
-            <a:r>
-              <a:rPr lang="nl-NL" sz="1600" dirty="0" smtClean="0"/>
-              <a:t> is </a:t>
-            </a:r>
-            <a:r>
-              <a:rPr lang="nl-NL" sz="1600" dirty="0" err="1" smtClean="0"/>
-              <a:t>correctly</a:t>
-            </a:r>
-            <a:endParaRPr lang="nl-NL" sz="1600" dirty="0" smtClean="0"/>
-          </a:p>
-          <a:p>
-            <a:r>
-              <a:rPr lang="nl-NL" sz="1600" dirty="0" err="1" smtClean="0"/>
-              <a:t>predicted</a:t>
-            </a:r>
-            <a:r>
-              <a:rPr lang="nl-NL" sz="1600" dirty="0" smtClean="0"/>
-              <a:t>?</a:t>
-            </a:r>
-          </a:p>
-          <a:p>
-            <a:endParaRPr lang="nl-NL" sz="1600" dirty="0"/>
-          </a:p>
-        </p:txBody>
-      </p:sp>
-      <p:sp>
-        <p:nvSpPr>
-          <p:cNvPr id="10" name="Tekstvak 9"/>
-          <p:cNvSpPr txBox="1"/>
-          <p:nvPr/>
-        </p:nvSpPr>
-        <p:spPr>
-          <a:xfrm>
-            <a:off x="395536" y="4740753"/>
-            <a:ext cx="3020317" cy="584775"/>
+            <a:off x="372899" y="3435064"/>
+            <a:ext cx="1665628" cy="1077218"/>
           </a:xfrm>
           <a:prstGeom prst="rect">
             <a:avLst/>
@@ -18681,47 +18772,52 @@
           <a:lstStyle/>
           <a:p>
             <a:r>
+              <a:rPr lang="nl-NL" sz="1600" dirty="0" err="1" smtClean="0"/>
+              <a:t>What</a:t>
+            </a:r>
+            <a:r>
               <a:rPr lang="nl-NL" sz="1600" dirty="0" smtClean="0"/>
-              <a:t>How </a:t>
+              <a:t> </a:t>
             </a:r>
             <a:r>
               <a:rPr lang="nl-NL" sz="1600" dirty="0" err="1" smtClean="0"/>
-              <a:t>much</a:t>
+              <a:t>proportion</a:t>
             </a:r>
             <a:r>
               <a:rPr lang="nl-NL" sz="1600" dirty="0" smtClean="0"/>
-              <a:t> of the </a:t>
-            </a:r>
+              <a:t> is </a:t>
+            </a:r>
+            <a:r>
+              <a:rPr lang="nl-NL" sz="1600" dirty="0" err="1" smtClean="0"/>
+              <a:t>correctly</a:t>
+            </a:r>
+            <a:endParaRPr lang="nl-NL" sz="1600" dirty="0" smtClean="0"/>
+          </a:p>
+          <a:p>
             <a:r>
               <a:rPr lang="nl-NL" sz="1600" dirty="0" err="1" smtClean="0"/>
               <a:t>predicted</a:t>
             </a:r>
             <a:r>
               <a:rPr lang="nl-NL" sz="1600" dirty="0" smtClean="0"/>
-              <a:t> ‘spam’ is </a:t>
-            </a:r>
-            <a:r>
-              <a:rPr lang="nl-NL" sz="1600" dirty="0" err="1" smtClean="0"/>
-              <a:t>actually</a:t>
-            </a:r>
-            <a:r>
-              <a:rPr lang="nl-NL" sz="1600" dirty="0" smtClean="0"/>
-              <a:t> spam? </a:t>
-            </a:r>
+              <a:t>?</a:t>
+            </a:r>
+          </a:p>
+          <a:p>
             <a:endParaRPr lang="nl-NL" sz="1600" dirty="0"/>
           </a:p>
         </p:txBody>
       </p:sp>
       <p:sp>
         <p:nvSpPr>
-          <p:cNvPr id="11" name="Tekstvak 10"/>
+          <p:cNvPr id="10" name="Tekstvak 9"/>
           <p:cNvSpPr txBox="1"/>
           <p:nvPr/>
         </p:nvSpPr>
         <p:spPr>
           <a:xfrm>
-            <a:off x="395536" y="5656179"/>
-            <a:ext cx="3020317" cy="584775"/>
+            <a:off x="372899" y="4389171"/>
+            <a:ext cx="1692168" cy="1077218"/>
           </a:xfrm>
           <a:prstGeom prst="rect">
             <a:avLst/>
@@ -18744,6 +18840,60 @@
             </a:r>
             <a:r>
               <a:rPr lang="nl-NL" sz="1600" dirty="0" smtClean="0"/>
+              <a:t> of the </a:t>
+            </a:r>
+            <a:r>
+              <a:rPr lang="nl-NL" sz="1600" dirty="0" err="1" smtClean="0"/>
+              <a:t>predicted</a:t>
+            </a:r>
+            <a:r>
+              <a:rPr lang="nl-NL" sz="1600" dirty="0" smtClean="0"/>
+              <a:t> ‘spam’ is </a:t>
+            </a:r>
+            <a:r>
+              <a:rPr lang="nl-NL" sz="1600" dirty="0" err="1" smtClean="0"/>
+              <a:t>actually</a:t>
+            </a:r>
+            <a:r>
+              <a:rPr lang="nl-NL" sz="1600" dirty="0" smtClean="0"/>
+              <a:t> spam? </a:t>
+            </a:r>
+            <a:endParaRPr lang="nl-NL" sz="1600" dirty="0"/>
+          </a:p>
+        </p:txBody>
+      </p:sp>
+      <p:sp>
+        <p:nvSpPr>
+          <p:cNvPr id="11" name="Tekstvak 10"/>
+          <p:cNvSpPr txBox="1"/>
+          <p:nvPr/>
+        </p:nvSpPr>
+        <p:spPr>
+          <a:xfrm>
+            <a:off x="395537" y="5656179"/>
+            <a:ext cx="1669530" cy="1077218"/>
+          </a:xfrm>
+          <a:prstGeom prst="rect">
+            <a:avLst/>
+          </a:prstGeom>
+          <a:noFill/>
+        </p:spPr>
+        <p:txBody>
+          <a:bodyPr wrap="square" rtlCol="0">
+            <a:spAutoFit/>
+          </a:bodyPr>
+          <a:lstStyle/>
+          <a:p>
+            <a:r>
+              <a:rPr lang="nl-NL" sz="1600" dirty="0" smtClean="0"/>
+              <a:t>How </a:t>
+            </a:r>
+            <a:r>
+              <a:rPr lang="nl-NL" sz="1600" dirty="0" err="1" smtClean="0"/>
+              <a:t>much</a:t>
+            </a:r>
+            <a:r>
+              <a:rPr lang="nl-NL" sz="1600" dirty="0" smtClean="0"/>
               <a:t> of the real spam is </a:t>
             </a:r>
             <a:r>
@@ -18767,7 +18917,7 @@
         <p:spPr>
           <a:xfrm>
             <a:off x="505344" y="1710954"/>
-            <a:ext cx="2581156" cy="461665"/>
+            <a:ext cx="1906416" cy="830997"/>
           </a:xfrm>
           <a:prstGeom prst="rect">
             <a:avLst/>
@@ -18775,7 +18925,7 @@
           <a:noFill/>
         </p:spPr>
         <p:txBody>
-          <a:bodyPr wrap="none" rtlCol="0">
+          <a:bodyPr wrap="square" rtlCol="0">
             <a:spAutoFit/>
           </a:bodyPr>
           <a:lstStyle/>
@@ -18801,14 +18951,14 @@
           <p:nvPr>
             <p:extLst>
               <p:ext uri="{D42A27DB-BD31-4B8C-83A1-F6EECF244321}">
-                <p14:modId xmlns:p14="http://schemas.microsoft.com/office/powerpoint/2010/main" val="3620857230"/>
+                <p14:modId xmlns:p14="http://schemas.microsoft.com/office/powerpoint/2010/main" val="2365250502"/>
               </p:ext>
             </p:extLst>
           </p:nvPr>
         </p:nvGraphicFramePr>
         <p:xfrm>
-          <a:off x="3718541" y="1435375"/>
-          <a:ext cx="4824535" cy="1879173"/>
+          <a:off x="2339752" y="1167426"/>
+          <a:ext cx="5904655" cy="2072640"/>
         </p:xfrm>
         <a:graphic>
           <a:graphicData uri="http://schemas.openxmlformats.org/drawingml/2006/table">
@@ -18817,28 +18967,28 @@
                 <a:tableStyleId>{5C22544A-7EE6-4342-B048-85BDC9FD1C3A}</a:tableStyleId>
               </a:tblPr>
               <a:tblGrid>
-                <a:gridCol w="1066475">
+                <a:gridCol w="1305238">
                   <a:extLst>
                     <a:ext uri="{9D8B030D-6E8A-4147-A177-3AD203B41FA5}">
                       <a16:colId xmlns:a16="http://schemas.microsoft.com/office/drawing/2014/main" val="26041744"/>
                     </a:ext>
                   </a:extLst>
                 </a:gridCol>
-                <a:gridCol w="1117260">
+                <a:gridCol w="1367393">
                   <a:extLst>
                     <a:ext uri="{9D8B030D-6E8A-4147-A177-3AD203B41FA5}">
                       <a16:colId xmlns:a16="http://schemas.microsoft.com/office/drawing/2014/main" val="2902479022"/>
                     </a:ext>
                   </a:extLst>
                 </a:gridCol>
-                <a:gridCol w="1320400">
+                <a:gridCol w="1616012">
                   <a:extLst>
                     <a:ext uri="{9D8B030D-6E8A-4147-A177-3AD203B41FA5}">
                       <a16:colId xmlns:a16="http://schemas.microsoft.com/office/drawing/2014/main" val="1314794491"/>
                     </a:ext>
                   </a:extLst>
                 </a:gridCol>
-                <a:gridCol w="1320400">
+                <a:gridCol w="1616012">
                   <a:extLst>
                     <a:ext uri="{9D8B030D-6E8A-4147-A177-3AD203B41FA5}">
                       <a16:colId xmlns:a16="http://schemas.microsoft.com/office/drawing/2014/main" val="4931238"/>
@@ -18853,7 +19003,7 @@
                     <a:lstStyle/>
                     <a:p>
                       <a:pPr algn="r"/>
-                      <a:endParaRPr lang="nl-NL" sz="1400" dirty="0"/>
+                      <a:endParaRPr lang="nl-NL" sz="1600" dirty="0"/>
                     </a:p>
                   </a:txBody>
                   <a:tcPr/>
@@ -18865,29 +19015,29 @@
                     <a:p>
                       <a:pPr algn="l"/>
                       <a:r>
-                        <a:rPr lang="nl-NL" sz="1400" dirty="0" err="1" smtClean="0"/>
+                        <a:rPr lang="nl-NL" sz="1600" dirty="0" err="1" smtClean="0"/>
                         <a:t>Predicted</a:t>
                       </a:r>
                       <a:r>
-                        <a:rPr lang="nl-NL" sz="1400" dirty="0" smtClean="0"/>
+                        <a:rPr lang="nl-NL" sz="1600" dirty="0" smtClean="0"/>
                         <a:t>: </a:t>
                       </a:r>
                     </a:p>
                     <a:p>
                       <a:pPr algn="l"/>
                       <a:r>
-                        <a:rPr lang="nl-NL" sz="1400" dirty="0" err="1" smtClean="0"/>
+                        <a:rPr lang="nl-NL" sz="1600" dirty="0" err="1" smtClean="0"/>
                         <a:t>Not</a:t>
                       </a:r>
                       <a:r>
-                        <a:rPr lang="nl-NL" sz="1400" baseline="0" dirty="0" smtClean="0"/>
+                        <a:rPr lang="nl-NL" sz="1600" baseline="0" dirty="0" smtClean="0"/>
                         <a:t> s</a:t>
                       </a:r>
                       <a:r>
-                        <a:rPr lang="nl-NL" sz="1400" dirty="0" smtClean="0"/>
+                        <a:rPr lang="nl-NL" sz="1600" dirty="0" smtClean="0"/>
                         <a:t>pam</a:t>
                       </a:r>
-                      <a:endParaRPr lang="nl-NL" sz="1400" dirty="0"/>
+                      <a:endParaRPr lang="nl-NL" sz="1600" dirty="0"/>
                     </a:p>
                   </a:txBody>
                   <a:tcPr/>
@@ -18899,21 +19049,21 @@
                     <a:p>
                       <a:pPr algn="l"/>
                       <a:r>
-                        <a:rPr lang="nl-NL" sz="1400" dirty="0" err="1" smtClean="0"/>
+                        <a:rPr lang="nl-NL" sz="1600" dirty="0" err="1" smtClean="0"/>
                         <a:t>Predicted</a:t>
                       </a:r>
                       <a:r>
-                        <a:rPr lang="nl-NL" sz="1400" dirty="0" smtClean="0"/>
+                        <a:rPr lang="nl-NL" sz="1600" dirty="0" smtClean="0"/>
                         <a:t>: </a:t>
                       </a:r>
                     </a:p>
                     <a:p>
                       <a:pPr algn="l"/>
                       <a:r>
-                        <a:rPr lang="nl-NL" sz="1400" dirty="0" smtClean="0"/>
+                        <a:rPr lang="nl-NL" sz="1600" dirty="0" smtClean="0"/>
                         <a:t>Spam</a:t>
                       </a:r>
-                      <a:endParaRPr lang="nl-NL" sz="1400" dirty="0"/>
+                      <a:endParaRPr lang="nl-NL" sz="1600" dirty="0"/>
                     </a:p>
                   </a:txBody>
                   <a:tcPr/>
@@ -18925,10 +19075,10 @@
                     <a:p>
                       <a:pPr algn="l"/>
                       <a:r>
-                        <a:rPr lang="nl-NL" sz="1400" dirty="0" smtClean="0"/>
+                        <a:rPr lang="nl-NL" sz="1600" dirty="0" smtClean="0"/>
                         <a:t>Total</a:t>
                       </a:r>
-                      <a:endParaRPr lang="nl-NL" sz="1400" dirty="0"/>
+                      <a:endParaRPr lang="nl-NL" sz="1600" dirty="0"/>
                     </a:p>
                   </a:txBody>
                   <a:tcPr/>
@@ -18947,22 +19097,22 @@
                     <a:p>
                       <a:pPr algn="l"/>
                       <a:r>
-                        <a:rPr lang="nl-NL" sz="1400" dirty="0" err="1" smtClean="0"/>
+                        <a:rPr lang="nl-NL" sz="1600" dirty="0" err="1" smtClean="0"/>
                         <a:t>Actual</a:t>
                       </a:r>
                       <a:r>
-                        <a:rPr lang="nl-NL" sz="1400" dirty="0" smtClean="0"/>
+                        <a:rPr lang="nl-NL" sz="1600" dirty="0" smtClean="0"/>
                         <a:t>:</a:t>
                       </a:r>
                     </a:p>
                     <a:p>
                       <a:pPr algn="l"/>
                       <a:r>
-                        <a:rPr lang="nl-NL" sz="1400" dirty="0" err="1" smtClean="0"/>
+                        <a:rPr lang="nl-NL" sz="1600" dirty="0" err="1" smtClean="0"/>
                         <a:t>Not</a:t>
                       </a:r>
                       <a:r>
-                        <a:rPr lang="nl-NL" sz="1400" dirty="0" smtClean="0"/>
+                        <a:rPr lang="nl-NL" sz="1600" dirty="0" smtClean="0"/>
                         <a:t> spam</a:t>
                       </a:r>
                     </a:p>
@@ -18976,10 +19126,10 @@
                     <a:p>
                       <a:pPr algn="r"/>
                       <a:r>
-                        <a:rPr lang="nl-NL" sz="1400" dirty="0" smtClean="0"/>
+                        <a:rPr lang="nl-NL" sz="1600" dirty="0" smtClean="0"/>
                         <a:t>20</a:t>
                       </a:r>
-                      <a:endParaRPr lang="nl-NL" sz="1400" dirty="0"/>
+                      <a:endParaRPr lang="nl-NL" sz="1600" dirty="0"/>
                     </a:p>
                   </a:txBody>
                   <a:tcPr/>
@@ -18991,10 +19141,10 @@
                     <a:p>
                       <a:pPr algn="r"/>
                       <a:r>
-                        <a:rPr lang="nl-NL" sz="1400" dirty="0" smtClean="0"/>
+                        <a:rPr lang="nl-NL" sz="1600" dirty="0" smtClean="0"/>
                         <a:t>10</a:t>
                       </a:r>
-                      <a:endParaRPr lang="nl-NL" sz="1400" dirty="0"/>
+                      <a:endParaRPr lang="nl-NL" sz="1600" dirty="0"/>
                     </a:p>
                   </a:txBody>
                   <a:tcPr/>
@@ -19006,10 +19156,10 @@
                     <a:p>
                       <a:pPr algn="r"/>
                       <a:r>
-                        <a:rPr lang="nl-NL" sz="1400" b="1" dirty="0" smtClean="0"/>
+                        <a:rPr lang="nl-NL" sz="1600" b="1" dirty="0" smtClean="0"/>
                         <a:t>30</a:t>
                       </a:r>
-                      <a:endParaRPr lang="nl-NL" sz="1400" b="1" dirty="0"/>
+                      <a:endParaRPr lang="nl-NL" sz="1600" b="1" dirty="0"/>
                     </a:p>
                   </a:txBody>
                   <a:tcPr/>
@@ -19028,18 +19178,18 @@
                     <a:p>
                       <a:pPr algn="l"/>
                       <a:r>
-                        <a:rPr lang="nl-NL" sz="1400" dirty="0" err="1" smtClean="0"/>
+                        <a:rPr lang="nl-NL" sz="1600" dirty="0" err="1" smtClean="0"/>
                         <a:t>Actual</a:t>
                       </a:r>
                       <a:r>
-                        <a:rPr lang="nl-NL" sz="1400" dirty="0" smtClean="0"/>
+                        <a:rPr lang="nl-NL" sz="1600" dirty="0" smtClean="0"/>
                         <a:t>:</a:t>
                       </a:r>
                     </a:p>
                     <a:p>
                       <a:pPr algn="l"/>
                       <a:r>
-                        <a:rPr lang="nl-NL" sz="1400" dirty="0" smtClean="0"/>
+                        <a:rPr lang="nl-NL" sz="1600" dirty="0" smtClean="0"/>
                         <a:t>Spam</a:t>
                       </a:r>
                     </a:p>
@@ -19053,10 +19203,10 @@
                     <a:p>
                       <a:pPr algn="r"/>
                       <a:r>
-                        <a:rPr lang="nl-NL" sz="1400" dirty="0" smtClean="0"/>
+                        <a:rPr lang="nl-NL" sz="1600" dirty="0" smtClean="0"/>
                         <a:t>40</a:t>
                       </a:r>
-                      <a:endParaRPr lang="nl-NL" sz="1400" dirty="0"/>
+                      <a:endParaRPr lang="nl-NL" sz="1600" dirty="0"/>
                     </a:p>
                   </a:txBody>
                   <a:tcPr/>
@@ -19068,10 +19218,10 @@
                     <a:p>
                       <a:pPr algn="r"/>
                       <a:r>
-                        <a:rPr lang="nl-NL" sz="1400" dirty="0" smtClean="0"/>
+                        <a:rPr lang="nl-NL" sz="1600" dirty="0" smtClean="0"/>
                         <a:t>60</a:t>
                       </a:r>
-                      <a:endParaRPr lang="nl-NL" sz="1400" dirty="0"/>
+                      <a:endParaRPr lang="nl-NL" sz="1600" dirty="0"/>
                     </a:p>
                   </a:txBody>
                   <a:tcPr/>
@@ -19083,10 +19233,10 @@
                     <a:p>
                       <a:pPr algn="r"/>
                       <a:r>
-                        <a:rPr lang="nl-NL" sz="1400" b="1" dirty="0" smtClean="0"/>
+                        <a:rPr lang="nl-NL" sz="1600" b="1" dirty="0" smtClean="0"/>
                         <a:t>100</a:t>
                       </a:r>
-                      <a:endParaRPr lang="nl-NL" sz="1400" b="1" dirty="0"/>
+                      <a:endParaRPr lang="nl-NL" sz="1600" b="1" dirty="0"/>
                     </a:p>
                   </a:txBody>
                   <a:tcPr/>
@@ -19105,7 +19255,7 @@
                     <a:p>
                       <a:pPr algn="l"/>
                       <a:r>
-                        <a:rPr lang="nl-NL" sz="1400" dirty="0" smtClean="0"/>
+                        <a:rPr lang="nl-NL" sz="1600" dirty="0" smtClean="0"/>
                         <a:t>Total</a:t>
                       </a:r>
                     </a:p>
@@ -19119,10 +19269,10 @@
                     <a:p>
                       <a:pPr algn="r"/>
                       <a:r>
-                        <a:rPr lang="nl-NL" sz="1400" b="1" dirty="0" smtClean="0"/>
+                        <a:rPr lang="nl-NL" sz="1600" b="1" dirty="0" smtClean="0"/>
                         <a:t>60</a:t>
                       </a:r>
-                      <a:endParaRPr lang="nl-NL" sz="1400" b="1" dirty="0"/>
+                      <a:endParaRPr lang="nl-NL" sz="1600" b="1" dirty="0"/>
                     </a:p>
                   </a:txBody>
                   <a:tcPr/>
@@ -19134,10 +19284,10 @@
                     <a:p>
                       <a:pPr algn="r"/>
                       <a:r>
-                        <a:rPr lang="nl-NL" sz="1400" b="1" dirty="0" smtClean="0"/>
+                        <a:rPr lang="nl-NL" sz="1600" b="1" dirty="0" smtClean="0"/>
                         <a:t>70</a:t>
                       </a:r>
-                      <a:endParaRPr lang="nl-NL" sz="1400" b="1" dirty="0"/>
+                      <a:endParaRPr lang="nl-NL" sz="1600" b="1" dirty="0"/>
                     </a:p>
                   </a:txBody>
                   <a:tcPr/>
@@ -19149,10 +19299,10 @@
                     <a:p>
                       <a:pPr algn="r"/>
                       <a:r>
-                        <a:rPr lang="nl-NL" sz="1400" b="1" dirty="0" smtClean="0"/>
+                        <a:rPr lang="nl-NL" sz="1600" b="1" dirty="0" smtClean="0"/>
                         <a:t>130</a:t>
                       </a:r>
-                      <a:endParaRPr lang="nl-NL" sz="1400" b="1" dirty="0"/>
+                      <a:endParaRPr lang="nl-NL" sz="1600" b="1" dirty="0"/>
                     </a:p>
                   </a:txBody>
                   <a:tcPr/>
